--- a/PPTs/Hadith Kisa.pptx
+++ b/PPTs/Hadith Kisa.pptx
@@ -12473,95 +12473,6 @@
           </p:spPr>
         </p:pic>
       </p:grpSp>
-      <p:sp>
-        <p:nvSpPr>
-          <p:cNvPr id="2" name="Slide Number Placeholder 1">
-            <a:extLst>
-              <a:ext uri="{FF2B5EF4-FFF2-40B4-BE49-F238E27FC236}">
-                <a16:creationId xmlns:a16="http://schemas.microsoft.com/office/drawing/2014/main" id="{837C4EDA-A509-BB32-2953-59C94A37AC12}"/>
-              </a:ext>
-            </a:extLst>
-          </p:cNvPr>
-          <p:cNvSpPr>
-            <a:spLocks noGrp="1"/>
-          </p:cNvSpPr>
-          <p:nvPr>
-            <p:ph type="sldNum" sz="quarter" idx="12"/>
-          </p:nvPr>
-        </p:nvSpPr>
-        <p:spPr/>
-        <p:txBody>
-          <a:bodyPr/>
-          <a:lstStyle/>
-          <a:p>
-            <a:pPr marL="0" marR="0" lvl="0" indent="0" algn="r" defTabSz="914400" rtl="0" eaLnBrk="1" fontAlgn="auto" latinLnBrk="0" hangingPunct="1">
-              <a:lnSpc>
-                <a:spcPct val="100000"/>
-              </a:lnSpc>
-              <a:spcBef>
-                <a:spcPts val="0"/>
-              </a:spcBef>
-              <a:spcAft>
-                <a:spcPts val="0"/>
-              </a:spcAft>
-              <a:buClrTx/>
-              <a:buSzTx/>
-              <a:buFontTx/>
-              <a:buNone/>
-              <a:tabLst/>
-              <a:defRPr/>
-            </a:pPr>
-            <a:fld id="{483B47EA-5D2D-44B5-B00B-9EB09598820D}" type="slidenum">
-              <a:rPr kumimoji="0" lang="ar-SA" altLang="en-US" sz="1400" b="0" i="0" u="none" strike="noStrike" kern="1200" cap="none" spc="0" normalizeH="0" baseline="0" noProof="0" smtClean="0">
-                <a:ln>
-                  <a:noFill/>
-                </a:ln>
-                <a:solidFill>
-                  <a:srgbClr val="000066"/>
-                </a:solidFill>
-                <a:effectLst/>
-                <a:uLnTx/>
-                <a:uFillTx/>
-                <a:latin typeface="Calibri Light" panose="020F0302020204030204" pitchFamily="34" charset="0"/>
-                <a:ea typeface="+mn-ea"/>
-                <a:cs typeface="Calibri Light" panose="020F0302020204030204" pitchFamily="34" charset="0"/>
-              </a:rPr>
-              <a:pPr marL="0" marR="0" lvl="0" indent="0" algn="r" defTabSz="914400" rtl="0" eaLnBrk="1" fontAlgn="auto" latinLnBrk="0" hangingPunct="1">
-                <a:lnSpc>
-                  <a:spcPct val="100000"/>
-                </a:lnSpc>
-                <a:spcBef>
-                  <a:spcPts val="0"/>
-                </a:spcBef>
-                <a:spcAft>
-                  <a:spcPts val="0"/>
-                </a:spcAft>
-                <a:buClrTx/>
-                <a:buSzTx/>
-                <a:buFontTx/>
-                <a:buNone/>
-                <a:tabLst/>
-                <a:defRPr/>
-              </a:pPr>
-              <a:t>1</a:t>
-            </a:fld>
-            <a:endParaRPr kumimoji="0" lang="en-US" altLang="en-US" sz="1400" b="0" i="0" u="none" strike="noStrike" kern="1200" cap="none" spc="0" normalizeH="0" baseline="0" noProof="0" dirty="0">
-              <a:ln>
-                <a:noFill/>
-              </a:ln>
-              <a:solidFill>
-                <a:srgbClr val="000066"/>
-              </a:solidFill>
-              <a:effectLst/>
-              <a:uLnTx/>
-              <a:uFillTx/>
-              <a:latin typeface="Calibri Light" panose="020F0302020204030204" pitchFamily="34" charset="0"/>
-              <a:ea typeface="+mn-ea"/>
-              <a:cs typeface="Calibri Light" panose="020F0302020204030204" pitchFamily="34" charset="0"/>
-            </a:endParaRPr>
-          </a:p>
-        </p:txBody>
-      </p:sp>
     </p:spTree>
     <p:extLst>
       <p:ext uri="{BB962C8B-B14F-4D97-AF65-F5344CB8AC3E}">

--- a/PPTs/Hadith Kisa.pptx
+++ b/PPTs/Hadith Kisa.pptx
@@ -12063,41 +12063,7 @@
                 <a:ea typeface="Calibri Light" panose="020F0302020204030204" pitchFamily="34" charset="0"/>
                 <a:cs typeface="Calibri Light" panose="020F0302020204030204" pitchFamily="34" charset="0"/>
               </a:rPr>
-              <a:t>And We desired to show </a:t>
-            </a:r>
-            <a:r>
-              <a:rPr kumimoji="0" lang="en-US" sz="1400" b="0" i="1" u="none" strike="noStrike" kern="1200" cap="none" spc="0" normalizeH="0" baseline="0" noProof="0" dirty="0" err="1">
-                <a:ln>
-                  <a:noFill/>
-                </a:ln>
-                <a:solidFill>
-                  <a:srgbClr val="127274"/>
-                </a:solidFill>
-                <a:effectLst/>
-                <a:uLnTx/>
-                <a:uFillTx/>
-                <a:latin typeface="Calibri Light" panose="020F0302020204030204" pitchFamily="34" charset="0"/>
-                <a:ea typeface="Calibri Light" panose="020F0302020204030204" pitchFamily="34" charset="0"/>
-                <a:cs typeface="Calibri Light" panose="020F0302020204030204" pitchFamily="34" charset="0"/>
-              </a:rPr>
-              <a:t>favour</a:t>
-            </a:r>
-            <a:r>
-              <a:rPr kumimoji="0" lang="en-US" sz="1400" b="0" i="1" u="none" strike="noStrike" kern="1200" cap="none" spc="0" normalizeH="0" baseline="0" noProof="0" dirty="0">
-                <a:ln>
-                  <a:noFill/>
-                </a:ln>
-                <a:solidFill>
-                  <a:srgbClr val="127274"/>
-                </a:solidFill>
-                <a:effectLst/>
-                <a:uLnTx/>
-                <a:uFillTx/>
-                <a:latin typeface="Calibri Light" panose="020F0302020204030204" pitchFamily="34" charset="0"/>
-                <a:ea typeface="Calibri Light" panose="020F0302020204030204" pitchFamily="34" charset="0"/>
-                <a:cs typeface="Calibri Light" panose="020F0302020204030204" pitchFamily="34" charset="0"/>
-              </a:rPr>
-              <a:t> upon those who were abased in the land, </a:t>
+              <a:t>And We desired to show favor upon those who were abased in the land, </a:t>
             </a:r>
           </a:p>
           <a:p>
@@ -12172,7 +12138,7 @@
               <a:t>(Surah </a:t>
             </a:r>
             <a:r>
-              <a:rPr kumimoji="0" lang="en-US" sz="1200" b="0" i="1" u="none" strike="noStrike" kern="1200" cap="none" spc="0" normalizeH="0" baseline="0" noProof="0" dirty="0" err="1">
+              <a:rPr kumimoji="0" lang="en-US" sz="1200" b="0" i="1" u="none" strike="noStrike" kern="1200" cap="none" spc="0" normalizeH="0" baseline="0" noProof="0">
                 <a:ln>
                   <a:noFill/>
                 </a:ln>
@@ -12186,7 +12152,7 @@
                 <a:ea typeface="Calibri Light" panose="020F0302020204030204" pitchFamily="34" charset="0"/>
                 <a:cs typeface="Calibri Light" panose="020F0302020204030204" pitchFamily="34" charset="0"/>
               </a:rPr>
-              <a:t>Qasas</a:t>
+              <a:t>Qasas: </a:t>
             </a:r>
             <a:r>
               <a:rPr kumimoji="0" lang="en-US" sz="1200" b="0" i="1" u="none" strike="noStrike" kern="1200" cap="none" spc="0" normalizeH="0" baseline="0" noProof="0" dirty="0">
@@ -12203,7 +12169,7 @@
                 <a:ea typeface="Calibri Light" panose="020F0302020204030204" pitchFamily="34" charset="0"/>
                 <a:cs typeface="Calibri Light" panose="020F0302020204030204" pitchFamily="34" charset="0"/>
               </a:rPr>
-              <a:t> : 5)</a:t>
+              <a:t>5)</a:t>
             </a:r>
             <a:endParaRPr kumimoji="0" lang="en-CA" sz="1200" b="0" i="1" u="none" strike="noStrike" kern="1200" cap="none" spc="0" normalizeH="0" baseline="0" noProof="0" dirty="0">
               <a:ln>

--- a/PPTs/Hadith Kisa.pptx
+++ b/PPTs/Hadith Kisa.pptx
@@ -44,79 +44,81 @@
     <p:sldId id="4234" r:id="rId38"/>
     <p:sldId id="4164" r:id="rId39"/>
     <p:sldId id="4165" r:id="rId40"/>
-    <p:sldId id="4166" r:id="rId41"/>
-    <p:sldId id="4167" r:id="rId42"/>
-    <p:sldId id="4168" r:id="rId43"/>
-    <p:sldId id="4169" r:id="rId44"/>
-    <p:sldId id="4235" r:id="rId45"/>
-    <p:sldId id="4171" r:id="rId46"/>
-    <p:sldId id="4172" r:id="rId47"/>
-    <p:sldId id="4236" r:id="rId48"/>
-    <p:sldId id="4174" r:id="rId49"/>
-    <p:sldId id="4175" r:id="rId50"/>
-    <p:sldId id="5445" r:id="rId51"/>
-    <p:sldId id="4176" r:id="rId52"/>
-    <p:sldId id="4238" r:id="rId53"/>
-    <p:sldId id="4178" r:id="rId54"/>
-    <p:sldId id="4179" r:id="rId55"/>
-    <p:sldId id="5446" r:id="rId56"/>
-    <p:sldId id="4180" r:id="rId57"/>
-    <p:sldId id="4181" r:id="rId58"/>
-    <p:sldId id="4182" r:id="rId59"/>
-    <p:sldId id="4183" r:id="rId60"/>
-    <p:sldId id="4184" r:id="rId61"/>
-    <p:sldId id="4186" r:id="rId62"/>
-    <p:sldId id="4188" r:id="rId63"/>
-    <p:sldId id="4190" r:id="rId64"/>
-    <p:sldId id="4239" r:id="rId65"/>
-    <p:sldId id="4191" r:id="rId66"/>
-    <p:sldId id="5447" r:id="rId67"/>
-    <p:sldId id="4193" r:id="rId68"/>
-    <p:sldId id="4194" r:id="rId69"/>
-    <p:sldId id="4195" r:id="rId70"/>
-    <p:sldId id="4196" r:id="rId71"/>
-    <p:sldId id="4197" r:id="rId72"/>
-    <p:sldId id="4198" r:id="rId73"/>
-    <p:sldId id="4199" r:id="rId74"/>
-    <p:sldId id="4200" r:id="rId75"/>
-    <p:sldId id="4201" r:id="rId76"/>
-    <p:sldId id="5448" r:id="rId77"/>
-    <p:sldId id="4202" r:id="rId78"/>
-    <p:sldId id="4240" r:id="rId79"/>
-    <p:sldId id="4203" r:id="rId80"/>
-    <p:sldId id="4204" r:id="rId81"/>
-    <p:sldId id="4205" r:id="rId82"/>
-    <p:sldId id="4241" r:id="rId83"/>
-    <p:sldId id="5449" r:id="rId84"/>
-    <p:sldId id="5450" r:id="rId85"/>
-    <p:sldId id="4242" r:id="rId86"/>
-    <p:sldId id="4209" r:id="rId87"/>
-    <p:sldId id="4243" r:id="rId88"/>
-    <p:sldId id="4210" r:id="rId89"/>
-    <p:sldId id="4244" r:id="rId90"/>
-    <p:sldId id="4211" r:id="rId91"/>
-    <p:sldId id="4212" r:id="rId92"/>
-    <p:sldId id="4213" r:id="rId93"/>
-    <p:sldId id="4214" r:id="rId94"/>
-    <p:sldId id="4246" r:id="rId95"/>
-    <p:sldId id="4216" r:id="rId96"/>
-    <p:sldId id="5452" r:id="rId97"/>
-    <p:sldId id="5453" r:id="rId98"/>
-    <p:sldId id="4218" r:id="rId99"/>
-    <p:sldId id="4219" r:id="rId100"/>
-    <p:sldId id="4220" r:id="rId101"/>
-    <p:sldId id="4221" r:id="rId102"/>
-    <p:sldId id="4222" r:id="rId103"/>
-    <p:sldId id="4249" r:id="rId104"/>
-    <p:sldId id="4223" r:id="rId105"/>
-    <p:sldId id="4250" r:id="rId106"/>
-    <p:sldId id="4224" r:id="rId107"/>
-    <p:sldId id="4225" r:id="rId108"/>
-    <p:sldId id="4226" r:id="rId109"/>
-    <p:sldId id="4227" r:id="rId110"/>
-    <p:sldId id="4228" r:id="rId111"/>
-    <p:sldId id="5461" r:id="rId112"/>
-    <p:sldId id="5462" r:id="rId113"/>
+    <p:sldId id="5529" r:id="rId41"/>
+    <p:sldId id="4166" r:id="rId42"/>
+    <p:sldId id="4167" r:id="rId43"/>
+    <p:sldId id="4168" r:id="rId44"/>
+    <p:sldId id="4169" r:id="rId45"/>
+    <p:sldId id="4235" r:id="rId46"/>
+    <p:sldId id="4171" r:id="rId47"/>
+    <p:sldId id="4172" r:id="rId48"/>
+    <p:sldId id="4236" r:id="rId49"/>
+    <p:sldId id="4174" r:id="rId50"/>
+    <p:sldId id="4175" r:id="rId51"/>
+    <p:sldId id="5445" r:id="rId52"/>
+    <p:sldId id="4176" r:id="rId53"/>
+    <p:sldId id="4238" r:id="rId54"/>
+    <p:sldId id="4178" r:id="rId55"/>
+    <p:sldId id="4179" r:id="rId56"/>
+    <p:sldId id="5446" r:id="rId57"/>
+    <p:sldId id="4180" r:id="rId58"/>
+    <p:sldId id="4181" r:id="rId59"/>
+    <p:sldId id="4182" r:id="rId60"/>
+    <p:sldId id="4183" r:id="rId61"/>
+    <p:sldId id="4184" r:id="rId62"/>
+    <p:sldId id="4186" r:id="rId63"/>
+    <p:sldId id="4188" r:id="rId64"/>
+    <p:sldId id="4190" r:id="rId65"/>
+    <p:sldId id="4239" r:id="rId66"/>
+    <p:sldId id="4191" r:id="rId67"/>
+    <p:sldId id="5447" r:id="rId68"/>
+    <p:sldId id="4193" r:id="rId69"/>
+    <p:sldId id="4194" r:id="rId70"/>
+    <p:sldId id="4195" r:id="rId71"/>
+    <p:sldId id="4196" r:id="rId72"/>
+    <p:sldId id="4197" r:id="rId73"/>
+    <p:sldId id="4198" r:id="rId74"/>
+    <p:sldId id="4199" r:id="rId75"/>
+    <p:sldId id="4200" r:id="rId76"/>
+    <p:sldId id="4201" r:id="rId77"/>
+    <p:sldId id="5448" r:id="rId78"/>
+    <p:sldId id="4202" r:id="rId79"/>
+    <p:sldId id="4240" r:id="rId80"/>
+    <p:sldId id="4203" r:id="rId81"/>
+    <p:sldId id="4204" r:id="rId82"/>
+    <p:sldId id="4205" r:id="rId83"/>
+    <p:sldId id="4241" r:id="rId84"/>
+    <p:sldId id="5449" r:id="rId85"/>
+    <p:sldId id="5450" r:id="rId86"/>
+    <p:sldId id="4242" r:id="rId87"/>
+    <p:sldId id="4209" r:id="rId88"/>
+    <p:sldId id="4243" r:id="rId89"/>
+    <p:sldId id="4210" r:id="rId90"/>
+    <p:sldId id="4244" r:id="rId91"/>
+    <p:sldId id="4211" r:id="rId92"/>
+    <p:sldId id="4212" r:id="rId93"/>
+    <p:sldId id="4213" r:id="rId94"/>
+    <p:sldId id="5530" r:id="rId95"/>
+    <p:sldId id="4214" r:id="rId96"/>
+    <p:sldId id="4246" r:id="rId97"/>
+    <p:sldId id="4216" r:id="rId98"/>
+    <p:sldId id="5452" r:id="rId99"/>
+    <p:sldId id="5453" r:id="rId100"/>
+    <p:sldId id="4218" r:id="rId101"/>
+    <p:sldId id="4219" r:id="rId102"/>
+    <p:sldId id="4220" r:id="rId103"/>
+    <p:sldId id="4221" r:id="rId104"/>
+    <p:sldId id="4222" r:id="rId105"/>
+    <p:sldId id="4249" r:id="rId106"/>
+    <p:sldId id="4223" r:id="rId107"/>
+    <p:sldId id="4250" r:id="rId108"/>
+    <p:sldId id="4224" r:id="rId109"/>
+    <p:sldId id="4225" r:id="rId110"/>
+    <p:sldId id="4226" r:id="rId111"/>
+    <p:sldId id="4227" r:id="rId112"/>
+    <p:sldId id="4228" r:id="rId113"/>
+    <p:sldId id="5531" r:id="rId114"/>
+    <p:sldId id="5462" r:id="rId115"/>
   </p:sldIdLst>
   <p:sldSz cx="12192000" cy="6858000"/>
   <p:notesSz cx="6400800" cy="8686800"/>
@@ -479,9 +481,18 @@
   <p:clrMapOvr>
     <a:masterClrMapping/>
   </p:clrMapOvr>
-  <p:transition>
-    <p:fade/>
-  </p:transition>
+  <mc:AlternateContent xmlns:mc="http://schemas.openxmlformats.org/markup-compatibility/2006" xmlns:p14="http://schemas.microsoft.com/office/powerpoint/2010/main">
+    <mc:Choice Requires="p14">
+      <p:transition p14:dur="300">
+        <p:fade/>
+      </p:transition>
+    </mc:Choice>
+    <mc:Fallback xmlns="">
+      <p:transition>
+        <p:fade/>
+      </p:transition>
+    </mc:Fallback>
+  </mc:AlternateContent>
   <p:extLst>
     <p:ext uri="{DCECCB84-F9BA-43D5-87BE-67443E8EF086}">
       <p15:sldGuideLst xmlns:p15="http://schemas.microsoft.com/office/powerpoint/2012/main">
@@ -725,9 +736,18 @@
   <p:clrMapOvr>
     <a:masterClrMapping/>
   </p:clrMapOvr>
-  <p:transition>
-    <p:fade/>
-  </p:transition>
+  <mc:AlternateContent xmlns:mc="http://schemas.openxmlformats.org/markup-compatibility/2006" xmlns:p14="http://schemas.microsoft.com/office/powerpoint/2010/main">
+    <mc:Choice Requires="p14">
+      <p:transition p14:dur="300">
+        <p:fade/>
+      </p:transition>
+    </mc:Choice>
+    <mc:Fallback xmlns="">
+      <p:transition>
+        <p:fade/>
+      </p:transition>
+    </mc:Fallback>
+  </mc:AlternateContent>
 </p:sldLayout>
 </file>
 
@@ -965,9 +985,18 @@
   <p:clrMapOvr>
     <a:masterClrMapping/>
   </p:clrMapOvr>
-  <p:transition>
-    <p:fade/>
-  </p:transition>
+  <mc:AlternateContent xmlns:mc="http://schemas.openxmlformats.org/markup-compatibility/2006" xmlns:p14="http://schemas.microsoft.com/office/powerpoint/2010/main">
+    <mc:Choice Requires="p14">
+      <p:transition p14:dur="300">
+        <p:fade/>
+      </p:transition>
+    </mc:Choice>
+    <mc:Fallback xmlns="">
+      <p:transition>
+        <p:fade/>
+      </p:transition>
+    </mc:Fallback>
+  </mc:AlternateContent>
 </p:sldLayout>
 </file>
 
@@ -1192,9 +1221,18 @@
   <p:clrMapOvr>
     <a:masterClrMapping/>
   </p:clrMapOvr>
-  <p:transition>
-    <p:fade/>
-  </p:transition>
+  <mc:AlternateContent xmlns:mc="http://schemas.openxmlformats.org/markup-compatibility/2006" xmlns:p14="http://schemas.microsoft.com/office/powerpoint/2010/main">
+    <mc:Choice Requires="p14">
+      <p:transition p14:dur="300">
+        <p:fade/>
+      </p:transition>
+    </mc:Choice>
+    <mc:Fallback xmlns="">
+      <p:transition>
+        <p:fade/>
+      </p:transition>
+    </mc:Fallback>
+  </mc:AlternateContent>
 </p:sldLayout>
 </file>
 
@@ -1417,9 +1455,18 @@
   <p:clrMapOvr>
     <a:masterClrMapping/>
   </p:clrMapOvr>
-  <p:transition>
-    <p:fade/>
-  </p:transition>
+  <mc:AlternateContent xmlns:mc="http://schemas.openxmlformats.org/markup-compatibility/2006" xmlns:p14="http://schemas.microsoft.com/office/powerpoint/2010/main">
+    <mc:Choice Requires="p14">
+      <p:transition p14:dur="300">
+        <p:fade/>
+      </p:transition>
+    </mc:Choice>
+    <mc:Fallback xmlns="">
+      <p:transition>
+        <p:fade/>
+      </p:transition>
+    </mc:Fallback>
+  </mc:AlternateContent>
 </p:sldLayout>
 </file>
 
@@ -1644,9 +1691,18 @@
   <p:clrMapOvr>
     <a:masterClrMapping/>
   </p:clrMapOvr>
-  <p:transition>
-    <p:fade/>
-  </p:transition>
+  <mc:AlternateContent xmlns:mc="http://schemas.openxmlformats.org/markup-compatibility/2006" xmlns:p14="http://schemas.microsoft.com/office/powerpoint/2010/main">
+    <mc:Choice Requires="p14">
+      <p:transition p14:dur="300">
+        <p:fade/>
+      </p:transition>
+    </mc:Choice>
+    <mc:Fallback xmlns="">
+      <p:transition>
+        <p:fade/>
+      </p:transition>
+    </mc:Fallback>
+  </mc:AlternateContent>
 </p:sldLayout>
 </file>
 
@@ -1971,9 +2027,18 @@
   <p:clrMapOvr>
     <a:masterClrMapping/>
   </p:clrMapOvr>
-  <p:transition>
-    <p:fade/>
-  </p:transition>
+  <mc:AlternateContent xmlns:mc="http://schemas.openxmlformats.org/markup-compatibility/2006" xmlns:p14="http://schemas.microsoft.com/office/powerpoint/2010/main">
+    <mc:Choice Requires="p14">
+      <p:transition p14:dur="300">
+        <p:fade/>
+      </p:transition>
+    </mc:Choice>
+    <mc:Fallback xmlns="">
+      <p:transition>
+        <p:fade/>
+      </p:transition>
+    </mc:Fallback>
+  </mc:AlternateContent>
 </p:sldLayout>
 </file>
 
@@ -2428,9 +2493,18 @@
   <p:clrMapOvr>
     <a:masterClrMapping/>
   </p:clrMapOvr>
-  <p:transition>
-    <p:fade/>
-  </p:transition>
+  <mc:AlternateContent xmlns:mc="http://schemas.openxmlformats.org/markup-compatibility/2006" xmlns:p14="http://schemas.microsoft.com/office/powerpoint/2010/main">
+    <mc:Choice Requires="p14">
+      <p:transition p14:dur="300">
+        <p:fade/>
+      </p:transition>
+    </mc:Choice>
+    <mc:Fallback xmlns="">
+      <p:transition>
+        <p:fade/>
+      </p:transition>
+    </mc:Fallback>
+  </mc:AlternateContent>
 </p:sldLayout>
 </file>
 
@@ -2585,9 +2659,18 @@
   <p:clrMapOvr>
     <a:masterClrMapping/>
   </p:clrMapOvr>
-  <p:transition>
-    <p:fade/>
-  </p:transition>
+  <mc:AlternateContent xmlns:mc="http://schemas.openxmlformats.org/markup-compatibility/2006" xmlns:p14="http://schemas.microsoft.com/office/powerpoint/2010/main">
+    <mc:Choice Requires="p14">
+      <p:transition p14:dur="300">
+        <p:fade/>
+      </p:transition>
+    </mc:Choice>
+    <mc:Fallback xmlns="">
+      <p:transition>
+        <p:fade/>
+      </p:transition>
+    </mc:Fallback>
+  </mc:AlternateContent>
 </p:sldLayout>
 </file>
 
@@ -2715,9 +2798,18 @@
   <p:clrMapOvr>
     <a:masterClrMapping/>
   </p:clrMapOvr>
-  <p:transition>
-    <p:fade/>
-  </p:transition>
+  <mc:AlternateContent xmlns:mc="http://schemas.openxmlformats.org/markup-compatibility/2006" xmlns:p14="http://schemas.microsoft.com/office/powerpoint/2010/main">
+    <mc:Choice Requires="p14">
+      <p:transition p14:dur="300">
+        <p:fade/>
+      </p:transition>
+    </mc:Choice>
+    <mc:Fallback xmlns="">
+      <p:transition>
+        <p:fade/>
+      </p:transition>
+    </mc:Fallback>
+  </mc:AlternateContent>
 </p:sldLayout>
 </file>
 
@@ -3027,9 +3119,18 @@
   <p:clrMapOvr>
     <a:masterClrMapping/>
   </p:clrMapOvr>
-  <p:transition>
-    <p:fade/>
-  </p:transition>
+  <mc:AlternateContent xmlns:mc="http://schemas.openxmlformats.org/markup-compatibility/2006" xmlns:p14="http://schemas.microsoft.com/office/powerpoint/2010/main">
+    <mc:Choice Requires="p14">
+      <p:transition p14:dur="300">
+        <p:fade/>
+      </p:transition>
+    </mc:Choice>
+    <mc:Fallback xmlns="">
+      <p:transition>
+        <p:fade/>
+      </p:transition>
+    </mc:Fallback>
+  </mc:AlternateContent>
 </p:sldLayout>
 </file>
 
@@ -3257,9 +3358,18 @@
   <p:clrMapOvr>
     <a:masterClrMapping/>
   </p:clrMapOvr>
-  <p:transition>
-    <p:fade/>
-  </p:transition>
+  <mc:AlternateContent xmlns:mc="http://schemas.openxmlformats.org/markup-compatibility/2006" xmlns:p14="http://schemas.microsoft.com/office/powerpoint/2010/main">
+    <mc:Choice Requires="p14">
+      <p:transition p14:dur="300">
+        <p:fade/>
+      </p:transition>
+    </mc:Choice>
+    <mc:Fallback xmlns="">
+      <p:transition>
+        <p:fade/>
+      </p:transition>
+    </mc:Fallback>
+  </mc:AlternateContent>
   <p:extLst>
     <p:ext uri="{DCECCB84-F9BA-43D5-87BE-67443E8EF086}">
       <p15:sldGuideLst xmlns:p15="http://schemas.microsoft.com/office/powerpoint/2012/main">
@@ -3566,9 +3676,18 @@
   <p:clrMapOvr>
     <a:masterClrMapping/>
   </p:clrMapOvr>
-  <p:transition>
-    <p:fade/>
-  </p:transition>
+  <mc:AlternateContent xmlns:mc="http://schemas.openxmlformats.org/markup-compatibility/2006" xmlns:p14="http://schemas.microsoft.com/office/powerpoint/2010/main">
+    <mc:Choice Requires="p14">
+      <p:transition p14:dur="300">
+        <p:fade/>
+      </p:transition>
+    </mc:Choice>
+    <mc:Fallback xmlns="">
+      <p:transition>
+        <p:fade/>
+      </p:transition>
+    </mc:Fallback>
+  </mc:AlternateContent>
 </p:sldLayout>
 </file>
 
@@ -3791,9 +3910,18 @@
   <p:clrMapOvr>
     <a:masterClrMapping/>
   </p:clrMapOvr>
-  <p:transition>
-    <p:fade/>
-  </p:transition>
+  <mc:AlternateContent xmlns:mc="http://schemas.openxmlformats.org/markup-compatibility/2006" xmlns:p14="http://schemas.microsoft.com/office/powerpoint/2010/main">
+    <mc:Choice Requires="p14">
+      <p:transition p14:dur="300">
+        <p:fade/>
+      </p:transition>
+    </mc:Choice>
+    <mc:Fallback xmlns="">
+      <p:transition>
+        <p:fade/>
+      </p:transition>
+    </mc:Fallback>
+  </mc:AlternateContent>
 </p:sldLayout>
 </file>
 
@@ -4026,9 +4154,18 @@
   <p:clrMapOvr>
     <a:masterClrMapping/>
   </p:clrMapOvr>
-  <p:transition>
-    <p:fade/>
-  </p:transition>
+  <mc:AlternateContent xmlns:mc="http://schemas.openxmlformats.org/markup-compatibility/2006" xmlns:p14="http://schemas.microsoft.com/office/powerpoint/2010/main">
+    <mc:Choice Requires="p14">
+      <p:transition p14:dur="300">
+        <p:fade/>
+      </p:transition>
+    </mc:Choice>
+    <mc:Fallback xmlns="">
+      <p:transition>
+        <p:fade/>
+      </p:transition>
+    </mc:Fallback>
+  </mc:AlternateContent>
 </p:sldLayout>
 </file>
 
@@ -4258,9 +4395,18 @@
   <p:clrMapOvr>
     <a:masterClrMapping/>
   </p:clrMapOvr>
-  <p:transition>
-    <p:fade/>
-  </p:transition>
+  <mc:AlternateContent xmlns:mc="http://schemas.openxmlformats.org/markup-compatibility/2006" xmlns:p14="http://schemas.microsoft.com/office/powerpoint/2010/main">
+    <mc:Choice Requires="p14">
+      <p:transition p14:dur="300">
+        <p:fade/>
+      </p:transition>
+    </mc:Choice>
+    <mc:Fallback xmlns="">
+      <p:transition>
+        <p:fade/>
+      </p:transition>
+    </mc:Fallback>
+  </mc:AlternateContent>
   <p:extLst>
     <p:ext uri="{DCECCB84-F9BA-43D5-87BE-67443E8EF086}">
       <p15:sldGuideLst xmlns:p15="http://schemas.microsoft.com/office/powerpoint/2012/main">
@@ -4504,9 +4650,18 @@
   <p:clrMapOvr>
     <a:masterClrMapping/>
   </p:clrMapOvr>
-  <p:transition>
-    <p:fade/>
-  </p:transition>
+  <mc:AlternateContent xmlns:mc="http://schemas.openxmlformats.org/markup-compatibility/2006" xmlns:p14="http://schemas.microsoft.com/office/powerpoint/2010/main">
+    <mc:Choice Requires="p14">
+      <p:transition p14:dur="300">
+        <p:fade/>
+      </p:transition>
+    </mc:Choice>
+    <mc:Fallback xmlns="">
+      <p:transition>
+        <p:fade/>
+      </p:transition>
+    </mc:Fallback>
+  </mc:AlternateContent>
   <p:extLst>
     <p:ext uri="{DCECCB84-F9BA-43D5-87BE-67443E8EF086}">
       <p15:sldGuideLst xmlns:p15="http://schemas.microsoft.com/office/powerpoint/2012/main">
@@ -4753,9 +4908,18 @@
   <p:clrMapOvr>
     <a:masterClrMapping/>
   </p:clrMapOvr>
-  <p:transition>
-    <p:fade/>
-  </p:transition>
+  <mc:AlternateContent xmlns:mc="http://schemas.openxmlformats.org/markup-compatibility/2006" xmlns:p14="http://schemas.microsoft.com/office/powerpoint/2010/main">
+    <mc:Choice Requires="p14">
+      <p:transition p14:dur="300">
+        <p:fade/>
+      </p:transition>
+    </mc:Choice>
+    <mc:Fallback xmlns="">
+      <p:transition>
+        <p:fade/>
+      </p:transition>
+    </mc:Fallback>
+  </mc:AlternateContent>
 </p:sldLayout>
 </file>
 
@@ -5084,9 +5248,18 @@
   <p:clrMapOvr>
     <a:masterClrMapping/>
   </p:clrMapOvr>
-  <p:transition>
-    <p:fade/>
-  </p:transition>
+  <mc:AlternateContent xmlns:mc="http://schemas.openxmlformats.org/markup-compatibility/2006" xmlns:p14="http://schemas.microsoft.com/office/powerpoint/2010/main">
+    <mc:Choice Requires="p14">
+      <p:transition p14:dur="300">
+        <p:fade/>
+      </p:transition>
+    </mc:Choice>
+    <mc:Fallback xmlns="">
+      <p:transition>
+        <p:fade/>
+      </p:transition>
+    </mc:Fallback>
+  </mc:AlternateContent>
 </p:sldLayout>
 </file>
 
@@ -5545,9 +5718,18 @@
   <p:clrMapOvr>
     <a:masterClrMapping/>
   </p:clrMapOvr>
-  <p:transition>
-    <p:fade/>
-  </p:transition>
+  <mc:AlternateContent xmlns:mc="http://schemas.openxmlformats.org/markup-compatibility/2006" xmlns:p14="http://schemas.microsoft.com/office/powerpoint/2010/main">
+    <mc:Choice Requires="p14">
+      <p:transition p14:dur="300">
+        <p:fade/>
+      </p:transition>
+    </mc:Choice>
+    <mc:Fallback xmlns="">
+      <p:transition>
+        <p:fade/>
+      </p:transition>
+    </mc:Fallback>
+  </mc:AlternateContent>
 </p:sldLayout>
 </file>
 
@@ -5708,9 +5890,18 @@
   <p:clrMapOvr>
     <a:masterClrMapping/>
   </p:clrMapOvr>
-  <p:transition>
-    <p:fade/>
-  </p:transition>
+  <mc:AlternateContent xmlns:mc="http://schemas.openxmlformats.org/markup-compatibility/2006" xmlns:p14="http://schemas.microsoft.com/office/powerpoint/2010/main">
+    <mc:Choice Requires="p14">
+      <p:transition p14:dur="300">
+        <p:fade/>
+      </p:transition>
+    </mc:Choice>
+    <mc:Fallback xmlns="">
+      <p:transition>
+        <p:fade/>
+      </p:transition>
+    </mc:Fallback>
+  </mc:AlternateContent>
 </p:sldLayout>
 </file>
 
@@ -5845,9 +6036,18 @@
   <p:clrMapOvr>
     <a:masterClrMapping/>
   </p:clrMapOvr>
-  <p:transition>
-    <p:fade/>
-  </p:transition>
+  <mc:AlternateContent xmlns:mc="http://schemas.openxmlformats.org/markup-compatibility/2006" xmlns:p14="http://schemas.microsoft.com/office/powerpoint/2010/main">
+    <mc:Choice Requires="p14">
+      <p:transition p14:dur="300">
+        <p:fade/>
+      </p:transition>
+    </mc:Choice>
+    <mc:Fallback xmlns="">
+      <p:transition>
+        <p:fade/>
+      </p:transition>
+    </mc:Fallback>
+  </mc:AlternateContent>
 </p:sldLayout>
 </file>
 
@@ -6078,9 +6278,18 @@
   <p:clrMapOvr>
     <a:masterClrMapping/>
   </p:clrMapOvr>
-  <p:transition>
-    <p:fade/>
-  </p:transition>
+  <mc:AlternateContent xmlns:mc="http://schemas.openxmlformats.org/markup-compatibility/2006" xmlns:p14="http://schemas.microsoft.com/office/powerpoint/2010/main">
+    <mc:Choice Requires="p14">
+      <p:transition p14:dur="300">
+        <p:fade/>
+      </p:transition>
+    </mc:Choice>
+    <mc:Fallback xmlns="">
+      <p:transition>
+        <p:fade/>
+      </p:transition>
+    </mc:Fallback>
+  </mc:AlternateContent>
 </p:sldLayout>
 </file>
 
@@ -6395,9 +6604,18 @@
   <p:clrMapOvr>
     <a:masterClrMapping/>
   </p:clrMapOvr>
-  <p:transition>
-    <p:fade/>
-  </p:transition>
+  <mc:AlternateContent xmlns:mc="http://schemas.openxmlformats.org/markup-compatibility/2006" xmlns:p14="http://schemas.microsoft.com/office/powerpoint/2010/main">
+    <mc:Choice Requires="p14">
+      <p:transition p14:dur="300">
+        <p:fade/>
+      </p:transition>
+    </mc:Choice>
+    <mc:Fallback xmlns="">
+      <p:transition>
+        <p:fade/>
+      </p:transition>
+    </mc:Fallback>
+  </mc:AlternateContent>
 </p:sldLayout>
 </file>
 
@@ -6690,9 +6908,18 @@
   <p:clrMapOvr>
     <a:masterClrMapping/>
   </p:clrMapOvr>
-  <p:transition>
-    <p:fade/>
-  </p:transition>
+  <mc:AlternateContent xmlns:mc="http://schemas.openxmlformats.org/markup-compatibility/2006" xmlns:p14="http://schemas.microsoft.com/office/powerpoint/2010/main">
+    <mc:Choice Requires="p14">
+      <p:transition p14:dur="300">
+        <p:fade/>
+      </p:transition>
+    </mc:Choice>
+    <mc:Fallback xmlns="">
+      <p:transition>
+        <p:fade/>
+      </p:transition>
+    </mc:Fallback>
+  </mc:AlternateContent>
 </p:sldLayout>
 </file>
 
@@ -6920,9 +7147,18 @@
   <p:clrMapOvr>
     <a:masterClrMapping/>
   </p:clrMapOvr>
-  <p:transition>
-    <p:fade/>
-  </p:transition>
+  <mc:AlternateContent xmlns:mc="http://schemas.openxmlformats.org/markup-compatibility/2006" xmlns:p14="http://schemas.microsoft.com/office/powerpoint/2010/main">
+    <mc:Choice Requires="p14">
+      <p:transition p14:dur="300">
+        <p:fade/>
+      </p:transition>
+    </mc:Choice>
+    <mc:Fallback xmlns="">
+      <p:transition>
+        <p:fade/>
+      </p:transition>
+    </mc:Fallback>
+  </mc:AlternateContent>
 </p:sldLayout>
 </file>
 
@@ -7160,9 +7396,18 @@
   <p:clrMapOvr>
     <a:masterClrMapping/>
   </p:clrMapOvr>
-  <p:transition>
-    <p:fade/>
-  </p:transition>
+  <mc:AlternateContent xmlns:mc="http://schemas.openxmlformats.org/markup-compatibility/2006" xmlns:p14="http://schemas.microsoft.com/office/powerpoint/2010/main">
+    <mc:Choice Requires="p14">
+      <p:transition p14:dur="300">
+        <p:fade/>
+      </p:transition>
+    </mc:Choice>
+    <mc:Fallback xmlns="">
+      <p:transition>
+        <p:fade/>
+      </p:transition>
+    </mc:Fallback>
+  </mc:AlternateContent>
 </p:sldLayout>
 </file>
 
@@ -7326,9 +7571,18 @@
   <p:clrMapOvr>
     <a:masterClrMapping/>
   </p:clrMapOvr>
-  <p:transition>
-    <p:fade/>
-  </p:transition>
+  <mc:AlternateContent xmlns:mc="http://schemas.openxmlformats.org/markup-compatibility/2006" xmlns:p14="http://schemas.microsoft.com/office/powerpoint/2010/main">
+    <mc:Choice Requires="p14">
+      <p:transition p14:dur="300">
+        <p:fade/>
+      </p:transition>
+    </mc:Choice>
+    <mc:Fallback xmlns="">
+      <p:transition>
+        <p:fade/>
+      </p:transition>
+    </mc:Fallback>
+  </mc:AlternateContent>
 </p:sldLayout>
 </file>
 
@@ -7657,9 +7911,18 @@
   <p:clrMapOvr>
     <a:masterClrMapping/>
   </p:clrMapOvr>
-  <p:transition>
-    <p:fade/>
-  </p:transition>
+  <mc:AlternateContent xmlns:mc="http://schemas.openxmlformats.org/markup-compatibility/2006" xmlns:p14="http://schemas.microsoft.com/office/powerpoint/2010/main">
+    <mc:Choice Requires="p14">
+      <p:transition p14:dur="300">
+        <p:fade/>
+      </p:transition>
+    </mc:Choice>
+    <mc:Fallback xmlns="">
+      <p:transition>
+        <p:fade/>
+      </p:transition>
+    </mc:Fallback>
+  </mc:AlternateContent>
 </p:sldLayout>
 </file>
 
@@ -8118,9 +8381,18 @@
   <p:clrMapOvr>
     <a:masterClrMapping/>
   </p:clrMapOvr>
-  <p:transition>
-    <p:fade/>
-  </p:transition>
+  <mc:AlternateContent xmlns:mc="http://schemas.openxmlformats.org/markup-compatibility/2006" xmlns:p14="http://schemas.microsoft.com/office/powerpoint/2010/main">
+    <mc:Choice Requires="p14">
+      <p:transition p14:dur="300">
+        <p:fade/>
+      </p:transition>
+    </mc:Choice>
+    <mc:Fallback xmlns="">
+      <p:transition>
+        <p:fade/>
+      </p:transition>
+    </mc:Fallback>
+  </mc:AlternateContent>
 </p:sldLayout>
 </file>
 
@@ -8281,9 +8553,18 @@
   <p:clrMapOvr>
     <a:masterClrMapping/>
   </p:clrMapOvr>
-  <p:transition>
-    <p:fade/>
-  </p:transition>
+  <mc:AlternateContent xmlns:mc="http://schemas.openxmlformats.org/markup-compatibility/2006" xmlns:p14="http://schemas.microsoft.com/office/powerpoint/2010/main">
+    <mc:Choice Requires="p14">
+      <p:transition p14:dur="300">
+        <p:fade/>
+      </p:transition>
+    </mc:Choice>
+    <mc:Fallback xmlns="">
+      <p:transition>
+        <p:fade/>
+      </p:transition>
+    </mc:Fallback>
+  </mc:AlternateContent>
 </p:sldLayout>
 </file>
 
@@ -8418,9 +8699,18 @@
   <p:clrMapOvr>
     <a:masterClrMapping/>
   </p:clrMapOvr>
-  <p:transition>
-    <p:fade/>
-  </p:transition>
+  <mc:AlternateContent xmlns:mc="http://schemas.openxmlformats.org/markup-compatibility/2006" xmlns:p14="http://schemas.microsoft.com/office/powerpoint/2010/main">
+    <mc:Choice Requires="p14">
+      <p:transition p14:dur="300">
+        <p:fade/>
+      </p:transition>
+    </mc:Choice>
+    <mc:Fallback xmlns="">
+      <p:transition>
+        <p:fade/>
+      </p:transition>
+    </mc:Fallback>
+  </mc:AlternateContent>
 </p:sldLayout>
 </file>
 
@@ -8735,9 +9025,18 @@
   <p:clrMapOvr>
     <a:masterClrMapping/>
   </p:clrMapOvr>
-  <p:transition>
-    <p:fade/>
-  </p:transition>
+  <mc:AlternateContent xmlns:mc="http://schemas.openxmlformats.org/markup-compatibility/2006" xmlns:p14="http://schemas.microsoft.com/office/powerpoint/2010/main">
+    <mc:Choice Requires="p14">
+      <p:transition p14:dur="300">
+        <p:fade/>
+      </p:transition>
+    </mc:Choice>
+    <mc:Fallback xmlns="">
+      <p:transition>
+        <p:fade/>
+      </p:transition>
+    </mc:Fallback>
+  </mc:AlternateContent>
 </p:sldLayout>
 </file>
 
@@ -9030,9 +9329,18 @@
   <p:clrMapOvr>
     <a:masterClrMapping/>
   </p:clrMapOvr>
-  <p:transition>
-    <p:fade/>
-  </p:transition>
+  <mc:AlternateContent xmlns:mc="http://schemas.openxmlformats.org/markup-compatibility/2006" xmlns:p14="http://schemas.microsoft.com/office/powerpoint/2010/main">
+    <mc:Choice Requires="p14">
+      <p:transition p14:dur="300">
+        <p:fade/>
+      </p:transition>
+    </mc:Choice>
+    <mc:Fallback xmlns="">
+      <p:transition>
+        <p:fade/>
+      </p:transition>
+    </mc:Fallback>
+  </mc:AlternateContent>
 </p:sldLayout>
 </file>
 
@@ -9509,9 +9817,18 @@
     <p:sldLayoutId id="2147483674" r:id="rId10"/>
     <p:sldLayoutId id="2147483675" r:id="rId11"/>
   </p:sldLayoutIdLst>
-  <p:transition>
-    <p:fade/>
-  </p:transition>
+  <mc:AlternateContent xmlns:mc="http://schemas.openxmlformats.org/markup-compatibility/2006" xmlns:p14="http://schemas.microsoft.com/office/powerpoint/2010/main">
+    <mc:Choice Requires="p14">
+      <p:transition p14:dur="300">
+        <p:fade/>
+      </p:transition>
+    </mc:Choice>
+    <mc:Fallback xmlns="">
+      <p:transition>
+        <p:fade/>
+      </p:transition>
+    </mc:Fallback>
+  </mc:AlternateContent>
   <p:hf hdr="0" ftr="0" dt="0"/>
   <p:txStyles>
     <p:titleStyle>
@@ -10382,9 +10699,18 @@
     <p:sldLayoutId id="2147483686" r:id="rId10"/>
     <p:sldLayoutId id="2147483687" r:id="rId11"/>
   </p:sldLayoutIdLst>
-  <p:transition>
-    <p:fade/>
-  </p:transition>
+  <mc:AlternateContent xmlns:mc="http://schemas.openxmlformats.org/markup-compatibility/2006" xmlns:p14="http://schemas.microsoft.com/office/powerpoint/2010/main">
+    <mc:Choice Requires="p14">
+      <p:transition p14:dur="300">
+        <p:fade/>
+      </p:transition>
+    </mc:Choice>
+    <mc:Fallback xmlns="">
+      <p:transition>
+        <p:fade/>
+      </p:transition>
+    </mc:Fallback>
+  </mc:AlternateContent>
   <p:hf hdr="0" ftr="0" dt="0"/>
   <p:txStyles>
     <p:titleStyle>
@@ -11245,9 +11571,18 @@
     <p:sldLayoutId id="2147483699" r:id="rId11"/>
     <p:sldLayoutId id="2147483700" r:id="rId12"/>
   </p:sldLayoutIdLst>
-  <p:transition>
-    <p:fade/>
-  </p:transition>
+  <mc:AlternateContent xmlns:mc="http://schemas.openxmlformats.org/markup-compatibility/2006" xmlns:p14="http://schemas.microsoft.com/office/powerpoint/2010/main">
+    <mc:Choice Requires="p14">
+      <p:transition p14:dur="300">
+        <p:fade/>
+      </p:transition>
+    </mc:Choice>
+    <mc:Fallback xmlns="">
+      <p:transition>
+        <p:fade/>
+      </p:transition>
+    </mc:Fallback>
+  </mc:AlternateContent>
   <p:hf hdr="0" ftr="0" dt="0"/>
   <p:txStyles>
     <p:titleStyle>
@@ -12449,9 +12784,18 @@
   <p:clrMapOvr>
     <a:masterClrMapping/>
   </p:clrMapOvr>
-  <p:transition>
-    <p:fade/>
-  </p:transition>
+  <mc:AlternateContent xmlns:mc="http://schemas.openxmlformats.org/markup-compatibility/2006" xmlns:p14="http://schemas.microsoft.com/office/powerpoint/2010/main">
+    <mc:Choice Requires="p14">
+      <p:transition p14:dur="300">
+        <p:fade/>
+      </p:transition>
+    </mc:Choice>
+    <mc:Fallback xmlns="">
+      <p:transition>
+        <p:fade/>
+      </p:transition>
+    </mc:Fallback>
+  </mc:AlternateContent>
 </p:sld>
 </file>
 
@@ -12566,7 +12910,7 @@
           <a:p>
             <a:r>
               <a:rPr lang="en-US" dirty="0"/>
-              <a:t>He said: "Fatimah, please bring the Yemeni cloak and cover me with it"</a:t>
+              <a:t>He said, “Fatimah, please bring the Yemeni cloak and cover me with it.”</a:t>
             </a:r>
           </a:p>
         </p:txBody>
@@ -12576,9 +12920,18 @@
   <p:clrMapOvr>
     <a:masterClrMapping/>
   </p:clrMapOvr>
-  <p:transition>
-    <p:fade/>
-  </p:transition>
+  <mc:AlternateContent xmlns:mc="http://schemas.openxmlformats.org/markup-compatibility/2006" xmlns:p14="http://schemas.microsoft.com/office/powerpoint/2010/main">
+    <mc:Choice Requires="p14">
+      <p:transition p14:dur="300">
+        <p:fade/>
+      </p:transition>
+    </mc:Choice>
+    <mc:Fallback xmlns="">
+      <p:transition>
+        <p:fade/>
+      </p:transition>
+    </mc:Fallback>
+  </mc:AlternateContent>
 </p:sld>
 </file>
 
@@ -12604,7 +12957,7 @@
           <p:cNvPr id="11" name="Title 3">
             <a:extLst>
               <a:ext uri="{FF2B5EF4-FFF2-40B4-BE49-F238E27FC236}">
-                <a16:creationId xmlns:a16="http://schemas.microsoft.com/office/drawing/2014/main" id="{86C00A6F-D179-6EC0-C0EC-7BCEB7A9C3FC}"/>
+                <a16:creationId xmlns:a16="http://schemas.microsoft.com/office/drawing/2014/main" id="{8729F7D2-2239-1D33-CA56-60F256E14EF8}"/>
               </a:ext>
             </a:extLst>
           </p:cNvPr>
@@ -12626,8 +12979,15 @@
           <a:lstStyle/>
           <a:p>
             <a:r>
-              <a:rPr lang="ar-SA"/>
-              <a:t>يَا عَلِيُّ وَالَّذِي بَعَثَنِي بِالْحَقِّ نَبِيّاً</a:t>
+              <a:rPr lang="ar-SA" dirty="0"/>
+              <a:t>فَقالَ عَلِيٌّ إِذنْ وَاللّهِ فُزْنَا</a:t>
+            </a:r>
+            <a:br>
+              <a:rPr lang="ar-SA" dirty="0"/>
+            </a:br>
+            <a:r>
+              <a:rPr lang="ar-SA" dirty="0"/>
+              <a:t>وَفازَ شِيعَتُنا وَرَبِّ الْكَعْبَةِ</a:t>
             </a:r>
             <a:endParaRPr lang="en-US" dirty="0"/>
           </a:p>
@@ -12638,7 +12998,7 @@
           <p:cNvPr id="12" name="Subtitle 4">
             <a:extLst>
               <a:ext uri="{FF2B5EF4-FFF2-40B4-BE49-F238E27FC236}">
-                <a16:creationId xmlns:a16="http://schemas.microsoft.com/office/drawing/2014/main" id="{89E1CA91-B110-7B69-ED4C-E580CBEF2DE3}"/>
+                <a16:creationId xmlns:a16="http://schemas.microsoft.com/office/drawing/2014/main" id="{C6957A3D-8C04-D677-A8DD-01BE52B9D996}"/>
               </a:ext>
             </a:extLst>
           </p:cNvPr>
@@ -12660,10 +13020,17 @@
           <a:lstStyle/>
           <a:p>
             <a:r>
-              <a:rPr lang="en-US"/>
-              <a:t>"By Him who rightfully appointed me a Prophet</a:t>
-            </a:r>
-            <a:endParaRPr lang="en-US" dirty="0"/>
+              <a:rPr lang="en-US" dirty="0"/>
+              <a:t>So Ali said, “Verily, by the Lord of </a:t>
+            </a:r>
+            <a:r>
+              <a:rPr lang="en-US" dirty="0" err="1"/>
+              <a:t>Kabaa</a:t>
+            </a:r>
+            <a:r>
+              <a:rPr lang="en-US" dirty="0"/>
+              <a:t>! we and our followers are the winners.”</a:t>
+            </a:r>
           </a:p>
         </p:txBody>
       </p:sp>
@@ -12672,9 +13039,18 @@
   <p:clrMapOvr>
     <a:masterClrMapping/>
   </p:clrMapOvr>
-  <p:transition>
-    <p:fade/>
-  </p:transition>
+  <mc:AlternateContent xmlns:mc="http://schemas.openxmlformats.org/markup-compatibility/2006" xmlns:p14="http://schemas.microsoft.com/office/powerpoint/2010/main">
+    <mc:Choice Requires="p14">
+      <p:transition p14:dur="300">
+        <p:fade/>
+      </p:transition>
+    </mc:Choice>
+    <mc:Fallback xmlns="">
+      <p:transition>
+        <p:fade/>
+      </p:transition>
+    </mc:Fallback>
+  </mc:AlternateContent>
 </p:sld>
 </file>
 
@@ -12700,7 +13076,7 @@
           <p:cNvPr id="11" name="Title 3">
             <a:extLst>
               <a:ext uri="{FF2B5EF4-FFF2-40B4-BE49-F238E27FC236}">
-                <a16:creationId xmlns:a16="http://schemas.microsoft.com/office/drawing/2014/main" id="{213928AF-CC58-3EE2-93DA-914CCC34F19D}"/>
+                <a16:creationId xmlns:a16="http://schemas.microsoft.com/office/drawing/2014/main" id="{76F7F801-FF94-63AB-3348-8C582367DD49}"/>
               </a:ext>
             </a:extLst>
           </p:cNvPr>
@@ -12722,8 +13098,8 @@
           <a:lstStyle/>
           <a:p>
             <a:r>
-              <a:rPr lang="ar-SA"/>
-              <a:t>وَاصْطَفَانِي بِالرِّسالَةِ نَجِيّاً </a:t>
+              <a:rPr lang="ar-SA" dirty="0"/>
+              <a:t>فَقالَ النَّبِيُّ ثانِياً</a:t>
             </a:r>
             <a:endParaRPr lang="en-US" dirty="0"/>
           </a:p>
@@ -12734,7 +13110,7 @@
           <p:cNvPr id="12" name="Subtitle 4">
             <a:extLst>
               <a:ext uri="{FF2B5EF4-FFF2-40B4-BE49-F238E27FC236}">
-                <a16:creationId xmlns:a16="http://schemas.microsoft.com/office/drawing/2014/main" id="{7990CADB-7DA7-91C1-DEA4-3E5804F07177}"/>
+                <a16:creationId xmlns:a16="http://schemas.microsoft.com/office/drawing/2014/main" id="{FE4FA00C-FB7A-658E-C178-4F7FCAAA6D98}"/>
               </a:ext>
             </a:extLst>
           </p:cNvPr>
@@ -12756,10 +13132,18 @@
           <a:lstStyle/>
           <a:p>
             <a:r>
-              <a:rPr lang="en-US"/>
-              <a:t>and chose me a Messenger for the salvation of the mankind, </a:t>
-            </a:r>
-            <a:endParaRPr lang="en-US" dirty="0"/>
+              <a:rPr lang="it-IT" dirty="0"/>
+              <a:t>Then my father</a:t>
+            </a:r>
+            <a:r>
+              <a:rPr lang="ar-SA" dirty="0"/>
+              <a:t> </a:t>
+            </a:r>
+            <a:r>
+              <a:rPr lang="en-CA" dirty="0"/>
+              <a:t>said again:</a:t>
+            </a:r>
+            <a:endParaRPr lang="it-IT" dirty="0"/>
           </a:p>
         </p:txBody>
       </p:sp>
@@ -12768,9 +13152,18 @@
   <p:clrMapOvr>
     <a:masterClrMapping/>
   </p:clrMapOvr>
-  <p:transition>
-    <p:fade/>
-  </p:transition>
+  <mc:AlternateContent xmlns:mc="http://schemas.openxmlformats.org/markup-compatibility/2006" xmlns:p14="http://schemas.microsoft.com/office/powerpoint/2010/main">
+    <mc:Choice Requires="p14">
+      <p:transition p14:dur="300">
+        <p:fade/>
+      </p:transition>
+    </mc:Choice>
+    <mc:Fallback xmlns="">
+      <p:transition>
+        <p:fade/>
+      </p:transition>
+    </mc:Fallback>
+  </mc:AlternateContent>
 </p:sld>
 </file>
 
@@ -12796,7 +13189,7 @@
           <p:cNvPr id="11" name="Title 3">
             <a:extLst>
               <a:ext uri="{FF2B5EF4-FFF2-40B4-BE49-F238E27FC236}">
-                <a16:creationId xmlns:a16="http://schemas.microsoft.com/office/drawing/2014/main" id="{1377F11A-B0F6-CD1D-ABFD-D673F23FC9AC}"/>
+                <a16:creationId xmlns:a16="http://schemas.microsoft.com/office/drawing/2014/main" id="{86C00A6F-D179-6EC0-C0EC-7BCEB7A9C3FC}"/>
               </a:ext>
             </a:extLst>
           </p:cNvPr>
@@ -12818,15 +13211,8 @@
           <a:lstStyle/>
           <a:p>
             <a:r>
-              <a:rPr lang="ar-SA" dirty="0"/>
-              <a:t>مَا ذُكِرَ خَبَرُنا هذَا فِي</a:t>
-            </a:r>
-            <a:br>
-              <a:rPr lang="ar-SA" dirty="0"/>
-            </a:br>
-            <a:r>
-              <a:rPr lang="ar-SA" dirty="0"/>
-              <a:t>مَحْفِلٍ مِنْ مَحَافِلِ أَهْلِ الْأَرْضِ</a:t>
+              <a:rPr lang="ar-SA"/>
+              <a:t>يَا عَلِيُّ وَالَّذِي بَعَثَنِي بِالْحَقِّ نَبِيّاً</a:t>
             </a:r>
             <a:endParaRPr lang="en-US" dirty="0"/>
           </a:p>
@@ -12837,7 +13223,7 @@
           <p:cNvPr id="12" name="Subtitle 4">
             <a:extLst>
               <a:ext uri="{FF2B5EF4-FFF2-40B4-BE49-F238E27FC236}">
-                <a16:creationId xmlns:a16="http://schemas.microsoft.com/office/drawing/2014/main" id="{B7C75EB0-1637-0DD7-3415-1668ECDFBA07}"/>
+                <a16:creationId xmlns:a16="http://schemas.microsoft.com/office/drawing/2014/main" id="{89E1CA91-B110-7B69-ED4C-E580CBEF2DE3}"/>
               </a:ext>
             </a:extLst>
           </p:cNvPr>
@@ -12859,10 +13245,9 @@
           <a:lstStyle/>
           <a:p>
             <a:r>
-              <a:rPr lang="en-US"/>
-              <a:t>whenever and wherever an assembly</a:t>
-            </a:r>
-            <a:endParaRPr lang="en-US" dirty="0"/>
+              <a:rPr lang="en-US" dirty="0"/>
+              <a:t>“By Him who rightfully appointed me a Prophet,</a:t>
+            </a:r>
           </a:p>
         </p:txBody>
       </p:sp>
@@ -12871,9 +13256,18 @@
   <p:clrMapOvr>
     <a:masterClrMapping/>
   </p:clrMapOvr>
-  <p:transition>
-    <p:fade/>
-  </p:transition>
+  <mc:AlternateContent xmlns:mc="http://schemas.openxmlformats.org/markup-compatibility/2006" xmlns:p14="http://schemas.microsoft.com/office/powerpoint/2010/main">
+    <mc:Choice Requires="p14">
+      <p:transition p14:dur="300">
+        <p:fade/>
+      </p:transition>
+    </mc:Choice>
+    <mc:Fallback xmlns="">
+      <p:transition>
+        <p:fade/>
+      </p:transition>
+    </mc:Fallback>
+  </mc:AlternateContent>
 </p:sld>
 </file>
 
@@ -12899,7 +13293,7 @@
           <p:cNvPr id="11" name="Title 3">
             <a:extLst>
               <a:ext uri="{FF2B5EF4-FFF2-40B4-BE49-F238E27FC236}">
-                <a16:creationId xmlns:a16="http://schemas.microsoft.com/office/drawing/2014/main" id="{E009E17B-B754-A255-9368-72F1A469555F}"/>
+                <a16:creationId xmlns:a16="http://schemas.microsoft.com/office/drawing/2014/main" id="{213928AF-CC58-3EE2-93DA-914CCC34F19D}"/>
               </a:ext>
             </a:extLst>
           </p:cNvPr>
@@ -12921,8 +13315,8 @@
           <a:lstStyle/>
           <a:p>
             <a:r>
-              <a:rPr lang="ar-SA" dirty="0"/>
-              <a:t>وَفِيهِ جَمْعٌ مِنْ شِيعَتِنا وَمُحِبِّينا </a:t>
+              <a:rPr lang="ar-SA"/>
+              <a:t>وَاصْطَفَانِي بِالرِّسالَةِ نَجِيّاً </a:t>
             </a:r>
             <a:endParaRPr lang="en-US" dirty="0"/>
           </a:p>
@@ -12933,7 +13327,7 @@
           <p:cNvPr id="12" name="Subtitle 4">
             <a:extLst>
               <a:ext uri="{FF2B5EF4-FFF2-40B4-BE49-F238E27FC236}">
-                <a16:creationId xmlns:a16="http://schemas.microsoft.com/office/drawing/2014/main" id="{D82C46BC-F832-EB65-3315-71224F3B8697}"/>
+                <a16:creationId xmlns:a16="http://schemas.microsoft.com/office/drawing/2014/main" id="{7990CADB-7DA7-91C1-DEA4-3E5804F07177}"/>
               </a:ext>
             </a:extLst>
           </p:cNvPr>
@@ -12956,7 +13350,7 @@
           <a:p>
             <a:r>
               <a:rPr lang="en-US"/>
-              <a:t>our followers and friends mentions this event, </a:t>
+              <a:t>and chose me a Messenger for the salvation of the mankind, </a:t>
             </a:r>
             <a:endParaRPr lang="en-US" dirty="0"/>
           </a:p>
@@ -12967,9 +13361,18 @@
   <p:clrMapOvr>
     <a:masterClrMapping/>
   </p:clrMapOvr>
-  <p:transition>
-    <p:fade/>
-  </p:transition>
+  <mc:AlternateContent xmlns:mc="http://schemas.openxmlformats.org/markup-compatibility/2006" xmlns:p14="http://schemas.microsoft.com/office/powerpoint/2010/main">
+    <mc:Choice Requires="p14">
+      <p:transition p14:dur="300">
+        <p:fade/>
+      </p:transition>
+    </mc:Choice>
+    <mc:Fallback xmlns="">
+      <p:transition>
+        <p:fade/>
+      </p:transition>
+    </mc:Fallback>
+  </mc:AlternateContent>
 </p:sld>
 </file>
 
@@ -12995,7 +13398,7 @@
           <p:cNvPr id="11" name="Title 3">
             <a:extLst>
               <a:ext uri="{FF2B5EF4-FFF2-40B4-BE49-F238E27FC236}">
-                <a16:creationId xmlns:a16="http://schemas.microsoft.com/office/drawing/2014/main" id="{A7EF806F-E600-274B-C38E-485F6ED42E12}"/>
+                <a16:creationId xmlns:a16="http://schemas.microsoft.com/office/drawing/2014/main" id="{1377F11A-B0F6-CD1D-ABFD-D673F23FC9AC}"/>
               </a:ext>
             </a:extLst>
           </p:cNvPr>
@@ -13018,7 +13421,14 @@
           <a:p>
             <a:r>
               <a:rPr lang="ar-SA" dirty="0"/>
-              <a:t>وَفِيهِمْ مَهْمُومٌ إِلَّا وَفَرَّجَ اللّهُ هَمَّهُ </a:t>
+              <a:t>مَا ذُكِرَ خَبَرُنا هذَا فِي</a:t>
+            </a:r>
+            <a:br>
+              <a:rPr lang="ar-SA" dirty="0"/>
+            </a:br>
+            <a:r>
+              <a:rPr lang="ar-SA" dirty="0"/>
+              <a:t>مَحْفِلٍ مِنْ مَحَافِلِ أَهْلِ الْأَرْضِ</a:t>
             </a:r>
             <a:endParaRPr lang="en-US" dirty="0"/>
           </a:p>
@@ -13029,7 +13439,7 @@
           <p:cNvPr id="12" name="Subtitle 4">
             <a:extLst>
               <a:ext uri="{FF2B5EF4-FFF2-40B4-BE49-F238E27FC236}">
-                <a16:creationId xmlns:a16="http://schemas.microsoft.com/office/drawing/2014/main" id="{7ACCD813-67D1-BFB9-E718-7BFEA1812F0B}"/>
+                <a16:creationId xmlns:a16="http://schemas.microsoft.com/office/drawing/2014/main" id="{B7C75EB0-1637-0DD7-3415-1668ECDFBA07}"/>
               </a:ext>
             </a:extLst>
           </p:cNvPr>
@@ -13052,7 +13462,7 @@
           <a:p>
             <a:r>
               <a:rPr lang="en-US"/>
-              <a:t>there shall remain none grieved but Allah will remove his grief, </a:t>
+              <a:t>whenever and wherever an assembly</a:t>
             </a:r>
             <a:endParaRPr lang="en-US" dirty="0"/>
           </a:p>
@@ -13063,9 +13473,18 @@
   <p:clrMapOvr>
     <a:masterClrMapping/>
   </p:clrMapOvr>
-  <p:transition>
-    <p:fade/>
-  </p:transition>
+  <mc:AlternateContent xmlns:mc="http://schemas.openxmlformats.org/markup-compatibility/2006" xmlns:p14="http://schemas.microsoft.com/office/powerpoint/2010/main">
+    <mc:Choice Requires="p14">
+      <p:transition p14:dur="300">
+        <p:fade/>
+      </p:transition>
+    </mc:Choice>
+    <mc:Fallback xmlns="">
+      <p:transition>
+        <p:fade/>
+      </p:transition>
+    </mc:Fallback>
+  </mc:AlternateContent>
 </p:sld>
 </file>
 
@@ -13091,7 +13510,7 @@
           <p:cNvPr id="11" name="Title 3">
             <a:extLst>
               <a:ext uri="{FF2B5EF4-FFF2-40B4-BE49-F238E27FC236}">
-                <a16:creationId xmlns:a16="http://schemas.microsoft.com/office/drawing/2014/main" id="{556A6F3A-68D6-CE2B-A9F6-852E11C87F1C}"/>
+                <a16:creationId xmlns:a16="http://schemas.microsoft.com/office/drawing/2014/main" id="{E009E17B-B754-A255-9368-72F1A469555F}"/>
               </a:ext>
             </a:extLst>
           </p:cNvPr>
@@ -13114,7 +13533,7 @@
           <a:p>
             <a:r>
               <a:rPr lang="ar-SA" dirty="0"/>
-              <a:t>وَلاَ مَغْمُومٌ إِلَّا وَكَشَفَ اللّهُ غَمَّهُ </a:t>
+              <a:t>وَفِيهِ جَمْعٌ مِنْ شِيعَتِنا وَمُحِبِّينا </a:t>
             </a:r>
             <a:endParaRPr lang="en-US" dirty="0"/>
           </a:p>
@@ -13125,7 +13544,7 @@
           <p:cNvPr id="12" name="Subtitle 4">
             <a:extLst>
               <a:ext uri="{FF2B5EF4-FFF2-40B4-BE49-F238E27FC236}">
-                <a16:creationId xmlns:a16="http://schemas.microsoft.com/office/drawing/2014/main" id="{2908A448-F064-7682-E4E5-A42119867966}"/>
+                <a16:creationId xmlns:a16="http://schemas.microsoft.com/office/drawing/2014/main" id="{D82C46BC-F832-EB65-3315-71224F3B8697}"/>
               </a:ext>
             </a:extLst>
           </p:cNvPr>
@@ -13148,7 +13567,7 @@
           <a:p>
             <a:r>
               <a:rPr lang="en-US"/>
-              <a:t>there shall remain none distressed but Allah will dispel his distress, </a:t>
+              <a:t>our followers and friends mentions this event, </a:t>
             </a:r>
             <a:endParaRPr lang="en-US" dirty="0"/>
           </a:p>
@@ -13159,9 +13578,18 @@
   <p:clrMapOvr>
     <a:masterClrMapping/>
   </p:clrMapOvr>
-  <p:transition>
-    <p:fade/>
-  </p:transition>
+  <mc:AlternateContent xmlns:mc="http://schemas.openxmlformats.org/markup-compatibility/2006" xmlns:p14="http://schemas.microsoft.com/office/powerpoint/2010/main">
+    <mc:Choice Requires="p14">
+      <p:transition p14:dur="300">
+        <p:fade/>
+      </p:transition>
+    </mc:Choice>
+    <mc:Fallback xmlns="">
+      <p:transition>
+        <p:fade/>
+      </p:transition>
+    </mc:Fallback>
+  </mc:AlternateContent>
 </p:sld>
 </file>
 
@@ -13187,7 +13615,7 @@
           <p:cNvPr id="11" name="Title 3">
             <a:extLst>
               <a:ext uri="{FF2B5EF4-FFF2-40B4-BE49-F238E27FC236}">
-                <a16:creationId xmlns:a16="http://schemas.microsoft.com/office/drawing/2014/main" id="{A6796682-1591-1981-40E8-6FD5471C2581}"/>
+                <a16:creationId xmlns:a16="http://schemas.microsoft.com/office/drawing/2014/main" id="{A7EF806F-E600-274B-C38E-485F6ED42E12}"/>
               </a:ext>
             </a:extLst>
           </p:cNvPr>
@@ -13210,7 +13638,7 @@
           <a:p>
             <a:r>
               <a:rPr lang="ar-SA" dirty="0"/>
-              <a:t>وَلاَ طالِبُ حاجَةٍ إِلَّا وَقَضَى اللّهُ حاجَتَهُ </a:t>
+              <a:t>وَفِيهِمْ مَهْمُومٌ إِلَّا وَفَرَّجَ اللّهُ هَمَّهُ </a:t>
             </a:r>
             <a:endParaRPr lang="en-US" dirty="0"/>
           </a:p>
@@ -13221,7 +13649,7 @@
           <p:cNvPr id="12" name="Subtitle 4">
             <a:extLst>
               <a:ext uri="{FF2B5EF4-FFF2-40B4-BE49-F238E27FC236}">
-                <a16:creationId xmlns:a16="http://schemas.microsoft.com/office/drawing/2014/main" id="{342AD9E0-A654-73B3-AD9F-AB21A0C17A63}"/>
+                <a16:creationId xmlns:a16="http://schemas.microsoft.com/office/drawing/2014/main" id="{7ACCD813-67D1-BFB9-E718-7BFEA1812F0B}"/>
               </a:ext>
             </a:extLst>
           </p:cNvPr>
@@ -13243,9 +13671,10 @@
           <a:lstStyle/>
           <a:p>
             <a:r>
-              <a:rPr lang="en-US" dirty="0"/>
-              <a:t>there shall remain none wish-seeker but Allah will grant his wish."</a:t>
-            </a:r>
+              <a:rPr lang="en-US"/>
+              <a:t>there shall remain none grieved but Allah will remove his grief, </a:t>
+            </a:r>
+            <a:endParaRPr lang="en-US" dirty="0"/>
           </a:p>
         </p:txBody>
       </p:sp>
@@ -13254,9 +13683,18 @@
   <p:clrMapOvr>
     <a:masterClrMapping/>
   </p:clrMapOvr>
-  <p:transition>
-    <p:fade/>
-  </p:transition>
+  <mc:AlternateContent xmlns:mc="http://schemas.openxmlformats.org/markup-compatibility/2006" xmlns:p14="http://schemas.microsoft.com/office/powerpoint/2010/main">
+    <mc:Choice Requires="p14">
+      <p:transition p14:dur="300">
+        <p:fade/>
+      </p:transition>
+    </mc:Choice>
+    <mc:Fallback xmlns="">
+      <p:transition>
+        <p:fade/>
+      </p:transition>
+    </mc:Fallback>
+  </mc:AlternateContent>
 </p:sld>
 </file>
 
@@ -13282,7 +13720,7 @@
           <p:cNvPr id="11" name="Title 3">
             <a:extLst>
               <a:ext uri="{FF2B5EF4-FFF2-40B4-BE49-F238E27FC236}">
-                <a16:creationId xmlns:a16="http://schemas.microsoft.com/office/drawing/2014/main" id="{B27DE978-964E-459A-6879-5C6E2F5166EC}"/>
+                <a16:creationId xmlns:a16="http://schemas.microsoft.com/office/drawing/2014/main" id="{556A6F3A-68D6-CE2B-A9F6-852E11C87F1C}"/>
               </a:ext>
             </a:extLst>
           </p:cNvPr>
@@ -13305,7 +13743,7 @@
           <a:p>
             <a:r>
               <a:rPr lang="ar-SA" dirty="0"/>
-              <a:t>فَقالَ عَلِيٌّ إِذاً وَللّه فُزْنا وَسُعِدْنا</a:t>
+              <a:t>وَلاَ مَغْمُومٌ إِلَّا وَكَشَفَ اللّهُ غَمَّهُ </a:t>
             </a:r>
             <a:endParaRPr lang="en-US" dirty="0"/>
           </a:p>
@@ -13316,7 +13754,7 @@
           <p:cNvPr id="12" name="Subtitle 4">
             <a:extLst>
               <a:ext uri="{FF2B5EF4-FFF2-40B4-BE49-F238E27FC236}">
-                <a16:creationId xmlns:a16="http://schemas.microsoft.com/office/drawing/2014/main" id="{3F0F8C00-3414-8B4E-AF71-7344562E1A1E}"/>
+                <a16:creationId xmlns:a16="http://schemas.microsoft.com/office/drawing/2014/main" id="{2908A448-F064-7682-E4E5-A42119867966}"/>
               </a:ext>
             </a:extLst>
           </p:cNvPr>
@@ -13338,9 +13776,10 @@
           <a:lstStyle/>
           <a:p>
             <a:r>
-              <a:rPr lang="en-US" dirty="0"/>
-              <a:t>`Ali, peace be upon him, said, "Then, we have won and attained pleasure. I swear it by Allah.</a:t>
-            </a:r>
+              <a:rPr lang="en-US"/>
+              <a:t>there shall remain none distressed but Allah will dispel his distress, </a:t>
+            </a:r>
+            <a:endParaRPr lang="en-US" dirty="0"/>
           </a:p>
         </p:txBody>
       </p:sp>
@@ -13349,9 +13788,18 @@
   <p:clrMapOvr>
     <a:masterClrMapping/>
   </p:clrMapOvr>
-  <p:transition>
-    <p:fade/>
-  </p:transition>
+  <mc:AlternateContent xmlns:mc="http://schemas.openxmlformats.org/markup-compatibility/2006" xmlns:p14="http://schemas.microsoft.com/office/powerpoint/2010/main">
+    <mc:Choice Requires="p14">
+      <p:transition p14:dur="300">
+        <p:fade/>
+      </p:transition>
+    </mc:Choice>
+    <mc:Fallback xmlns="">
+      <p:transition>
+        <p:fade/>
+      </p:transition>
+    </mc:Fallback>
+  </mc:AlternateContent>
 </p:sld>
 </file>
 
@@ -13377,7 +13825,7 @@
           <p:cNvPr id="11" name="Title 3">
             <a:extLst>
               <a:ext uri="{FF2B5EF4-FFF2-40B4-BE49-F238E27FC236}">
-                <a16:creationId xmlns:a16="http://schemas.microsoft.com/office/drawing/2014/main" id="{6F0F81EA-32CF-BCC3-6802-6CBF61D0F566}"/>
+                <a16:creationId xmlns:a16="http://schemas.microsoft.com/office/drawing/2014/main" id="{A6796682-1591-1981-40E8-6FD5471C2581}"/>
               </a:ext>
             </a:extLst>
           </p:cNvPr>
@@ -13400,22 +13848,7 @@
           <a:p>
             <a:r>
               <a:rPr lang="ar-SA" dirty="0"/>
-              <a:t> وَكَذلِكَ شِيعَتُنا فازُوا وَسُعِدُوا</a:t>
-            </a:r>
-            <a:br>
-              <a:rPr lang="ar-SA" dirty="0"/>
-            </a:br>
-            <a:r>
-              <a:rPr lang="ar-SA" dirty="0"/>
-              <a:t>فِي الدُّنْيا </a:t>
-            </a:r>
-            <a:r>
-              <a:rPr lang="ar-SA" dirty="0" err="1"/>
-              <a:t>وَالاْخِرَةِ</a:t>
-            </a:r>
-            <a:r>
-              <a:rPr lang="ar-SA" dirty="0"/>
-              <a:t> وَرَبِّ الْكَعْبَةِ</a:t>
+              <a:t>وَلاَ طالِبُ حاجَةٍ إِلَّا وَقَضَى اللّهُ حاجَتَهُ </a:t>
             </a:r>
             <a:endParaRPr lang="en-US" dirty="0"/>
           </a:p>
@@ -13426,7 +13859,7 @@
           <p:cNvPr id="12" name="Subtitle 4">
             <a:extLst>
               <a:ext uri="{FF2B5EF4-FFF2-40B4-BE49-F238E27FC236}">
-                <a16:creationId xmlns:a16="http://schemas.microsoft.com/office/drawing/2014/main" id="{7E836BBE-480A-BD0C-2556-4F9BEF0AE71E}"/>
+                <a16:creationId xmlns:a16="http://schemas.microsoft.com/office/drawing/2014/main" id="{342AD9E0-A654-73B3-AD9F-AB21A0C17A63}"/>
               </a:ext>
             </a:extLst>
           </p:cNvPr>
@@ -13449,15 +13882,7 @@
           <a:p>
             <a:r>
               <a:rPr lang="en-US" dirty="0"/>
-              <a:t> So have our adherents they have won and attained pleasure in this world and in the Hereafter. I swear it by the Lord of the </a:t>
-            </a:r>
-            <a:r>
-              <a:rPr lang="en-US" dirty="0" err="1"/>
-              <a:t>Ka`bah</a:t>
-            </a:r>
-            <a:r>
-              <a:rPr lang="en-US" dirty="0"/>
-              <a:t>."</a:t>
+              <a:t>there shall remain none wish-seeker but Allah will grant his wish.”</a:t>
             </a:r>
           </a:p>
         </p:txBody>
@@ -13467,9 +13892,18 @@
   <p:clrMapOvr>
     <a:masterClrMapping/>
   </p:clrMapOvr>
-  <p:transition>
-    <p:fade/>
-  </p:transition>
+  <mc:AlternateContent xmlns:mc="http://schemas.openxmlformats.org/markup-compatibility/2006" xmlns:p14="http://schemas.microsoft.com/office/powerpoint/2010/main">
+    <mc:Choice Requires="p14">
+      <p:transition p14:dur="300">
+        <p:fade/>
+      </p:transition>
+    </mc:Choice>
+    <mc:Fallback xmlns="">
+      <p:transition>
+        <p:fade/>
+      </p:transition>
+    </mc:Fallback>
+  </mc:AlternateContent>
 </p:sld>
 </file>
 
@@ -13495,46 +13929,32 @@
           <p:cNvPr id="11" name="Title 3">
             <a:extLst>
               <a:ext uri="{FF2B5EF4-FFF2-40B4-BE49-F238E27FC236}">
-                <a16:creationId xmlns:a16="http://schemas.microsoft.com/office/drawing/2014/main" id="{4E604A7F-4B49-4FDE-B247-CED3E88C9DED}"/>
-              </a:ext>
-            </a:extLst>
-          </p:cNvPr>
-          <p:cNvSpPr>
-            <a:spLocks noGrp="1"/>
-          </p:cNvSpPr>
-          <p:nvPr>
-            <p:ph type="ctrTitle"/>
-          </p:nvPr>
-        </p:nvSpPr>
-        <p:spPr>
-          <a:xfrm>
-            <a:off x="0" y="1268760"/>
-            <a:ext cx="12192000" cy="1470025"/>
+                <a16:creationId xmlns:a16="http://schemas.microsoft.com/office/drawing/2014/main" id="{B27DE978-964E-459A-6879-5C6E2F5166EC}"/>
+              </a:ext>
+            </a:extLst>
+          </p:cNvPr>
+          <p:cNvSpPr>
+            <a:spLocks noGrp="1"/>
+          </p:cNvSpPr>
+          <p:nvPr>
+            <p:ph type="title"/>
+          </p:nvPr>
+        </p:nvSpPr>
+        <p:spPr>
+          <a:xfrm>
+            <a:off x="0" y="1219199"/>
+            <a:ext cx="12192000" cy="1143000"/>
           </a:xfrm>
         </p:spPr>
         <p:txBody>
           <a:bodyPr/>
           <a:lstStyle/>
           <a:p>
-            <a:pPr rtl="1" eaLnBrk="1" hangingPunct="1">
-              <a:lnSpc>
-                <a:spcPts val="8000"/>
-              </a:lnSpc>
-              <a:defRPr/>
-            </a:pPr>
-            <a:r>
-              <a:rPr lang="ar-SA" sz="8000" kern="1200" dirty="0">
-                <a:latin typeface="Arabic Typesetting" panose="03020402040406030203" pitchFamily="66" charset="-78"/>
-                <a:ea typeface="+mn-ea"/>
-                <a:cs typeface="Arabic Typesetting" panose="03020402040406030203" pitchFamily="66" charset="-78"/>
-              </a:rPr>
-              <a:t>اَللَّهُمَّ صَلِّ عَلٰى مُحَمَّدٍ وَآلِ مُحَمَّدٍ</a:t>
-            </a:r>
-            <a:endParaRPr lang="en-US" sz="8000" kern="1200" dirty="0">
-              <a:latin typeface="Arabic Typesetting" panose="03020402040406030203" pitchFamily="66" charset="-78"/>
-              <a:ea typeface="+mn-ea"/>
-              <a:cs typeface="Arabic Typesetting" panose="03020402040406030203" pitchFamily="66" charset="-78"/>
-            </a:endParaRPr>
+            <a:r>
+              <a:rPr lang="ar-SA" dirty="0"/>
+              <a:t>فَقالَ عَلِيٌّ إِذاً وَللّه فُزْنا وَسُعِدْنا</a:t>
+            </a:r>
+            <a:endParaRPr lang="en-US" dirty="0"/>
           </a:p>
         </p:txBody>
       </p:sp>
@@ -13543,75 +13963,51 @@
           <p:cNvPr id="12" name="Subtitle 4">
             <a:extLst>
               <a:ext uri="{FF2B5EF4-FFF2-40B4-BE49-F238E27FC236}">
-                <a16:creationId xmlns:a16="http://schemas.microsoft.com/office/drawing/2014/main" id="{0A3FC473-E56A-4E2F-BE7C-7E2CF70D6289}"/>
-              </a:ext>
-            </a:extLst>
-          </p:cNvPr>
-          <p:cNvSpPr>
-            <a:spLocks noGrp="1"/>
-          </p:cNvSpPr>
-          <p:nvPr>
-            <p:ph type="subTitle" idx="1"/>
-          </p:nvPr>
-        </p:nvSpPr>
-        <p:spPr>
-          <a:xfrm>
-            <a:off x="1828800" y="4509120"/>
-            <a:ext cx="8686800" cy="1752600"/>
+                <a16:creationId xmlns:a16="http://schemas.microsoft.com/office/drawing/2014/main" id="{3F0F8C00-3414-8B4E-AF71-7344562E1A1E}"/>
+              </a:ext>
+            </a:extLst>
+          </p:cNvPr>
+          <p:cNvSpPr>
+            <a:spLocks noGrp="1"/>
+          </p:cNvSpPr>
+          <p:nvPr>
+            <p:ph type="body" sz="quarter" idx="10"/>
+          </p:nvPr>
+        </p:nvSpPr>
+        <p:spPr>
+          <a:xfrm>
+            <a:off x="2171700" y="4495801"/>
+            <a:ext cx="7848600" cy="1905000"/>
           </a:xfrm>
         </p:spPr>
         <p:txBody>
           <a:bodyPr/>
           <a:lstStyle/>
           <a:p>
-            <a:pPr marL="342900" indent="-342900" eaLnBrk="1" hangingPunct="1">
-              <a:defRPr/>
-            </a:pPr>
-            <a:r>
-              <a:rPr lang="en-US" kern="1200" dirty="0">
-                <a:ea typeface="MS Mincho" pitchFamily="49" charset="-128"/>
-              </a:rPr>
-              <a:t>O' </a:t>
-            </a:r>
-            <a:r>
-              <a:rPr lang="en-US" kern="1200" dirty="0" err="1">
-                <a:ea typeface="MS Mincho" pitchFamily="49" charset="-128"/>
-              </a:rPr>
-              <a:t>Alláh</a:t>
-            </a:r>
-            <a:r>
-              <a:rPr lang="en-US" kern="1200" dirty="0">
-                <a:ea typeface="MS Mincho" pitchFamily="49" charset="-128"/>
-              </a:rPr>
-              <a:t> send Your blessings on Muhammad</a:t>
-            </a:r>
-          </a:p>
-          <a:p>
-            <a:pPr marL="342900" indent="-342900" eaLnBrk="1" hangingPunct="1">
-              <a:defRPr/>
-            </a:pPr>
-            <a:r>
-              <a:rPr lang="en-US" kern="1200" dirty="0">
-                <a:ea typeface="MS Mincho" pitchFamily="49" charset="-128"/>
-              </a:rPr>
-              <a:t>and the family of Muhammad.</a:t>
+            <a:r>
+              <a:rPr lang="en-US" dirty="0"/>
+              <a:t>`Ali, peace be upon him, said, “Then, we have won and attained pleasure. I swear it by Allah.</a:t>
             </a:r>
           </a:p>
         </p:txBody>
       </p:sp>
     </p:spTree>
-    <p:extLst>
-      <p:ext uri="{BB962C8B-B14F-4D97-AF65-F5344CB8AC3E}">
-        <p14:creationId xmlns:p14="http://schemas.microsoft.com/office/powerpoint/2010/main" val="4202985038"/>
-      </p:ext>
-    </p:extLst>
   </p:cSld>
   <p:clrMapOvr>
     <a:masterClrMapping/>
   </p:clrMapOvr>
-  <p:transition>
-    <p:fade/>
-  </p:transition>
+  <mc:AlternateContent xmlns:mc="http://schemas.openxmlformats.org/markup-compatibility/2006" xmlns:p14="http://schemas.microsoft.com/office/powerpoint/2010/main">
+    <mc:Choice Requires="p14">
+      <p:transition p14:dur="300">
+        <p:fade/>
+      </p:transition>
+    </mc:Choice>
+    <mc:Fallback xmlns="">
+      <p:transition>
+        <p:fade/>
+      </p:transition>
+    </mc:Fallback>
+  </mc:AlternateContent>
 </p:sld>
 </file>
 
@@ -13713,13 +14109,264 @@
   <p:clrMapOvr>
     <a:masterClrMapping/>
   </p:clrMapOvr>
-  <p:transition>
-    <p:fade/>
-  </p:transition>
+  <mc:AlternateContent xmlns:mc="http://schemas.openxmlformats.org/markup-compatibility/2006" xmlns:p14="http://schemas.microsoft.com/office/powerpoint/2010/main">
+    <mc:Choice Requires="p14">
+      <p:transition p14:dur="300">
+        <p:fade/>
+      </p:transition>
+    </mc:Choice>
+    <mc:Fallback xmlns="">
+      <p:transition>
+        <p:fade/>
+      </p:transition>
+    </mc:Fallback>
+  </mc:AlternateContent>
 </p:sld>
 </file>
 
 <file path=ppt/slides/slide110.xml><?xml version="1.0" encoding="utf-8"?>
+<p:sld xmlns:a="http://schemas.openxmlformats.org/drawingml/2006/main" xmlns:r="http://schemas.openxmlformats.org/officeDocument/2006/relationships" xmlns:p="http://schemas.openxmlformats.org/presentationml/2006/main">
+  <p:cSld>
+    <p:spTree>
+      <p:nvGrpSpPr>
+        <p:cNvPr id="1" name=""/>
+        <p:cNvGrpSpPr/>
+        <p:nvPr/>
+      </p:nvGrpSpPr>
+      <p:grpSpPr>
+        <a:xfrm>
+          <a:off x="0" y="0"/>
+          <a:ext cx="0" cy="0"/>
+          <a:chOff x="0" y="0"/>
+          <a:chExt cx="0" cy="0"/>
+        </a:xfrm>
+      </p:grpSpPr>
+      <p:sp>
+        <p:nvSpPr>
+          <p:cNvPr id="11" name="Title 3">
+            <a:extLst>
+              <a:ext uri="{FF2B5EF4-FFF2-40B4-BE49-F238E27FC236}">
+                <a16:creationId xmlns:a16="http://schemas.microsoft.com/office/drawing/2014/main" id="{6F0F81EA-32CF-BCC3-6802-6CBF61D0F566}"/>
+              </a:ext>
+            </a:extLst>
+          </p:cNvPr>
+          <p:cNvSpPr>
+            <a:spLocks noGrp="1"/>
+          </p:cNvSpPr>
+          <p:nvPr>
+            <p:ph type="title"/>
+          </p:nvPr>
+        </p:nvSpPr>
+        <p:spPr>
+          <a:xfrm>
+            <a:off x="0" y="1219199"/>
+            <a:ext cx="12192000" cy="1143000"/>
+          </a:xfrm>
+        </p:spPr>
+        <p:txBody>
+          <a:bodyPr/>
+          <a:lstStyle/>
+          <a:p>
+            <a:r>
+              <a:rPr lang="ar-SA" dirty="0"/>
+              <a:t> وَكَذلِكَ شِيعَتُنا فازُوا وَسُعِدُوا</a:t>
+            </a:r>
+            <a:br>
+              <a:rPr lang="ar-SA" dirty="0"/>
+            </a:br>
+            <a:r>
+              <a:rPr lang="ar-SA" dirty="0"/>
+              <a:t>فِي الدُّنْيا </a:t>
+            </a:r>
+            <a:r>
+              <a:rPr lang="ar-SA" dirty="0" err="1"/>
+              <a:t>وَالاْخِرَةِ</a:t>
+            </a:r>
+            <a:r>
+              <a:rPr lang="ar-SA" dirty="0"/>
+              <a:t> وَرَبِّ الْكَعْبَةِ</a:t>
+            </a:r>
+            <a:endParaRPr lang="en-US" dirty="0"/>
+          </a:p>
+        </p:txBody>
+      </p:sp>
+      <p:sp>
+        <p:nvSpPr>
+          <p:cNvPr id="12" name="Subtitle 4">
+            <a:extLst>
+              <a:ext uri="{FF2B5EF4-FFF2-40B4-BE49-F238E27FC236}">
+                <a16:creationId xmlns:a16="http://schemas.microsoft.com/office/drawing/2014/main" id="{7E836BBE-480A-BD0C-2556-4F9BEF0AE71E}"/>
+              </a:ext>
+            </a:extLst>
+          </p:cNvPr>
+          <p:cNvSpPr>
+            <a:spLocks noGrp="1"/>
+          </p:cNvSpPr>
+          <p:nvPr>
+            <p:ph type="body" sz="quarter" idx="10"/>
+          </p:nvPr>
+        </p:nvSpPr>
+        <p:spPr>
+          <a:xfrm>
+            <a:off x="1428750" y="4495802"/>
+            <a:ext cx="9334500" cy="1905000"/>
+          </a:xfrm>
+        </p:spPr>
+        <p:txBody>
+          <a:bodyPr/>
+          <a:lstStyle/>
+          <a:p>
+            <a:r>
+              <a:rPr lang="en-US" dirty="0"/>
+              <a:t> So have our adherents they have won and attained pleasure in this world and in the Hereafter. I swear it by the Lord of the </a:t>
+            </a:r>
+            <a:r>
+              <a:rPr lang="en-US" dirty="0" err="1"/>
+              <a:t>Ka`bah</a:t>
+            </a:r>
+            <a:r>
+              <a:rPr lang="en-US" dirty="0"/>
+              <a:t>.”</a:t>
+            </a:r>
+          </a:p>
+        </p:txBody>
+      </p:sp>
+    </p:spTree>
+  </p:cSld>
+  <p:clrMapOvr>
+    <a:masterClrMapping/>
+  </p:clrMapOvr>
+  <mc:AlternateContent xmlns:mc="http://schemas.openxmlformats.org/markup-compatibility/2006" xmlns:p14="http://schemas.microsoft.com/office/powerpoint/2010/main">
+    <mc:Choice Requires="p14">
+      <p:transition p14:dur="300">
+        <p:fade/>
+      </p:transition>
+    </mc:Choice>
+    <mc:Fallback xmlns="">
+      <p:transition>
+        <p:fade/>
+      </p:transition>
+    </mc:Fallback>
+  </mc:AlternateContent>
+</p:sld>
+</file>
+
+<file path=ppt/slides/slide111.xml><?xml version="1.0" encoding="utf-8"?>
+<p:sld xmlns:a="http://schemas.openxmlformats.org/drawingml/2006/main" xmlns:r="http://schemas.openxmlformats.org/officeDocument/2006/relationships" xmlns:p="http://schemas.openxmlformats.org/presentationml/2006/main">
+  <p:cSld>
+    <p:spTree>
+      <p:nvGrpSpPr>
+        <p:cNvPr id="1" name=""/>
+        <p:cNvGrpSpPr/>
+        <p:nvPr/>
+      </p:nvGrpSpPr>
+      <p:grpSpPr>
+        <a:xfrm>
+          <a:off x="0" y="0"/>
+          <a:ext cx="0" cy="0"/>
+          <a:chOff x="0" y="0"/>
+          <a:chExt cx="0" cy="0"/>
+        </a:xfrm>
+      </p:grpSpPr>
+      <p:sp>
+        <p:nvSpPr>
+          <p:cNvPr id="11" name="Title 3">
+            <a:extLst>
+              <a:ext uri="{FF2B5EF4-FFF2-40B4-BE49-F238E27FC236}">
+                <a16:creationId xmlns:a16="http://schemas.microsoft.com/office/drawing/2014/main" id="{4E604A7F-4B49-4FDE-B247-CED3E88C9DED}"/>
+              </a:ext>
+            </a:extLst>
+          </p:cNvPr>
+          <p:cNvSpPr>
+            <a:spLocks noGrp="1"/>
+          </p:cNvSpPr>
+          <p:nvPr>
+            <p:ph type="title"/>
+          </p:nvPr>
+        </p:nvSpPr>
+        <p:spPr>
+          <a:xfrm>
+            <a:off x="0" y="1219199"/>
+            <a:ext cx="12192000" cy="1143000"/>
+          </a:xfrm>
+        </p:spPr>
+        <p:txBody>
+          <a:bodyPr/>
+          <a:lstStyle/>
+          <a:p>
+            <a:r>
+              <a:rPr lang="ar-SA" dirty="0"/>
+              <a:t>أَللّٰهُمَّ صَلِّ عَلٰى مُحَمَّدٍ وَآلِ مُحَمَّدٍ</a:t>
+            </a:r>
+            <a:endParaRPr lang="en-US" dirty="0"/>
+          </a:p>
+        </p:txBody>
+      </p:sp>
+      <p:sp>
+        <p:nvSpPr>
+          <p:cNvPr id="12" name="Subtitle 4">
+            <a:extLst>
+              <a:ext uri="{FF2B5EF4-FFF2-40B4-BE49-F238E27FC236}">
+                <a16:creationId xmlns:a16="http://schemas.microsoft.com/office/drawing/2014/main" id="{0A3FC473-E56A-4E2F-BE7C-7E2CF70D6289}"/>
+              </a:ext>
+            </a:extLst>
+          </p:cNvPr>
+          <p:cNvSpPr>
+            <a:spLocks noGrp="1"/>
+          </p:cNvSpPr>
+          <p:nvPr>
+            <p:ph type="body" sz="quarter" idx="10"/>
+          </p:nvPr>
+        </p:nvSpPr>
+        <p:spPr>
+          <a:xfrm>
+            <a:off x="2171700" y="4495801"/>
+            <a:ext cx="7848600" cy="1905000"/>
+          </a:xfrm>
+        </p:spPr>
+        <p:txBody>
+          <a:bodyPr/>
+          <a:lstStyle/>
+          <a:p>
+            <a:r>
+              <a:rPr lang="en-US" dirty="0"/>
+              <a:t>O' Allah send Your blessings on Muhammad</a:t>
+            </a:r>
+          </a:p>
+          <a:p>
+            <a:r>
+              <a:rPr lang="en-US" dirty="0"/>
+              <a:t>and the family of Muhammad.</a:t>
+            </a:r>
+          </a:p>
+        </p:txBody>
+      </p:sp>
+    </p:spTree>
+    <p:extLst>
+      <p:ext uri="{BB962C8B-B14F-4D97-AF65-F5344CB8AC3E}">
+        <p14:creationId xmlns:p14="http://schemas.microsoft.com/office/powerpoint/2010/main" val="3927737641"/>
+      </p:ext>
+    </p:extLst>
+  </p:cSld>
+  <p:clrMapOvr>
+    <a:masterClrMapping/>
+  </p:clrMapOvr>
+  <mc:AlternateContent xmlns:mc="http://schemas.openxmlformats.org/markup-compatibility/2006" xmlns:p14="http://schemas.microsoft.com/office/powerpoint/2010/main">
+    <mc:Choice Requires="p14">
+      <p:transition p14:dur="300">
+        <p:fade/>
+      </p:transition>
+    </mc:Choice>
+    <mc:Fallback xmlns="">
+      <p:transition>
+        <p:fade/>
+      </p:transition>
+    </mc:Fallback>
+  </mc:AlternateContent>
+</p:sld>
+</file>
+
+<file path=ppt/slides/slide112.xml><?xml version="1.0" encoding="utf-8"?>
 <p:sld xmlns:a="http://schemas.openxmlformats.org/drawingml/2006/main" xmlns:r="http://schemas.openxmlformats.org/officeDocument/2006/relationships" xmlns:p="http://schemas.openxmlformats.org/presentationml/2006/main">
   <p:cSld>
     <p:spTree>
@@ -14276,9 +14923,18 @@
   <p:clrMapOvr>
     <a:masterClrMapping/>
   </p:clrMapOvr>
-  <p:transition>
-    <p:fade/>
-  </p:transition>
+  <mc:AlternateContent xmlns:mc="http://schemas.openxmlformats.org/markup-compatibility/2006" xmlns:p14="http://schemas.microsoft.com/office/powerpoint/2010/main">
+    <mc:Choice Requires="p14">
+      <p:transition p14:dur="300">
+        <p:fade/>
+      </p:transition>
+    </mc:Choice>
+    <mc:Fallback xmlns="">
+      <p:transition>
+        <p:fade/>
+      </p:transition>
+    </mc:Fallback>
+  </mc:AlternateContent>
 </p:sld>
 </file>
 
@@ -14390,9 +15046,18 @@
   <p:clrMapOvr>
     <a:masterClrMapping/>
   </p:clrMapOvr>
-  <p:transition>
-    <p:fade/>
-  </p:transition>
+  <mc:AlternateContent xmlns:mc="http://schemas.openxmlformats.org/markup-compatibility/2006" xmlns:p14="http://schemas.microsoft.com/office/powerpoint/2010/main">
+    <mc:Choice Requires="p14">
+      <p:transition p14:dur="300">
+        <p:fade/>
+      </p:transition>
+    </mc:Choice>
+    <mc:Fallback xmlns="">
+      <p:transition>
+        <p:fade/>
+      </p:transition>
+    </mc:Fallback>
+  </mc:AlternateContent>
 </p:sld>
 </file>
 
@@ -14475,15 +15140,7 @@
           <a:p>
             <a:r>
               <a:rPr lang="en-US" dirty="0"/>
-              <a:t>O' </a:t>
-            </a:r>
-            <a:r>
-              <a:rPr lang="en-US" dirty="0" err="1"/>
-              <a:t>Alláh</a:t>
-            </a:r>
-            <a:r>
-              <a:rPr lang="en-US" dirty="0"/>
-              <a:t> send Your blessings on Muhammad</a:t>
+              <a:t>O' Allah send Your blessings on Muhammad</a:t>
             </a:r>
           </a:p>
           <a:p>
@@ -14504,9 +15161,18 @@
   <p:clrMapOvr>
     <a:masterClrMapping/>
   </p:clrMapOvr>
-  <p:transition>
-    <p:fade/>
-  </p:transition>
+  <mc:AlternateContent xmlns:mc="http://schemas.openxmlformats.org/markup-compatibility/2006" xmlns:p14="http://schemas.microsoft.com/office/powerpoint/2010/main">
+    <mc:Choice Requires="p14">
+      <p:transition p14:dur="300">
+        <p:fade/>
+      </p:transition>
+    </mc:Choice>
+    <mc:Fallback xmlns="">
+      <p:transition>
+        <p:fade/>
+      </p:transition>
+    </mc:Fallback>
+  </mc:AlternateContent>
 </p:sld>
 </file>
 
@@ -14607,9 +15273,18 @@
   <p:clrMapOvr>
     <a:masterClrMapping/>
   </p:clrMapOvr>
-  <p:transition>
-    <p:fade/>
-  </p:transition>
+  <mc:AlternateContent xmlns:mc="http://schemas.openxmlformats.org/markup-compatibility/2006" xmlns:p14="http://schemas.microsoft.com/office/powerpoint/2010/main">
+    <mc:Choice Requires="p14">
+      <p:transition p14:dur="300">
+        <p:fade/>
+      </p:transition>
+    </mc:Choice>
+    <mc:Fallback xmlns="">
+      <p:transition>
+        <p:fade/>
+      </p:transition>
+    </mc:Fallback>
+  </mc:AlternateContent>
 </p:sld>
 </file>
 
@@ -14692,7 +15367,7 @@
           <a:p>
             <a:r>
               <a:rPr lang="en-US" dirty="0"/>
-              <a:t>and said: "Peace be on you, mother"</a:t>
+              <a:t>and said, “Peace be on you, mother.”</a:t>
             </a:r>
           </a:p>
         </p:txBody>
@@ -14702,9 +15377,18 @@
   <p:clrMapOvr>
     <a:masterClrMapping/>
   </p:clrMapOvr>
-  <p:transition>
-    <p:fade/>
-  </p:transition>
+  <mc:AlternateContent xmlns:mc="http://schemas.openxmlformats.org/markup-compatibility/2006" xmlns:p14="http://schemas.microsoft.com/office/powerpoint/2010/main">
+    <mc:Choice Requires="p14">
+      <p:transition p14:dur="300">
+        <p:fade/>
+      </p:transition>
+    </mc:Choice>
+    <mc:Fallback xmlns="">
+      <p:transition>
+        <p:fade/>
+      </p:transition>
+    </mc:Fallback>
+  </mc:AlternateContent>
 </p:sld>
 </file>
 
@@ -14787,7 +15471,7 @@
           <a:p>
             <a:r>
               <a:rPr lang="en-US" dirty="0"/>
-              <a:t>I replied: "And upon you be peace, O light of my eyes, and the delight of my heart"</a:t>
+              <a:t>I replied, “And upon you be peace, O light of my eyes, and the delight of my heart.”</a:t>
             </a:r>
           </a:p>
         </p:txBody>
@@ -14797,9 +15481,18 @@
   <p:clrMapOvr>
     <a:masterClrMapping/>
   </p:clrMapOvr>
-  <p:transition>
-    <p:fade/>
-  </p:transition>
+  <mc:AlternateContent xmlns:mc="http://schemas.openxmlformats.org/markup-compatibility/2006" xmlns:p14="http://schemas.microsoft.com/office/powerpoint/2010/main">
+    <mc:Choice Requires="p14">
+      <p:transition p14:dur="300">
+        <p:fade/>
+      </p:transition>
+    </mc:Choice>
+    <mc:Fallback xmlns="">
+      <p:transition>
+        <p:fade/>
+      </p:transition>
+    </mc:Fallback>
+  </mc:AlternateContent>
 </p:sld>
 </file>
 
@@ -14882,7 +15575,7 @@
           <a:p>
             <a:r>
               <a:rPr lang="en-US" dirty="0"/>
-              <a:t>He then said: "O Mother! I smell a fragrance so sweet</a:t>
+              <a:t>He then said, “O Mother! I smell a fragrance so sweet</a:t>
             </a:r>
           </a:p>
         </p:txBody>
@@ -14892,9 +15585,18 @@
   <p:clrMapOvr>
     <a:masterClrMapping/>
   </p:clrMapOvr>
-  <p:transition>
-    <p:fade/>
-  </p:transition>
+  <mc:AlternateContent xmlns:mc="http://schemas.openxmlformats.org/markup-compatibility/2006" xmlns:p14="http://schemas.microsoft.com/office/powerpoint/2010/main">
+    <mc:Choice Requires="p14">
+      <p:transition p14:dur="300">
+        <p:fade/>
+      </p:transition>
+    </mc:Choice>
+    <mc:Fallback xmlns="">
+      <p:transition>
+        <p:fade/>
+      </p:transition>
+    </mc:Fallback>
+  </mc:AlternateContent>
 </p:sld>
 </file>
 
@@ -14976,10 +15678,9 @@
           <a:lstStyle/>
           <a:p>
             <a:r>
-              <a:rPr lang="en-US"/>
-              <a:t>and so pure as that of my grandfather, the Prophet (s) of Allah"</a:t>
-            </a:r>
-            <a:endParaRPr lang="en-US" dirty="0"/>
+              <a:rPr lang="en-US" dirty="0"/>
+              <a:t>and so pure as that of my grandfather, the Prophet of Allah.”</a:t>
+            </a:r>
           </a:p>
         </p:txBody>
       </p:sp>
@@ -14988,9 +15689,18 @@
   <p:clrMapOvr>
     <a:masterClrMapping/>
   </p:clrMapOvr>
-  <p:transition>
-    <p:fade/>
-  </p:transition>
+  <mc:AlternateContent xmlns:mc="http://schemas.openxmlformats.org/markup-compatibility/2006" xmlns:p14="http://schemas.microsoft.com/office/powerpoint/2010/main">
+    <mc:Choice Requires="p14">
+      <p:transition p14:dur="300">
+        <p:fade/>
+      </p:transition>
+    </mc:Choice>
+    <mc:Fallback xmlns="">
+      <p:transition>
+        <p:fade/>
+      </p:transition>
+    </mc:Fallback>
+  </mc:AlternateContent>
 </p:sld>
 </file>
 
@@ -15073,7 +15783,7 @@
           <a:p>
             <a:r>
               <a:rPr lang="en-US" dirty="0"/>
-              <a:t>I replied: "Yes. Your grandfather is underneath the cloak"</a:t>
+              <a:t>I replied, “Yes. Your grandfather is underneath the cloak.”</a:t>
             </a:r>
           </a:p>
         </p:txBody>
@@ -15083,9 +15793,18 @@
   <p:clrMapOvr>
     <a:masterClrMapping/>
   </p:clrMapOvr>
-  <p:transition>
-    <p:fade/>
-  </p:transition>
+  <mc:AlternateContent xmlns:mc="http://schemas.openxmlformats.org/markup-compatibility/2006" xmlns:p14="http://schemas.microsoft.com/office/powerpoint/2010/main">
+    <mc:Choice Requires="p14">
+      <p:transition p14:dur="300">
+        <p:fade/>
+      </p:transition>
+    </mc:Choice>
+    <mc:Fallback xmlns="">
+      <p:transition>
+        <p:fade/>
+      </p:transition>
+    </mc:Fallback>
+  </mc:AlternateContent>
 </p:sld>
 </file>
 
@@ -15122,30 +15841,21 @@
             <p:ph type="title"/>
           </p:nvPr>
         </p:nvSpPr>
-        <p:spPr/>
+        <p:spPr>
+          <a:xfrm>
+            <a:off x="0" y="1219199"/>
+            <a:ext cx="12192000" cy="1143000"/>
+          </a:xfrm>
+        </p:spPr>
         <p:txBody>
           <a:bodyPr/>
           <a:lstStyle/>
           <a:p>
-            <a:pPr rtl="1" eaLnBrk="1" hangingPunct="1">
-              <a:lnSpc>
-                <a:spcPts val="8000"/>
-              </a:lnSpc>
-              <a:defRPr/>
-            </a:pPr>
-            <a:r>
-              <a:rPr lang="ar-SA" sz="8000" kern="1200" dirty="0">
-                <a:latin typeface="Arabic Typesetting" panose="03020402040406030203" pitchFamily="66" charset="-78"/>
-                <a:ea typeface="+mn-ea"/>
-                <a:cs typeface="Arabic Typesetting" panose="03020402040406030203" pitchFamily="66" charset="-78"/>
-              </a:rPr>
+            <a:r>
+              <a:rPr lang="ar-SA" dirty="0"/>
               <a:t>أَللّٰهُمَّ صَلِّ عَلٰى مُحَمَّدٍ وَآلِ مُحَمَّدٍ</a:t>
             </a:r>
-            <a:endParaRPr lang="en-US" sz="8000" kern="1200" dirty="0">
-              <a:latin typeface="Arabic Typesetting" panose="03020402040406030203" pitchFamily="66" charset="-78"/>
-              <a:ea typeface="+mn-ea"/>
-              <a:cs typeface="Arabic Typesetting" panose="03020402040406030203" pitchFamily="66" charset="-78"/>
-            </a:endParaRPr>
+            <a:endParaRPr lang="en-US" dirty="0"/>
           </a:p>
         </p:txBody>
       </p:sp>
@@ -15165,41 +15875,24 @@
             <p:ph type="body" sz="quarter" idx="10"/>
           </p:nvPr>
         </p:nvSpPr>
-        <p:spPr/>
+        <p:spPr>
+          <a:xfrm>
+            <a:off x="2171700" y="4495801"/>
+            <a:ext cx="7848600" cy="1905000"/>
+          </a:xfrm>
+        </p:spPr>
         <p:txBody>
           <a:bodyPr/>
           <a:lstStyle/>
           <a:p>
-            <a:pPr marL="342900" indent="-342900" eaLnBrk="1" hangingPunct="1">
-              <a:defRPr/>
-            </a:pPr>
-            <a:r>
-              <a:rPr lang="en-US" kern="1200" dirty="0">
-                <a:ea typeface="MS Mincho" pitchFamily="49" charset="-128"/>
-              </a:rPr>
-              <a:t>O' </a:t>
-            </a:r>
-            <a:r>
-              <a:rPr lang="en-US" kern="1200" dirty="0" err="1">
-                <a:ea typeface="MS Mincho" pitchFamily="49" charset="-128"/>
-              </a:rPr>
-              <a:t>Alláh</a:t>
-            </a:r>
-            <a:r>
-              <a:rPr lang="en-US" kern="1200" dirty="0">
-                <a:ea typeface="MS Mincho" pitchFamily="49" charset="-128"/>
-              </a:rPr>
-              <a:t> send Your blessings on Muhammad</a:t>
-            </a:r>
-          </a:p>
-          <a:p>
-            <a:pPr marL="342900" indent="-342900" eaLnBrk="1" hangingPunct="1">
-              <a:defRPr/>
-            </a:pPr>
-            <a:r>
-              <a:rPr lang="en-US" kern="1200" dirty="0">
-                <a:ea typeface="MS Mincho" pitchFamily="49" charset="-128"/>
-              </a:rPr>
+            <a:r>
+              <a:rPr lang="en-US" dirty="0"/>
+              <a:t>O' Allah send Your blessings on Muhammad</a:t>
+            </a:r>
+          </a:p>
+          <a:p>
+            <a:r>
+              <a:rPr lang="en-US" dirty="0"/>
               <a:t>and the family of Muhammad.</a:t>
             </a:r>
           </a:p>
@@ -15215,9 +15908,18 @@
   <p:clrMapOvr>
     <a:masterClrMapping/>
   </p:clrMapOvr>
-  <p:transition>
-    <p:fade/>
-  </p:transition>
+  <mc:AlternateContent xmlns:mc="http://schemas.openxmlformats.org/markup-compatibility/2006" xmlns:p14="http://schemas.microsoft.com/office/powerpoint/2010/main">
+    <mc:Choice Requires="p14">
+      <p:transition p14:dur="300">
+        <p:fade/>
+      </p:transition>
+    </mc:Choice>
+    <mc:Fallback xmlns="">
+      <p:transition>
+        <p:fade/>
+      </p:transition>
+    </mc:Fallback>
+  </mc:AlternateContent>
 </p:sld>
 </file>
 
@@ -15307,7 +16009,7 @@
           <a:p>
             <a:r>
               <a:rPr lang="en-US" dirty="0"/>
-              <a:t>Hasan went near the cloak and said: "Peace be on you, my grandfather, the Prophet (s) of Allah; </a:t>
+              <a:t>Hasan went near the cloak and said, “Peace be on you, my grandfather, the Prophet of Allah; </a:t>
             </a:r>
           </a:p>
         </p:txBody>
@@ -15317,9 +16019,18 @@
   <p:clrMapOvr>
     <a:masterClrMapping/>
   </p:clrMapOvr>
-  <p:transition>
-    <p:fade/>
-  </p:transition>
+  <mc:AlternateContent xmlns:mc="http://schemas.openxmlformats.org/markup-compatibility/2006" xmlns:p14="http://schemas.microsoft.com/office/powerpoint/2010/main">
+    <mc:Choice Requires="p14">
+      <p:transition p14:dur="300">
+        <p:fade/>
+      </p:transition>
+    </mc:Choice>
+    <mc:Fallback xmlns="">
+      <p:transition>
+        <p:fade/>
+      </p:transition>
+    </mc:Fallback>
+  </mc:AlternateContent>
 </p:sld>
 </file>
 
@@ -15401,10 +16112,9 @@
           <a:lstStyle/>
           <a:p>
             <a:r>
-              <a:rPr lang="en-US"/>
-              <a:t>May I enter the cloak with you?"</a:t>
-            </a:r>
-            <a:endParaRPr lang="en-US" dirty="0"/>
+              <a:rPr lang="en-US" dirty="0"/>
+              <a:t>May I enter the cloak with you?”</a:t>
+            </a:r>
           </a:p>
         </p:txBody>
       </p:sp>
@@ -15413,9 +16123,18 @@
   <p:clrMapOvr>
     <a:masterClrMapping/>
   </p:clrMapOvr>
-  <p:transition>
-    <p:fade/>
-  </p:transition>
+  <mc:AlternateContent xmlns:mc="http://schemas.openxmlformats.org/markup-compatibility/2006" xmlns:p14="http://schemas.microsoft.com/office/powerpoint/2010/main">
+    <mc:Choice Requires="p14">
+      <p:transition p14:dur="300">
+        <p:fade/>
+      </p:transition>
+    </mc:Choice>
+    <mc:Fallback xmlns="">
+      <p:transition>
+        <p:fade/>
+      </p:transition>
+    </mc:Fallback>
+  </mc:AlternateContent>
 </p:sld>
 </file>
 
@@ -15505,7 +16224,7 @@
           <a:p>
             <a:r>
               <a:rPr lang="en-US" dirty="0"/>
-              <a:t>He replied: "And upon you be peace, my son and the master of my fountain (</a:t>
+              <a:t>He replied, “And upon you be peace, my son and the master of my fountain (</a:t>
             </a:r>
             <a:r>
               <a:rPr lang="en-US" dirty="0" err="1"/>
@@ -15523,9 +16242,18 @@
   <p:clrMapOvr>
     <a:masterClrMapping/>
   </p:clrMapOvr>
-  <p:transition>
-    <p:fade/>
-  </p:transition>
+  <mc:AlternateContent xmlns:mc="http://schemas.openxmlformats.org/markup-compatibility/2006" xmlns:p14="http://schemas.microsoft.com/office/powerpoint/2010/main">
+    <mc:Choice Requires="p14">
+      <p:transition p14:dur="300">
+        <p:fade/>
+      </p:transition>
+    </mc:Choice>
+    <mc:Fallback xmlns="">
+      <p:transition>
+        <p:fade/>
+      </p:transition>
+    </mc:Fallback>
+  </mc:AlternateContent>
 </p:sld>
 </file>
 
@@ -15607,10 +16335,9 @@
           <a:lstStyle/>
           <a:p>
             <a:r>
-              <a:rPr lang="en-US"/>
-              <a:t>you are given the permission to enter"</a:t>
-            </a:r>
-            <a:endParaRPr lang="en-US" dirty="0"/>
+              <a:rPr lang="en-US" dirty="0"/>
+              <a:t>you are given the permission to enter.”</a:t>
+            </a:r>
           </a:p>
         </p:txBody>
       </p:sp>
@@ -15619,9 +16346,18 @@
   <p:clrMapOvr>
     <a:masterClrMapping/>
   </p:clrMapOvr>
-  <p:transition>
-    <p:fade/>
-  </p:transition>
+  <mc:AlternateContent xmlns:mc="http://schemas.openxmlformats.org/markup-compatibility/2006" xmlns:p14="http://schemas.microsoft.com/office/powerpoint/2010/main">
+    <mc:Choice Requires="p14">
+      <p:transition p14:dur="300">
+        <p:fade/>
+      </p:transition>
+    </mc:Choice>
+    <mc:Fallback xmlns="">
+      <p:transition>
+        <p:fade/>
+      </p:transition>
+    </mc:Fallback>
+  </mc:AlternateContent>
 </p:sld>
 </file>
 
@@ -15703,10 +16439,9 @@
           <a:lstStyle/>
           <a:p>
             <a:r>
-              <a:rPr lang="en-US"/>
-              <a:t>So, Hasan entered the cloak with him </a:t>
-            </a:r>
-            <a:endParaRPr lang="en-US" dirty="0"/>
+              <a:rPr lang="en-US" dirty="0"/>
+              <a:t>So, Hasan entered the cloak with him. </a:t>
+            </a:r>
           </a:p>
         </p:txBody>
       </p:sp>
@@ -15715,9 +16450,18 @@
   <p:clrMapOvr>
     <a:masterClrMapping/>
   </p:clrMapOvr>
-  <p:transition>
-    <p:fade/>
-  </p:transition>
+  <mc:AlternateContent xmlns:mc="http://schemas.openxmlformats.org/markup-compatibility/2006" xmlns:p14="http://schemas.microsoft.com/office/powerpoint/2010/main">
+    <mc:Choice Requires="p14">
+      <p:transition p14:dur="300">
+        <p:fade/>
+      </p:transition>
+    </mc:Choice>
+    <mc:Fallback xmlns="">
+      <p:transition>
+        <p:fade/>
+      </p:transition>
+    </mc:Fallback>
+  </mc:AlternateContent>
 </p:sld>
 </file>
 
@@ -15800,15 +16544,7 @@
           <a:p>
             <a:r>
               <a:rPr lang="en-US" dirty="0"/>
-              <a:t>O' </a:t>
-            </a:r>
-            <a:r>
-              <a:rPr lang="en-US" dirty="0" err="1"/>
-              <a:t>Alláh</a:t>
-            </a:r>
-            <a:r>
-              <a:rPr lang="en-US" dirty="0"/>
-              <a:t> send Your blessings on Muhammad</a:t>
+              <a:t>O' Allah send Your blessings on Muhammad</a:t>
             </a:r>
           </a:p>
           <a:p>
@@ -15829,9 +16565,18 @@
   <p:clrMapOvr>
     <a:masterClrMapping/>
   </p:clrMapOvr>
-  <p:transition>
-    <p:fade/>
-  </p:transition>
+  <mc:AlternateContent xmlns:mc="http://schemas.openxmlformats.org/markup-compatibility/2006" xmlns:p14="http://schemas.microsoft.com/office/powerpoint/2010/main">
+    <mc:Choice Requires="p14">
+      <p:transition p14:dur="300">
+        <p:fade/>
+      </p:transition>
+    </mc:Choice>
+    <mc:Fallback xmlns="">
+      <p:transition>
+        <p:fade/>
+      </p:transition>
+    </mc:Fallback>
+  </mc:AlternateContent>
 </p:sld>
 </file>
 
@@ -15931,9 +16676,18 @@
   <p:clrMapOvr>
     <a:masterClrMapping/>
   </p:clrMapOvr>
-  <p:transition>
-    <p:fade/>
-  </p:transition>
+  <mc:AlternateContent xmlns:mc="http://schemas.openxmlformats.org/markup-compatibility/2006" xmlns:p14="http://schemas.microsoft.com/office/powerpoint/2010/main">
+    <mc:Choice Requires="p14">
+      <p:transition p14:dur="300">
+        <p:fade/>
+      </p:transition>
+    </mc:Choice>
+    <mc:Fallback xmlns="">
+      <p:transition>
+        <p:fade/>
+      </p:transition>
+    </mc:Fallback>
+  </mc:AlternateContent>
 </p:sld>
 </file>
 
@@ -16015,10 +16769,9 @@
           <a:lstStyle/>
           <a:p>
             <a:r>
-              <a:rPr lang="en-US"/>
-              <a:t>"Peace be on you, mother"</a:t>
-            </a:r>
-            <a:endParaRPr lang="en-US" dirty="0"/>
+              <a:rPr lang="en-US" dirty="0"/>
+              <a:t>“Peace be on you, mother.”</a:t>
+            </a:r>
           </a:p>
         </p:txBody>
       </p:sp>
@@ -16027,9 +16780,18 @@
   <p:clrMapOvr>
     <a:masterClrMapping/>
   </p:clrMapOvr>
-  <p:transition>
-    <p:fade/>
-  </p:transition>
+  <mc:AlternateContent xmlns:mc="http://schemas.openxmlformats.org/markup-compatibility/2006" xmlns:p14="http://schemas.microsoft.com/office/powerpoint/2010/main">
+    <mc:Choice Requires="p14">
+      <p:transition p14:dur="300">
+        <p:fade/>
+      </p:transition>
+    </mc:Choice>
+    <mc:Fallback xmlns="">
+      <p:transition>
+        <p:fade/>
+      </p:transition>
+    </mc:Fallback>
+  </mc:AlternateContent>
 </p:sld>
 </file>
 
@@ -16119,7 +16881,7 @@
           <a:p>
             <a:r>
               <a:rPr lang="en-US" dirty="0"/>
-              <a:t>I replied: "And upon you be peace, O light of my eyes, and the delight of my heart"</a:t>
+              <a:t>I replied, “And upon you be peace, O light of my eyes, and the delight of my heart.”</a:t>
             </a:r>
           </a:p>
         </p:txBody>
@@ -16129,9 +16891,18 @@
   <p:clrMapOvr>
     <a:masterClrMapping/>
   </p:clrMapOvr>
-  <p:transition>
-    <p:fade/>
-  </p:transition>
+  <mc:AlternateContent xmlns:mc="http://schemas.openxmlformats.org/markup-compatibility/2006" xmlns:p14="http://schemas.microsoft.com/office/powerpoint/2010/main">
+    <mc:Choice Requires="p14">
+      <p:transition p14:dur="300">
+        <p:fade/>
+      </p:transition>
+    </mc:Choice>
+    <mc:Fallback xmlns="">
+      <p:transition>
+        <p:fade/>
+      </p:transition>
+    </mc:Fallback>
+  </mc:AlternateContent>
 </p:sld>
 </file>
 
@@ -16214,7 +16985,7 @@
           <a:p>
             <a:r>
               <a:rPr lang="en-US" dirty="0"/>
-              <a:t>He then said: "O Mother! I smell a fragrance so sweet</a:t>
+              <a:t>He then said, “O Mother! I smell a fragrance so sweet</a:t>
             </a:r>
           </a:p>
         </p:txBody>
@@ -16224,9 +16995,18 @@
   <p:clrMapOvr>
     <a:masterClrMapping/>
   </p:clrMapOvr>
-  <p:transition>
-    <p:fade/>
-  </p:transition>
+  <mc:AlternateContent xmlns:mc="http://schemas.openxmlformats.org/markup-compatibility/2006" xmlns:p14="http://schemas.microsoft.com/office/powerpoint/2010/main">
+    <mc:Choice Requires="p14">
+      <p:transition p14:dur="300">
+        <p:fade/>
+      </p:transition>
+    </mc:Choice>
+    <mc:Fallback xmlns="">
+      <p:transition>
+        <p:fade/>
+      </p:transition>
+    </mc:Fallback>
+  </mc:AlternateContent>
 </p:sld>
 </file>
 
@@ -16263,7 +17043,12 @@
             <p:ph type="title"/>
           </p:nvPr>
         </p:nvSpPr>
-        <p:spPr/>
+        <p:spPr>
+          <a:xfrm>
+            <a:off x="0" y="1219199"/>
+            <a:ext cx="12192000" cy="1143000"/>
+          </a:xfrm>
+        </p:spPr>
         <p:txBody>
           <a:bodyPr/>
           <a:lstStyle/>
@@ -16292,22 +17077,19 @@
             <p:ph type="body" sz="quarter" idx="10"/>
           </p:nvPr>
         </p:nvSpPr>
-        <p:spPr/>
+        <p:spPr>
+          <a:xfrm>
+            <a:off x="2171700" y="4495801"/>
+            <a:ext cx="7848600" cy="1905000"/>
+          </a:xfrm>
+        </p:spPr>
         <p:txBody>
           <a:bodyPr/>
           <a:lstStyle/>
           <a:p>
             <a:r>
               <a:rPr lang="en-US" dirty="0"/>
-              <a:t>In the Name of </a:t>
-            </a:r>
-            <a:r>
-              <a:rPr lang="en-US" dirty="0" err="1"/>
-              <a:t>Alláh</a:t>
-            </a:r>
-            <a:r>
-              <a:rPr lang="en-US" dirty="0"/>
-              <a:t>, </a:t>
+              <a:t>In the Name of Allah, </a:t>
             </a:r>
           </a:p>
           <a:p>
@@ -16328,9 +17110,18 @@
   <p:clrMapOvr>
     <a:masterClrMapping/>
   </p:clrMapOvr>
-  <p:transition>
-    <p:fade/>
-  </p:transition>
+  <mc:AlternateContent xmlns:mc="http://schemas.openxmlformats.org/markup-compatibility/2006" xmlns:p14="http://schemas.microsoft.com/office/powerpoint/2010/main">
+    <mc:Choice Requires="p14">
+      <p:transition p14:dur="300">
+        <p:fade/>
+      </p:transition>
+    </mc:Choice>
+    <mc:Fallback xmlns="">
+      <p:transition>
+        <p:fade/>
+      </p:transition>
+    </mc:Fallback>
+  </mc:AlternateContent>
 </p:sld>
 </file>
 
@@ -16416,10 +17207,9 @@
           <a:lstStyle/>
           <a:p>
             <a:r>
-              <a:rPr lang="en-US"/>
-              <a:t>and so pure as that of my grandfather, the Prophet (s) of Allah"</a:t>
-            </a:r>
-            <a:endParaRPr lang="en-US" dirty="0"/>
+              <a:rPr lang="en-US" dirty="0"/>
+              <a:t>and so pure as that of my grandfather, the Prophet of Allah.”</a:t>
+            </a:r>
           </a:p>
         </p:txBody>
       </p:sp>
@@ -16428,9 +17218,18 @@
   <p:clrMapOvr>
     <a:masterClrMapping/>
   </p:clrMapOvr>
-  <p:transition>
-    <p:fade/>
-  </p:transition>
+  <mc:AlternateContent xmlns:mc="http://schemas.openxmlformats.org/markup-compatibility/2006" xmlns:p14="http://schemas.microsoft.com/office/powerpoint/2010/main">
+    <mc:Choice Requires="p14">
+      <p:transition p14:dur="300">
+        <p:fade/>
+      </p:transition>
+    </mc:Choice>
+    <mc:Fallback xmlns="">
+      <p:transition>
+        <p:fade/>
+      </p:transition>
+    </mc:Fallback>
+  </mc:AlternateContent>
 </p:sld>
 </file>
 
@@ -16513,7 +17312,7 @@
           <a:p>
             <a:r>
               <a:rPr lang="en-US" dirty="0"/>
-              <a:t>I replied: "Yes. Your grandfather and your brother are underneath the cloak"</a:t>
+              <a:t>I replied, “Yes. Your grandfather and your brother are underneath the cloak.”</a:t>
             </a:r>
           </a:p>
         </p:txBody>
@@ -16523,9 +17322,18 @@
   <p:clrMapOvr>
     <a:masterClrMapping/>
   </p:clrMapOvr>
-  <p:transition>
-    <p:fade/>
-  </p:transition>
+  <mc:AlternateContent xmlns:mc="http://schemas.openxmlformats.org/markup-compatibility/2006" xmlns:p14="http://schemas.microsoft.com/office/powerpoint/2010/main">
+    <mc:Choice Requires="p14">
+      <p:transition p14:dur="300">
+        <p:fade/>
+      </p:transition>
+    </mc:Choice>
+    <mc:Fallback xmlns="">
+      <p:transition>
+        <p:fade/>
+      </p:transition>
+    </mc:Fallback>
+  </mc:AlternateContent>
 </p:sld>
 </file>
 
@@ -16619,9 +17427,18 @@
   <p:clrMapOvr>
     <a:masterClrMapping/>
   </p:clrMapOvr>
-  <p:transition>
-    <p:fade/>
-  </p:transition>
+  <mc:AlternateContent xmlns:mc="http://schemas.openxmlformats.org/markup-compatibility/2006" xmlns:p14="http://schemas.microsoft.com/office/powerpoint/2010/main">
+    <mc:Choice Requires="p14">
+      <p:transition p14:dur="300">
+        <p:fade/>
+      </p:transition>
+    </mc:Choice>
+    <mc:Fallback xmlns="">
+      <p:transition>
+        <p:fade/>
+      </p:transition>
+    </mc:Fallback>
+  </mc:AlternateContent>
 </p:sld>
 </file>
 
@@ -16711,7 +17528,7 @@
           <a:p>
             <a:r>
               <a:rPr lang="en-US" dirty="0"/>
-              <a:t>and said: "Peace be on you, my grandfather, the Chosen of Allah; </a:t>
+              <a:t>and said, “Peace be on you, my grandfather, the Chosen of Allah; </a:t>
             </a:r>
           </a:p>
         </p:txBody>
@@ -16721,9 +17538,18 @@
   <p:clrMapOvr>
     <a:masterClrMapping/>
   </p:clrMapOvr>
-  <p:transition>
-    <p:fade/>
-  </p:transition>
+  <mc:AlternateContent xmlns:mc="http://schemas.openxmlformats.org/markup-compatibility/2006" xmlns:p14="http://schemas.microsoft.com/office/powerpoint/2010/main">
+    <mc:Choice Requires="p14">
+      <p:transition p14:dur="300">
+        <p:fade/>
+      </p:transition>
+    </mc:Choice>
+    <mc:Fallback xmlns="">
+      <p:transition>
+        <p:fade/>
+      </p:transition>
+    </mc:Fallback>
+  </mc:AlternateContent>
 </p:sld>
 </file>
 
@@ -16805,10 +17631,9 @@
           <a:lstStyle/>
           <a:p>
             <a:r>
-              <a:rPr lang="en-US"/>
-              <a:t>May I enter the cloak with you?"</a:t>
-            </a:r>
-            <a:endParaRPr lang="en-US" dirty="0"/>
+              <a:rPr lang="en-US" dirty="0"/>
+              <a:t>May I enter the cloak with you?”</a:t>
+            </a:r>
           </a:p>
         </p:txBody>
       </p:sp>
@@ -16817,9 +17642,18 @@
   <p:clrMapOvr>
     <a:masterClrMapping/>
   </p:clrMapOvr>
-  <p:transition>
-    <p:fade/>
-  </p:transition>
+  <mc:AlternateContent xmlns:mc="http://schemas.openxmlformats.org/markup-compatibility/2006" xmlns:p14="http://schemas.microsoft.com/office/powerpoint/2010/main">
+    <mc:Choice Requires="p14">
+      <p:transition p14:dur="300">
+        <p:fade/>
+      </p:transition>
+    </mc:Choice>
+    <mc:Fallback xmlns="">
+      <p:transition>
+        <p:fade/>
+      </p:transition>
+    </mc:Fallback>
+  </mc:AlternateContent>
 </p:sld>
 </file>
 
@@ -16902,7 +17736,7 @@
           <a:p>
             <a:r>
               <a:rPr lang="en-US" dirty="0"/>
-              <a:t>He replied: "And upon you be  peace, my son</a:t>
+              <a:t>He replied, “And upon you be  peace, my son</a:t>
             </a:r>
           </a:p>
         </p:txBody>
@@ -16912,9 +17746,18 @@
   <p:clrMapOvr>
     <a:masterClrMapping/>
   </p:clrMapOvr>
-  <p:transition>
-    <p:fade/>
-  </p:transition>
+  <mc:AlternateContent xmlns:mc="http://schemas.openxmlformats.org/markup-compatibility/2006" xmlns:p14="http://schemas.microsoft.com/office/powerpoint/2010/main">
+    <mc:Choice Requires="p14">
+      <p:transition p14:dur="300">
+        <p:fade/>
+      </p:transition>
+    </mc:Choice>
+    <mc:Fallback xmlns="">
+      <p:transition>
+        <p:fade/>
+      </p:transition>
+    </mc:Fallback>
+  </mc:AlternateContent>
 </p:sld>
 </file>
 
@@ -16996,10 +17839,9 @@
           <a:lstStyle/>
           <a:p>
             <a:r>
-              <a:rPr lang="en-US"/>
-              <a:t>and interceder of my followers, you are given the permission to enter"</a:t>
-            </a:r>
-            <a:endParaRPr lang="en-US" dirty="0"/>
+              <a:rPr lang="en-US" dirty="0"/>
+              <a:t>and interceder of my followers, you are given the permission to enter.”</a:t>
+            </a:r>
           </a:p>
         </p:txBody>
       </p:sp>
@@ -17008,9 +17850,18 @@
   <p:clrMapOvr>
     <a:masterClrMapping/>
   </p:clrMapOvr>
-  <p:transition>
-    <p:fade/>
-  </p:transition>
+  <mc:AlternateContent xmlns:mc="http://schemas.openxmlformats.org/markup-compatibility/2006" xmlns:p14="http://schemas.microsoft.com/office/powerpoint/2010/main">
+    <mc:Choice Requires="p14">
+      <p:transition p14:dur="300">
+        <p:fade/>
+      </p:transition>
+    </mc:Choice>
+    <mc:Fallback xmlns="">
+      <p:transition>
+        <p:fade/>
+      </p:transition>
+    </mc:Fallback>
+  </mc:AlternateContent>
 </p:sld>
 </file>
 
@@ -17104,9 +17955,18 @@
   <p:clrMapOvr>
     <a:masterClrMapping/>
   </p:clrMapOvr>
-  <p:transition>
-    <p:fade/>
-  </p:transition>
+  <mc:AlternateContent xmlns:mc="http://schemas.openxmlformats.org/markup-compatibility/2006" xmlns:p14="http://schemas.microsoft.com/office/powerpoint/2010/main">
+    <mc:Choice Requires="p14">
+      <p:transition p14:dur="300">
+        <p:fade/>
+      </p:transition>
+    </mc:Choice>
+    <mc:Fallback xmlns="">
+      <p:transition>
+        <p:fade/>
+      </p:transition>
+    </mc:Fallback>
+  </mc:AlternateContent>
 </p:sld>
 </file>
 
@@ -17132,7 +17992,7 @@
           <p:cNvPr id="11" name="Title 3">
             <a:extLst>
               <a:ext uri="{FF2B5EF4-FFF2-40B4-BE49-F238E27FC236}">
-                <a16:creationId xmlns:a16="http://schemas.microsoft.com/office/drawing/2014/main" id="{159808D9-2DF3-8D61-2B82-76C783142E62}"/>
+                <a16:creationId xmlns:a16="http://schemas.microsoft.com/office/drawing/2014/main" id="{4E604A7F-4B49-4FDE-B247-CED3E88C9DED}"/>
               </a:ext>
             </a:extLst>
           </p:cNvPr>
@@ -17155,18 +18015,7 @@
           <a:p>
             <a:r>
               <a:rPr lang="ar-SA" dirty="0"/>
-              <a:t>فَأَقْبَلَ عِنْدَ ذلِكَ</a:t>
-            </a:r>
-            <a:br>
-              <a:rPr lang="ar-SA" dirty="0"/>
-            </a:br>
-            <a:r>
-              <a:rPr lang="ar-SA" dirty="0" err="1"/>
-              <a:t>أَبُوالْحَسَنِ</a:t>
-            </a:r>
-            <a:r>
-              <a:rPr lang="ar-SA" dirty="0"/>
-              <a:t> عَلِيُّ بْنُ أَبِي طالِبٍ </a:t>
+              <a:t>أَللّٰهُمَّ صَلِّ عَلٰى مُحَمَّدٍ وَآلِ مُحَمَّدٍ</a:t>
             </a:r>
             <a:endParaRPr lang="en-US" dirty="0"/>
           </a:p>
@@ -17177,7 +18026,7 @@
           <p:cNvPr id="12" name="Subtitle 4">
             <a:extLst>
               <a:ext uri="{FF2B5EF4-FFF2-40B4-BE49-F238E27FC236}">
-                <a16:creationId xmlns:a16="http://schemas.microsoft.com/office/drawing/2014/main" id="{33D76A6C-8BB9-EE25-42BA-D97EBA28C983}"/>
+                <a16:creationId xmlns:a16="http://schemas.microsoft.com/office/drawing/2014/main" id="{0A3FC473-E56A-4E2F-BE7C-7E2CF70D6289}"/>
               </a:ext>
             </a:extLst>
           </p:cNvPr>
@@ -17199,21 +18048,40 @@
           <a:lstStyle/>
           <a:p>
             <a:r>
-              <a:rPr lang="en-US"/>
-              <a:t>After a while, Abul Hasan, Ali bin Abi Talib came in </a:t>
-            </a:r>
-            <a:endParaRPr lang="en-US" dirty="0"/>
+              <a:rPr lang="en-US" dirty="0"/>
+              <a:t>O' Allah send Your blessings on Muhammad</a:t>
+            </a:r>
+          </a:p>
+          <a:p>
+            <a:r>
+              <a:rPr lang="en-US" dirty="0"/>
+              <a:t>and the family of Muhammad.</a:t>
+            </a:r>
           </a:p>
         </p:txBody>
       </p:sp>
     </p:spTree>
+    <p:extLst>
+      <p:ext uri="{BB962C8B-B14F-4D97-AF65-F5344CB8AC3E}">
+        <p14:creationId xmlns:p14="http://schemas.microsoft.com/office/powerpoint/2010/main" val="2204572202"/>
+      </p:ext>
+    </p:extLst>
   </p:cSld>
   <p:clrMapOvr>
     <a:masterClrMapping/>
   </p:clrMapOvr>
-  <p:transition>
-    <p:fade/>
-  </p:transition>
+  <mc:AlternateContent xmlns:mc="http://schemas.openxmlformats.org/markup-compatibility/2006" xmlns:p14="http://schemas.microsoft.com/office/powerpoint/2010/main">
+    <mc:Choice Requires="p14">
+      <p:transition p14:dur="300">
+        <p:fade/>
+      </p:transition>
+    </mc:Choice>
+    <mc:Fallback xmlns="">
+      <p:transition>
+        <p:fade/>
+      </p:transition>
+    </mc:Fallback>
+  </mc:AlternateContent>
 </p:sld>
 </file>
 
@@ -17239,7 +18107,7 @@
           <p:cNvPr id="11" name="Title 3">
             <a:extLst>
               <a:ext uri="{FF2B5EF4-FFF2-40B4-BE49-F238E27FC236}">
-                <a16:creationId xmlns:a16="http://schemas.microsoft.com/office/drawing/2014/main" id="{C162C30E-2F88-7795-FBD5-AA9F06E592BA}"/>
+                <a16:creationId xmlns:a16="http://schemas.microsoft.com/office/drawing/2014/main" id="{159808D9-2DF3-8D61-2B82-76C783142E62}"/>
               </a:ext>
             </a:extLst>
           </p:cNvPr>
@@ -17262,7 +18130,18 @@
           <a:p>
             <a:r>
               <a:rPr lang="ar-SA" dirty="0"/>
-              <a:t>وَقالَ السَّلامُ عَلَيْكِ يَا بِنْتَ رَسُولِ اللّهِ </a:t>
+              <a:t>فَأَقْبَلَ عِنْدَ ذلِكَ</a:t>
+            </a:r>
+            <a:br>
+              <a:rPr lang="ar-SA" dirty="0"/>
+            </a:br>
+            <a:r>
+              <a:rPr lang="ar-SA" dirty="0" err="1"/>
+              <a:t>أَبُوالْحَسَنِ</a:t>
+            </a:r>
+            <a:r>
+              <a:rPr lang="ar-SA" dirty="0"/>
+              <a:t> عَلِيُّ بْنُ أَبِي طالِبٍ </a:t>
             </a:r>
             <a:endParaRPr lang="en-US" dirty="0"/>
           </a:p>
@@ -17273,7 +18152,7 @@
           <p:cNvPr id="12" name="Subtitle 4">
             <a:extLst>
               <a:ext uri="{FF2B5EF4-FFF2-40B4-BE49-F238E27FC236}">
-                <a16:creationId xmlns:a16="http://schemas.microsoft.com/office/drawing/2014/main" id="{5733E5E3-92AC-5BDC-057A-2F34DB40CBDB}"/>
+                <a16:creationId xmlns:a16="http://schemas.microsoft.com/office/drawing/2014/main" id="{33D76A6C-8BB9-EE25-42BA-D97EBA28C983}"/>
               </a:ext>
             </a:extLst>
           </p:cNvPr>
@@ -17295,9 +18174,10 @@
           <a:lstStyle/>
           <a:p>
             <a:r>
-              <a:rPr lang="en-US" dirty="0"/>
-              <a:t>and said: "Peace be on you, O daughter of the Prophet (s) of Allah"</a:t>
-            </a:r>
+              <a:rPr lang="en-US"/>
+              <a:t>After a while, Abul Hasan, Ali bin Abi Talib came in </a:t>
+            </a:r>
+            <a:endParaRPr lang="en-US" dirty="0"/>
           </a:p>
         </p:txBody>
       </p:sp>
@@ -17306,9 +18186,18 @@
   <p:clrMapOvr>
     <a:masterClrMapping/>
   </p:clrMapOvr>
-  <p:transition>
-    <p:fade/>
-  </p:transition>
+  <mc:AlternateContent xmlns:mc="http://schemas.openxmlformats.org/markup-compatibility/2006" xmlns:p14="http://schemas.microsoft.com/office/powerpoint/2010/main">
+    <mc:Choice Requires="p14">
+      <p:transition p14:dur="300">
+        <p:fade/>
+      </p:transition>
+    </mc:Choice>
+    <mc:Fallback xmlns="">
+      <p:transition>
+        <p:fade/>
+      </p:transition>
+    </mc:Fallback>
+  </mc:AlternateContent>
 </p:sld>
 </file>
 
@@ -17416,9 +18305,18 @@
   <p:clrMapOvr>
     <a:masterClrMapping/>
   </p:clrMapOvr>
-  <p:transition>
-    <p:fade/>
-  </p:transition>
+  <mc:AlternateContent xmlns:mc="http://schemas.openxmlformats.org/markup-compatibility/2006" xmlns:p14="http://schemas.microsoft.com/office/powerpoint/2010/main">
+    <mc:Choice Requires="p14">
+      <p:transition p14:dur="300">
+        <p:fade/>
+      </p:transition>
+    </mc:Choice>
+    <mc:Fallback xmlns="">
+      <p:transition>
+        <p:fade/>
+      </p:transition>
+    </mc:Fallback>
+  </mc:AlternateContent>
 </p:sld>
 </file>
 
@@ -17444,7 +18342,7 @@
           <p:cNvPr id="11" name="Title 3">
             <a:extLst>
               <a:ext uri="{FF2B5EF4-FFF2-40B4-BE49-F238E27FC236}">
-                <a16:creationId xmlns:a16="http://schemas.microsoft.com/office/drawing/2014/main" id="{2E109CF5-30D5-E954-45E3-B9A2FA27A778}"/>
+                <a16:creationId xmlns:a16="http://schemas.microsoft.com/office/drawing/2014/main" id="{C162C30E-2F88-7795-FBD5-AA9F06E592BA}"/>
               </a:ext>
             </a:extLst>
           </p:cNvPr>
@@ -17467,14 +18365,7 @@
           <a:p>
             <a:r>
               <a:rPr lang="ar-SA" dirty="0"/>
-              <a:t>فَقُلْتُ وَعَلَيْكَ السَّلامُ</a:t>
-            </a:r>
-            <a:br>
-              <a:rPr lang="ar-SA" dirty="0"/>
-            </a:br>
-            <a:r>
-              <a:rPr lang="ar-SA" dirty="0"/>
-              <a:t>يَا أَبَا الْحَسَنِ وَيَا أَمِيرَ الْمُؤْمِنِينَ </a:t>
+              <a:t>وَقالَ السَّلامُ عَلَيْكِ يَا بِنْتَ رَسُولِ اللّهِ </a:t>
             </a:r>
             <a:endParaRPr lang="en-US" dirty="0"/>
           </a:p>
@@ -17485,7 +18376,7 @@
           <p:cNvPr id="12" name="Subtitle 4">
             <a:extLst>
               <a:ext uri="{FF2B5EF4-FFF2-40B4-BE49-F238E27FC236}">
-                <a16:creationId xmlns:a16="http://schemas.microsoft.com/office/drawing/2014/main" id="{D6F3AB54-384C-E95E-639E-984036A5C064}"/>
+                <a16:creationId xmlns:a16="http://schemas.microsoft.com/office/drawing/2014/main" id="{5733E5E3-92AC-5BDC-057A-2F34DB40CBDB}"/>
               </a:ext>
             </a:extLst>
           </p:cNvPr>
@@ -17508,7 +18399,7 @@
           <a:p>
             <a:r>
               <a:rPr lang="en-US" dirty="0"/>
-              <a:t>I replied: "And upon you be peace, O father of Hasan, and the Commander of the faithful"</a:t>
+              <a:t>and said, “Peace be on you, O daughter of the Prophet of Allah.”</a:t>
             </a:r>
           </a:p>
         </p:txBody>
@@ -17518,9 +18409,18 @@
   <p:clrMapOvr>
     <a:masterClrMapping/>
   </p:clrMapOvr>
-  <p:transition>
-    <p:fade/>
-  </p:transition>
+  <mc:AlternateContent xmlns:mc="http://schemas.openxmlformats.org/markup-compatibility/2006" xmlns:p14="http://schemas.microsoft.com/office/powerpoint/2010/main">
+    <mc:Choice Requires="p14">
+      <p:transition p14:dur="300">
+        <p:fade/>
+      </p:transition>
+    </mc:Choice>
+    <mc:Fallback xmlns="">
+      <p:transition>
+        <p:fade/>
+      </p:transition>
+    </mc:Fallback>
+  </mc:AlternateContent>
 </p:sld>
 </file>
 
@@ -17546,7 +18446,7 @@
           <p:cNvPr id="11" name="Title 3">
             <a:extLst>
               <a:ext uri="{FF2B5EF4-FFF2-40B4-BE49-F238E27FC236}">
-                <a16:creationId xmlns:a16="http://schemas.microsoft.com/office/drawing/2014/main" id="{B9F69BE8-2295-8614-77F4-84EFE4BD3ADF}"/>
+                <a16:creationId xmlns:a16="http://schemas.microsoft.com/office/drawing/2014/main" id="{2E109CF5-30D5-E954-45E3-B9A2FA27A778}"/>
               </a:ext>
             </a:extLst>
           </p:cNvPr>
@@ -17569,7 +18469,14 @@
           <a:p>
             <a:r>
               <a:rPr lang="ar-SA" dirty="0"/>
-              <a:t>فَقالَ يَا فاطِمَةُ إِنِّي أَشَمُّ عِنْدَكِ رائِحَةً طَيِّبَةً</a:t>
+              <a:t>فَقُلْتُ وَعَلَيْكَ السَّلامُ</a:t>
+            </a:r>
+            <a:br>
+              <a:rPr lang="ar-SA" dirty="0"/>
+            </a:br>
+            <a:r>
+              <a:rPr lang="ar-SA" dirty="0"/>
+              <a:t>يَا أَبَا الْحَسَنِ وَيَا أَمِيرَ الْمُؤْمِنِينَ </a:t>
             </a:r>
             <a:endParaRPr lang="en-US" dirty="0"/>
           </a:p>
@@ -17580,7 +18487,7 @@
           <p:cNvPr id="12" name="Subtitle 4">
             <a:extLst>
               <a:ext uri="{FF2B5EF4-FFF2-40B4-BE49-F238E27FC236}">
-                <a16:creationId xmlns:a16="http://schemas.microsoft.com/office/drawing/2014/main" id="{B6E88048-A1DA-AE82-7959-48B2A7A1AE08}"/>
+                <a16:creationId xmlns:a16="http://schemas.microsoft.com/office/drawing/2014/main" id="{D6F3AB54-384C-E95E-639E-984036A5C064}"/>
               </a:ext>
             </a:extLst>
           </p:cNvPr>
@@ -17603,7 +18510,7 @@
           <a:p>
             <a:r>
               <a:rPr lang="en-US" dirty="0"/>
-              <a:t>He then said: "O Fatima! I smell a fragrance so sweet and so pure</a:t>
+              <a:t>I replied, “And upon you be peace, O father of Hasan, and the Commander of the faithful.”</a:t>
             </a:r>
           </a:p>
         </p:txBody>
@@ -17613,9 +18520,18 @@
   <p:clrMapOvr>
     <a:masterClrMapping/>
   </p:clrMapOvr>
-  <p:transition>
-    <p:fade/>
-  </p:transition>
+  <mc:AlternateContent xmlns:mc="http://schemas.openxmlformats.org/markup-compatibility/2006" xmlns:p14="http://schemas.microsoft.com/office/powerpoint/2010/main">
+    <mc:Choice Requires="p14">
+      <p:transition p14:dur="300">
+        <p:fade/>
+      </p:transition>
+    </mc:Choice>
+    <mc:Fallback xmlns="">
+      <p:transition>
+        <p:fade/>
+      </p:transition>
+    </mc:Fallback>
+  </mc:AlternateContent>
 </p:sld>
 </file>
 
@@ -17641,7 +18557,7 @@
           <p:cNvPr id="11" name="Title 3">
             <a:extLst>
               <a:ext uri="{FF2B5EF4-FFF2-40B4-BE49-F238E27FC236}">
-                <a16:creationId xmlns:a16="http://schemas.microsoft.com/office/drawing/2014/main" id="{615FFACF-50FE-6EEE-11AF-E2DB0E41C887}"/>
+                <a16:creationId xmlns:a16="http://schemas.microsoft.com/office/drawing/2014/main" id="{B9F69BE8-2295-8614-77F4-84EFE4BD3ADF}"/>
               </a:ext>
             </a:extLst>
           </p:cNvPr>
@@ -17664,7 +18580,7 @@
           <a:p>
             <a:r>
               <a:rPr lang="ar-SA" dirty="0"/>
-              <a:t>كَأَنَّهَا رائِحَةُ أَخِي وَابْنِ عَمِّي رَسُولِ اللّه</a:t>
+              <a:t>فَقالَ يَا فاطِمَةُ إِنِّي أَشَمُّ عِنْدَكِ رائِحَةً طَيِّبَةً</a:t>
             </a:r>
             <a:endParaRPr lang="en-US" dirty="0"/>
           </a:p>
@@ -17675,7 +18591,7 @@
           <p:cNvPr id="12" name="Subtitle 4">
             <a:extLst>
               <a:ext uri="{FF2B5EF4-FFF2-40B4-BE49-F238E27FC236}">
-                <a16:creationId xmlns:a16="http://schemas.microsoft.com/office/drawing/2014/main" id="{28B8DEE0-2A62-A557-E366-96EAD26D0BE9}"/>
+                <a16:creationId xmlns:a16="http://schemas.microsoft.com/office/drawing/2014/main" id="{B6E88048-A1DA-AE82-7959-48B2A7A1AE08}"/>
               </a:ext>
             </a:extLst>
           </p:cNvPr>
@@ -17697,16 +18613,9 @@
           <a:lstStyle/>
           <a:p>
             <a:r>
-              <a:rPr lang="en-US"/>
-              <a:t>as that of my brother and my cousin, the Prophet (s) of Allah"</a:t>
-            </a:r>
-          </a:p>
-          <a:p>
-            <a:r>
-              <a:rPr lang="en-US"/>
-              <a:t> </a:t>
-            </a:r>
-            <a:endParaRPr lang="en-US" dirty="0"/>
+              <a:rPr lang="en-US" dirty="0"/>
+              <a:t>He then said, “O Fatima! I smell a fragrance so sweet and so pure</a:t>
+            </a:r>
           </a:p>
         </p:txBody>
       </p:sp>
@@ -17715,9 +18624,18 @@
   <p:clrMapOvr>
     <a:masterClrMapping/>
   </p:clrMapOvr>
-  <p:transition>
-    <p:fade/>
-  </p:transition>
+  <mc:AlternateContent xmlns:mc="http://schemas.openxmlformats.org/markup-compatibility/2006" xmlns:p14="http://schemas.microsoft.com/office/powerpoint/2010/main">
+    <mc:Choice Requires="p14">
+      <p:transition p14:dur="300">
+        <p:fade/>
+      </p:transition>
+    </mc:Choice>
+    <mc:Fallback xmlns="">
+      <p:transition>
+        <p:fade/>
+      </p:transition>
+    </mc:Fallback>
+  </mc:AlternateContent>
 </p:sld>
 </file>
 
@@ -17743,7 +18661,7 @@
           <p:cNvPr id="11" name="Title 3">
             <a:extLst>
               <a:ext uri="{FF2B5EF4-FFF2-40B4-BE49-F238E27FC236}">
-                <a16:creationId xmlns:a16="http://schemas.microsoft.com/office/drawing/2014/main" id="{608CAC0E-633C-DAFD-9162-10565EE38D37}"/>
+                <a16:creationId xmlns:a16="http://schemas.microsoft.com/office/drawing/2014/main" id="{615FFACF-50FE-6EEE-11AF-E2DB0E41C887}"/>
               </a:ext>
             </a:extLst>
           </p:cNvPr>
@@ -17766,7 +18684,7 @@
           <a:p>
             <a:r>
               <a:rPr lang="ar-SA" dirty="0"/>
-              <a:t>فَقُلْتُ نَعَمْ هَا هُوَ مَعَ وَلَدَيْكَ تَحْتَ الْكِساءِ </a:t>
+              <a:t>كَأَنَّهَا رائِحَةُ أَخِي وَابْنِ عَمِّي رَسُولِ اللّه</a:t>
             </a:r>
             <a:endParaRPr lang="en-US" dirty="0"/>
           </a:p>
@@ -17777,7 +18695,7 @@
           <p:cNvPr id="12" name="Subtitle 4">
             <a:extLst>
               <a:ext uri="{FF2B5EF4-FFF2-40B4-BE49-F238E27FC236}">
-                <a16:creationId xmlns:a16="http://schemas.microsoft.com/office/drawing/2014/main" id="{5CF87E60-4761-304F-F8A5-160588C2A5B0}"/>
+                <a16:creationId xmlns:a16="http://schemas.microsoft.com/office/drawing/2014/main" id="{28B8DEE0-2A62-A557-E366-96EAD26D0BE9}"/>
               </a:ext>
             </a:extLst>
           </p:cNvPr>
@@ -17799,10 +18717,15 @@
           <a:lstStyle/>
           <a:p>
             <a:r>
-              <a:rPr lang="en-US"/>
-              <a:t>I replied: "Yes. He is underneath the cloak with your two sons"</a:t>
-            </a:r>
-            <a:endParaRPr lang="en-US" dirty="0"/>
+              <a:rPr lang="en-US" dirty="0"/>
+              <a:t>as that of my brother and my cousin, the Prophet (s) of Allah.”</a:t>
+            </a:r>
+          </a:p>
+          <a:p>
+            <a:r>
+              <a:rPr lang="en-US" dirty="0"/>
+              <a:t> </a:t>
+            </a:r>
           </a:p>
         </p:txBody>
       </p:sp>
@@ -17811,9 +18734,18 @@
   <p:clrMapOvr>
     <a:masterClrMapping/>
   </p:clrMapOvr>
-  <p:transition>
-    <p:fade/>
-  </p:transition>
+  <mc:AlternateContent xmlns:mc="http://schemas.openxmlformats.org/markup-compatibility/2006" xmlns:p14="http://schemas.microsoft.com/office/powerpoint/2010/main">
+    <mc:Choice Requires="p14">
+      <p:transition p14:dur="300">
+        <p:fade/>
+      </p:transition>
+    </mc:Choice>
+    <mc:Fallback xmlns="">
+      <p:transition>
+        <p:fade/>
+      </p:transition>
+    </mc:Fallback>
+  </mc:AlternateContent>
 </p:sld>
 </file>
 
@@ -17839,7 +18771,7 @@
           <p:cNvPr id="11" name="Title 3">
             <a:extLst>
               <a:ext uri="{FF2B5EF4-FFF2-40B4-BE49-F238E27FC236}">
-                <a16:creationId xmlns:a16="http://schemas.microsoft.com/office/drawing/2014/main" id="{82E443FB-EC12-DCB0-1957-875ED73BEE45}"/>
+                <a16:creationId xmlns:a16="http://schemas.microsoft.com/office/drawing/2014/main" id="{608CAC0E-633C-DAFD-9162-10565EE38D37}"/>
               </a:ext>
             </a:extLst>
           </p:cNvPr>
@@ -17862,14 +18794,7 @@
           <a:p>
             <a:r>
               <a:rPr lang="ar-SA" dirty="0"/>
-              <a:t>فَأَقْبَلَ عَلِيٌّ نَحْوَ الْكِساءِ</a:t>
-            </a:r>
-            <a:br>
-              <a:rPr lang="ar-SA" dirty="0"/>
-            </a:br>
-            <a:r>
-              <a:rPr lang="ar-SA" dirty="0"/>
-              <a:t>وَقالَ السَّلامُ عَلَيْكَ يَا رَسُولَ اللّهِ</a:t>
+              <a:t>فَقُلْتُ نَعَمْ هَا هُوَ مَعَ وَلَدَيْكَ تَحْتَ الْكِساءِ </a:t>
             </a:r>
             <a:endParaRPr lang="en-US" dirty="0"/>
           </a:p>
@@ -17880,7 +18805,7 @@
           <p:cNvPr id="12" name="Subtitle 4">
             <a:extLst>
               <a:ext uri="{FF2B5EF4-FFF2-40B4-BE49-F238E27FC236}">
-                <a16:creationId xmlns:a16="http://schemas.microsoft.com/office/drawing/2014/main" id="{DC30A7D6-58FF-5A4A-1006-A4D93E32AB87}"/>
+                <a16:creationId xmlns:a16="http://schemas.microsoft.com/office/drawing/2014/main" id="{5CF87E60-4761-304F-F8A5-160588C2A5B0}"/>
               </a:ext>
             </a:extLst>
           </p:cNvPr>
@@ -17903,7 +18828,7 @@
           <a:p>
             <a:r>
               <a:rPr lang="en-US" dirty="0"/>
-              <a:t>So, Ali went near the cloak and said: "Peace be on you, Prophet (s) of Allah; </a:t>
+              <a:t>I replied, “Yes. He is underneath the cloak with your two sons.”</a:t>
             </a:r>
           </a:p>
         </p:txBody>
@@ -17913,9 +18838,18 @@
   <p:clrMapOvr>
     <a:masterClrMapping/>
   </p:clrMapOvr>
-  <p:transition>
-    <p:fade/>
-  </p:transition>
+  <mc:AlternateContent xmlns:mc="http://schemas.openxmlformats.org/markup-compatibility/2006" xmlns:p14="http://schemas.microsoft.com/office/powerpoint/2010/main">
+    <mc:Choice Requires="p14">
+      <p:transition p14:dur="300">
+        <p:fade/>
+      </p:transition>
+    </mc:Choice>
+    <mc:Fallback xmlns="">
+      <p:transition>
+        <p:fade/>
+      </p:transition>
+    </mc:Fallback>
+  </mc:AlternateContent>
 </p:sld>
 </file>
 
@@ -17941,7 +18875,7 @@
           <p:cNvPr id="11" name="Title 3">
             <a:extLst>
               <a:ext uri="{FF2B5EF4-FFF2-40B4-BE49-F238E27FC236}">
-                <a16:creationId xmlns:a16="http://schemas.microsoft.com/office/drawing/2014/main" id="{6CD1D248-5612-CCDD-E138-1C8D383E6483}"/>
+                <a16:creationId xmlns:a16="http://schemas.microsoft.com/office/drawing/2014/main" id="{82E443FB-EC12-DCB0-1957-875ED73BEE45}"/>
               </a:ext>
             </a:extLst>
           </p:cNvPr>
@@ -17964,7 +18898,14 @@
           <a:p>
             <a:r>
               <a:rPr lang="ar-SA" dirty="0"/>
-              <a:t>أَتَأْذَنُ لِي أَنْ أَكُونَ مَعَكُمْ تَحْتَ الْكِساءِ </a:t>
+              <a:t>فَأَقْبَلَ عَلِيٌّ نَحْوَ الْكِساءِ</a:t>
+            </a:r>
+            <a:br>
+              <a:rPr lang="ar-SA" dirty="0"/>
+            </a:br>
+            <a:r>
+              <a:rPr lang="ar-SA" dirty="0"/>
+              <a:t>وَقالَ السَّلامُ عَلَيْكَ يَا رَسُولَ اللّهِ</a:t>
             </a:r>
             <a:endParaRPr lang="en-US" dirty="0"/>
           </a:p>
@@ -17975,7 +18916,7 @@
           <p:cNvPr id="12" name="Subtitle 4">
             <a:extLst>
               <a:ext uri="{FF2B5EF4-FFF2-40B4-BE49-F238E27FC236}">
-                <a16:creationId xmlns:a16="http://schemas.microsoft.com/office/drawing/2014/main" id="{943FD4DD-0687-C67E-4219-D192D18D33DC}"/>
+                <a16:creationId xmlns:a16="http://schemas.microsoft.com/office/drawing/2014/main" id="{DC30A7D6-58FF-5A4A-1006-A4D93E32AB87}"/>
               </a:ext>
             </a:extLst>
           </p:cNvPr>
@@ -17997,10 +18938,9 @@
           <a:lstStyle/>
           <a:p>
             <a:r>
-              <a:rPr lang="en-US"/>
-              <a:t>May I enter the cloak with you?"</a:t>
-            </a:r>
-            <a:endParaRPr lang="en-US" dirty="0"/>
+              <a:rPr lang="en-US" dirty="0"/>
+              <a:t>So, Ali went near the cloak and said, “Peace be on you, Prophet of Allah; </a:t>
+            </a:r>
           </a:p>
         </p:txBody>
       </p:sp>
@@ -18009,9 +18949,18 @@
   <p:clrMapOvr>
     <a:masterClrMapping/>
   </p:clrMapOvr>
-  <p:transition>
-    <p:fade/>
-  </p:transition>
+  <mc:AlternateContent xmlns:mc="http://schemas.openxmlformats.org/markup-compatibility/2006" xmlns:p14="http://schemas.microsoft.com/office/powerpoint/2010/main">
+    <mc:Choice Requires="p14">
+      <p:transition p14:dur="300">
+        <p:fade/>
+      </p:transition>
+    </mc:Choice>
+    <mc:Fallback xmlns="">
+      <p:transition>
+        <p:fade/>
+      </p:transition>
+    </mc:Fallback>
+  </mc:AlternateContent>
 </p:sld>
 </file>
 
@@ -18037,7 +18986,7 @@
           <p:cNvPr id="11" name="Title 3">
             <a:extLst>
               <a:ext uri="{FF2B5EF4-FFF2-40B4-BE49-F238E27FC236}">
-                <a16:creationId xmlns:a16="http://schemas.microsoft.com/office/drawing/2014/main" id="{C75B2641-D4CC-3D04-B6BB-629614D816F9}"/>
+                <a16:creationId xmlns:a16="http://schemas.microsoft.com/office/drawing/2014/main" id="{6CD1D248-5612-CCDD-E138-1C8D383E6483}"/>
               </a:ext>
             </a:extLst>
           </p:cNvPr>
@@ -18060,14 +19009,7 @@
           <a:p>
             <a:r>
               <a:rPr lang="ar-SA" dirty="0"/>
-              <a:t>قالَ لَهُ وَعَلَيْكَ السَّلامُ يَا أَخِي ويَا وَصِيِّي</a:t>
-            </a:r>
-            <a:br>
-              <a:rPr lang="ar-SA" dirty="0"/>
-            </a:br>
-            <a:r>
-              <a:rPr lang="ar-SA" dirty="0"/>
-              <a:t>وَخَلِيفَتِي وَصاحِبَ لِوَائِي قَدْ أَذِنْتُ لَكَ</a:t>
+              <a:t>أَتَأْذَنُ لِي أَنْ أَكُونَ مَعَكُمْ تَحْتَ الْكِساءِ </a:t>
             </a:r>
             <a:endParaRPr lang="en-US" dirty="0"/>
           </a:p>
@@ -18078,7 +19020,7 @@
           <p:cNvPr id="12" name="Subtitle 4">
             <a:extLst>
               <a:ext uri="{FF2B5EF4-FFF2-40B4-BE49-F238E27FC236}">
-                <a16:creationId xmlns:a16="http://schemas.microsoft.com/office/drawing/2014/main" id="{478E764F-B502-9CFA-3942-612D109CD27A}"/>
+                <a16:creationId xmlns:a16="http://schemas.microsoft.com/office/drawing/2014/main" id="{943FD4DD-0687-C67E-4219-D192D18D33DC}"/>
               </a:ext>
             </a:extLst>
           </p:cNvPr>
@@ -18101,7 +19043,7 @@
           <a:p>
             <a:r>
               <a:rPr lang="en-US" dirty="0"/>
-              <a:t>He replied: "And upon you be peace, my brother, my successor, my successor, and my standard bearer, you are given the permission to enter"</a:t>
+              <a:t>May I enter the cloak with you?”</a:t>
             </a:r>
           </a:p>
         </p:txBody>
@@ -18111,9 +19053,18 @@
   <p:clrMapOvr>
     <a:masterClrMapping/>
   </p:clrMapOvr>
-  <p:transition>
-    <p:fade/>
-  </p:transition>
+  <mc:AlternateContent xmlns:mc="http://schemas.openxmlformats.org/markup-compatibility/2006" xmlns:p14="http://schemas.microsoft.com/office/powerpoint/2010/main">
+    <mc:Choice Requires="p14">
+      <p:transition p14:dur="300">
+        <p:fade/>
+      </p:transition>
+    </mc:Choice>
+    <mc:Fallback xmlns="">
+      <p:transition>
+        <p:fade/>
+      </p:transition>
+    </mc:Fallback>
+  </mc:AlternateContent>
 </p:sld>
 </file>
 
@@ -18139,7 +19090,7 @@
           <p:cNvPr id="11" name="Title 3">
             <a:extLst>
               <a:ext uri="{FF2B5EF4-FFF2-40B4-BE49-F238E27FC236}">
-                <a16:creationId xmlns:a16="http://schemas.microsoft.com/office/drawing/2014/main" id="{DC3AC438-7769-76C9-7D36-AA05FBADF311}"/>
+                <a16:creationId xmlns:a16="http://schemas.microsoft.com/office/drawing/2014/main" id="{C75B2641-D4CC-3D04-B6BB-629614D816F9}"/>
               </a:ext>
             </a:extLst>
           </p:cNvPr>
@@ -18161,8 +19112,15 @@
           <a:lstStyle/>
           <a:p>
             <a:r>
-              <a:rPr lang="ar-SA"/>
-              <a:t>فَدَخَلَ عَلِيٌّ تَحْتَ الْكِساءِ </a:t>
+              <a:rPr lang="ar-SA" dirty="0"/>
+              <a:t>قالَ لَهُ وَعَلَيْكَ السَّلامُ يَا أَخِي ويَا وَصِيِّي</a:t>
+            </a:r>
+            <a:br>
+              <a:rPr lang="ar-SA" dirty="0"/>
+            </a:br>
+            <a:r>
+              <a:rPr lang="ar-SA" dirty="0"/>
+              <a:t>وَخَلِيفَتِي وَصاحِبَ لِوَائِي قَدْ أَذِنْتُ لَكَ</a:t>
             </a:r>
             <a:endParaRPr lang="en-US" dirty="0"/>
           </a:p>
@@ -18173,7 +19131,7 @@
           <p:cNvPr id="12" name="Subtitle 4">
             <a:extLst>
               <a:ext uri="{FF2B5EF4-FFF2-40B4-BE49-F238E27FC236}">
-                <a16:creationId xmlns:a16="http://schemas.microsoft.com/office/drawing/2014/main" id="{F10A81EB-268B-EA97-628D-31810F096D76}"/>
+                <a16:creationId xmlns:a16="http://schemas.microsoft.com/office/drawing/2014/main" id="{478E764F-B502-9CFA-3942-612D109CD27A}"/>
               </a:ext>
             </a:extLst>
           </p:cNvPr>
@@ -18186,8 +19144,8 @@
         </p:nvSpPr>
         <p:spPr>
           <a:xfrm>
-            <a:off x="2171700" y="4495801"/>
-            <a:ext cx="7848600" cy="1905000"/>
+            <a:off x="1543050" y="4495801"/>
+            <a:ext cx="9105900" cy="1905000"/>
           </a:xfrm>
         </p:spPr>
         <p:txBody>
@@ -18195,10 +19153,9 @@
           <a:lstStyle/>
           <a:p>
             <a:r>
-              <a:rPr lang="en-US"/>
-              <a:t>So, Ali entered the cloak with them. </a:t>
-            </a:r>
-            <a:endParaRPr lang="en-US" dirty="0"/>
+              <a:rPr lang="en-US" dirty="0"/>
+              <a:t>He replied, “And upon you be peace, my brother, my successor, my successor, and my standard bearer, you are given the permission to enter.”</a:t>
+            </a:r>
           </a:p>
         </p:txBody>
       </p:sp>
@@ -18207,9 +19164,18 @@
   <p:clrMapOvr>
     <a:masterClrMapping/>
   </p:clrMapOvr>
-  <p:transition>
-    <p:fade/>
-  </p:transition>
+  <mc:AlternateContent xmlns:mc="http://schemas.openxmlformats.org/markup-compatibility/2006" xmlns:p14="http://schemas.microsoft.com/office/powerpoint/2010/main">
+    <mc:Choice Requires="p14">
+      <p:transition p14:dur="300">
+        <p:fade/>
+      </p:transition>
+    </mc:Choice>
+    <mc:Fallback xmlns="">
+      <p:transition>
+        <p:fade/>
+      </p:transition>
+    </mc:Fallback>
+  </mc:AlternateContent>
 </p:sld>
 </file>
 
@@ -18235,7 +19201,7 @@
           <p:cNvPr id="11" name="Title 3">
             <a:extLst>
               <a:ext uri="{FF2B5EF4-FFF2-40B4-BE49-F238E27FC236}">
-                <a16:creationId xmlns:a16="http://schemas.microsoft.com/office/drawing/2014/main" id="{4E604A7F-4B49-4FDE-B247-CED3E88C9DED}"/>
+                <a16:creationId xmlns:a16="http://schemas.microsoft.com/office/drawing/2014/main" id="{DC3AC438-7769-76C9-7D36-AA05FBADF311}"/>
               </a:ext>
             </a:extLst>
           </p:cNvPr>
@@ -18257,8 +19223,8 @@
           <a:lstStyle/>
           <a:p>
             <a:r>
-              <a:rPr lang="ar-SA" dirty="0"/>
-              <a:t>أَللّٰهُمَّ صَلِّ عَلٰى مُحَمَّدٍ وَآلِ مُحَمَّدٍ</a:t>
+              <a:rPr lang="ar-SA"/>
+              <a:t>فَدَخَلَ عَلِيٌّ تَحْتَ الْكِساءِ </a:t>
             </a:r>
             <a:endParaRPr lang="en-US" dirty="0"/>
           </a:p>
@@ -18269,7 +19235,7 @@
           <p:cNvPr id="12" name="Subtitle 4">
             <a:extLst>
               <a:ext uri="{FF2B5EF4-FFF2-40B4-BE49-F238E27FC236}">
-                <a16:creationId xmlns:a16="http://schemas.microsoft.com/office/drawing/2014/main" id="{0A3FC473-E56A-4E2F-BE7C-7E2CF70D6289}"/>
+                <a16:creationId xmlns:a16="http://schemas.microsoft.com/office/drawing/2014/main" id="{F10A81EB-268B-EA97-628D-31810F096D76}"/>
               </a:ext>
             </a:extLst>
           </p:cNvPr>
@@ -18291,39 +19257,30 @@
           <a:lstStyle/>
           <a:p>
             <a:r>
-              <a:rPr lang="en-US" dirty="0"/>
-              <a:t>O' </a:t>
-            </a:r>
-            <a:r>
-              <a:rPr lang="en-US" dirty="0" err="1"/>
-              <a:t>Alláh</a:t>
-            </a:r>
-            <a:r>
-              <a:rPr lang="en-US" dirty="0"/>
-              <a:t> send Your blessings on Muhammad</a:t>
-            </a:r>
-          </a:p>
-          <a:p>
-            <a:r>
-              <a:rPr lang="en-US" dirty="0"/>
-              <a:t>and the family of Muhammad.</a:t>
-            </a:r>
+              <a:rPr lang="en-US"/>
+              <a:t>So, Ali entered the cloak with them. </a:t>
+            </a:r>
+            <a:endParaRPr lang="en-US" dirty="0"/>
           </a:p>
         </p:txBody>
       </p:sp>
     </p:spTree>
-    <p:extLst>
-      <p:ext uri="{BB962C8B-B14F-4D97-AF65-F5344CB8AC3E}">
-        <p14:creationId xmlns:p14="http://schemas.microsoft.com/office/powerpoint/2010/main" val="4079080803"/>
-      </p:ext>
-    </p:extLst>
   </p:cSld>
   <p:clrMapOvr>
     <a:masterClrMapping/>
   </p:clrMapOvr>
-  <p:transition>
-    <p:fade/>
-  </p:transition>
+  <mc:AlternateContent xmlns:mc="http://schemas.openxmlformats.org/markup-compatibility/2006" xmlns:p14="http://schemas.microsoft.com/office/powerpoint/2010/main">
+    <mc:Choice Requires="p14">
+      <p:transition p14:dur="300">
+        <p:fade/>
+      </p:transition>
+    </mc:Choice>
+    <mc:Fallback xmlns="">
+      <p:transition>
+        <p:fade/>
+      </p:transition>
+    </mc:Fallback>
+  </mc:AlternateContent>
 </p:sld>
 </file>
 
@@ -18349,7 +19306,7 @@
           <p:cNvPr id="11" name="Title 3">
             <a:extLst>
               <a:ext uri="{FF2B5EF4-FFF2-40B4-BE49-F238E27FC236}">
-                <a16:creationId xmlns:a16="http://schemas.microsoft.com/office/drawing/2014/main" id="{728D45EA-FA36-8FBA-C460-7C22F1F665BB}"/>
+                <a16:creationId xmlns:a16="http://schemas.microsoft.com/office/drawing/2014/main" id="{4E604A7F-4B49-4FDE-B247-CED3E88C9DED}"/>
               </a:ext>
             </a:extLst>
           </p:cNvPr>
@@ -18372,14 +19329,7 @@
           <a:p>
             <a:r>
               <a:rPr lang="ar-SA" dirty="0"/>
-              <a:t>ثُمَّ أَتَيْتُ نَحْوَ الْكِساءِ وَقُلْتُ</a:t>
-            </a:r>
-            <a:br>
-              <a:rPr lang="ar-SA" dirty="0"/>
-            </a:br>
-            <a:r>
-              <a:rPr lang="ar-SA" dirty="0"/>
-              <a:t>السَّلامُ عَلَيْكَ يَا أَبَتاهُ يَا رَسُولَ اللّهِ </a:t>
+              <a:t>أَللّٰهُمَّ صَلِّ عَلٰى مُحَمَّدٍ وَآلِ مُحَمَّدٍ</a:t>
             </a:r>
             <a:endParaRPr lang="en-US" dirty="0"/>
           </a:p>
@@ -18390,7 +19340,7 @@
           <p:cNvPr id="12" name="Subtitle 4">
             <a:extLst>
               <a:ext uri="{FF2B5EF4-FFF2-40B4-BE49-F238E27FC236}">
-                <a16:creationId xmlns:a16="http://schemas.microsoft.com/office/drawing/2014/main" id="{46DDCFF9-FE1C-1A4D-41BB-219A41D61401}"/>
+                <a16:creationId xmlns:a16="http://schemas.microsoft.com/office/drawing/2014/main" id="{0A3FC473-E56A-4E2F-BE7C-7E2CF70D6289}"/>
               </a:ext>
             </a:extLst>
           </p:cNvPr>
@@ -18412,28 +19362,40 @@
           <a:lstStyle/>
           <a:p>
             <a:r>
-              <a:rPr lang="it-IT" dirty="0"/>
-              <a:t>Then I stepped forward </a:t>
-            </a:r>
-            <a:r>
               <a:rPr lang="en-US" dirty="0"/>
-              <a:t>and said: "Peace be on you, my father, O Prophet (s) of Allah; </a:t>
-            </a:r>
-            <a:r>
-              <a:rPr lang="it-IT" dirty="0"/>
-              <a:t> </a:t>
+              <a:t>O' Allah send Your blessings on Muhammad</a:t>
+            </a:r>
+          </a:p>
+          <a:p>
+            <a:r>
+              <a:rPr lang="en-US" dirty="0"/>
+              <a:t>and the family of Muhammad.</a:t>
             </a:r>
           </a:p>
         </p:txBody>
       </p:sp>
     </p:spTree>
+    <p:extLst>
+      <p:ext uri="{BB962C8B-B14F-4D97-AF65-F5344CB8AC3E}">
+        <p14:creationId xmlns:p14="http://schemas.microsoft.com/office/powerpoint/2010/main" val="4079080803"/>
+      </p:ext>
+    </p:extLst>
   </p:cSld>
   <p:clrMapOvr>
     <a:masterClrMapping/>
   </p:clrMapOvr>
-  <p:transition>
-    <p:fade/>
-  </p:transition>
+  <mc:AlternateContent xmlns:mc="http://schemas.openxmlformats.org/markup-compatibility/2006" xmlns:p14="http://schemas.microsoft.com/office/powerpoint/2010/main">
+    <mc:Choice Requires="p14">
+      <p:transition p14:dur="300">
+        <p:fade/>
+      </p:transition>
+    </mc:Choice>
+    <mc:Fallback xmlns="">
+      <p:transition>
+        <p:fade/>
+      </p:transition>
+    </mc:Fallback>
+  </mc:AlternateContent>
 </p:sld>
 </file>
 
@@ -18537,9 +19499,18 @@
   <p:clrMapOvr>
     <a:masterClrMapping/>
   </p:clrMapOvr>
-  <p:transition>
-    <p:fade/>
-  </p:transition>
+  <mc:AlternateContent xmlns:mc="http://schemas.openxmlformats.org/markup-compatibility/2006" xmlns:p14="http://schemas.microsoft.com/office/powerpoint/2010/main">
+    <mc:Choice Requires="p14">
+      <p:transition p14:dur="300">
+        <p:fade/>
+      </p:transition>
+    </mc:Choice>
+    <mc:Fallback xmlns="">
+      <p:transition>
+        <p:fade/>
+      </p:transition>
+    </mc:Fallback>
+  </mc:AlternateContent>
 </p:sld>
 </file>
 
@@ -18565,7 +19536,7 @@
           <p:cNvPr id="11" name="Title 3">
             <a:extLst>
               <a:ext uri="{FF2B5EF4-FFF2-40B4-BE49-F238E27FC236}">
-                <a16:creationId xmlns:a16="http://schemas.microsoft.com/office/drawing/2014/main" id="{C677148C-6D1A-ABCA-C1C9-2A4D2C179AD5}"/>
+                <a16:creationId xmlns:a16="http://schemas.microsoft.com/office/drawing/2014/main" id="{728D45EA-FA36-8FBA-C460-7C22F1F665BB}"/>
               </a:ext>
             </a:extLst>
           </p:cNvPr>
@@ -18587,8 +19558,15 @@
           <a:lstStyle/>
           <a:p>
             <a:r>
-              <a:rPr lang="ar-SA"/>
-              <a:t>أَتَأْذَنُ لِي أَنْ أَكُونَ مَعَكُمْ تَحْتَ الْكِساءِ </a:t>
+              <a:rPr lang="ar-SA" dirty="0"/>
+              <a:t>ثُمَّ أَتَيْتُ نَحْوَ الْكِساءِ وَقُلْتُ</a:t>
+            </a:r>
+            <a:br>
+              <a:rPr lang="ar-SA" dirty="0"/>
+            </a:br>
+            <a:r>
+              <a:rPr lang="ar-SA" dirty="0"/>
+              <a:t>السَّلامُ عَلَيْكَ يَا أَبَتاهُ يَا رَسُولَ اللّهِ </a:t>
             </a:r>
             <a:endParaRPr lang="en-US" dirty="0"/>
           </a:p>
@@ -18599,7 +19577,7 @@
           <p:cNvPr id="12" name="Subtitle 4">
             <a:extLst>
               <a:ext uri="{FF2B5EF4-FFF2-40B4-BE49-F238E27FC236}">
-                <a16:creationId xmlns:a16="http://schemas.microsoft.com/office/drawing/2014/main" id="{F1F6E122-8DDF-AB7D-6080-5A2080346169}"/>
+                <a16:creationId xmlns:a16="http://schemas.microsoft.com/office/drawing/2014/main" id="{46DDCFF9-FE1C-1A4D-41BB-219A41D61401}"/>
               </a:ext>
             </a:extLst>
           </p:cNvPr>
@@ -18621,10 +19599,17 @@
           <a:lstStyle/>
           <a:p>
             <a:r>
-              <a:rPr lang="en-US"/>
-              <a:t>May I enter the cloak with you?"</a:t>
-            </a:r>
-            <a:endParaRPr lang="en-US" dirty="0"/>
+              <a:rPr lang="it-IT" dirty="0"/>
+              <a:t>Then I stepped forward </a:t>
+            </a:r>
+            <a:r>
+              <a:rPr lang="en-US" dirty="0"/>
+              <a:t>and said, “Peace be on you, my father, O Prophet (s) of Allah; </a:t>
+            </a:r>
+            <a:r>
+              <a:rPr lang="it-IT" dirty="0"/>
+              <a:t> </a:t>
+            </a:r>
           </a:p>
         </p:txBody>
       </p:sp>
@@ -18633,9 +19618,18 @@
   <p:clrMapOvr>
     <a:masterClrMapping/>
   </p:clrMapOvr>
-  <p:transition>
-    <p:fade/>
-  </p:transition>
+  <mc:AlternateContent xmlns:mc="http://schemas.openxmlformats.org/markup-compatibility/2006" xmlns:p14="http://schemas.microsoft.com/office/powerpoint/2010/main">
+    <mc:Choice Requires="p14">
+      <p:transition p14:dur="300">
+        <p:fade/>
+      </p:transition>
+    </mc:Choice>
+    <mc:Fallback xmlns="">
+      <p:transition>
+        <p:fade/>
+      </p:transition>
+    </mc:Fallback>
+  </mc:AlternateContent>
 </p:sld>
 </file>
 
@@ -18661,7 +19655,7 @@
           <p:cNvPr id="11" name="Title 3">
             <a:extLst>
               <a:ext uri="{FF2B5EF4-FFF2-40B4-BE49-F238E27FC236}">
-                <a16:creationId xmlns:a16="http://schemas.microsoft.com/office/drawing/2014/main" id="{AD6DE773-EA3E-51D5-9EEC-883D8E9FD4A6}"/>
+                <a16:creationId xmlns:a16="http://schemas.microsoft.com/office/drawing/2014/main" id="{C677148C-6D1A-ABCA-C1C9-2A4D2C179AD5}"/>
               </a:ext>
             </a:extLst>
           </p:cNvPr>
@@ -18683,15 +19677,8 @@
           <a:lstStyle/>
           <a:p>
             <a:r>
-              <a:rPr lang="ar-SA" dirty="0"/>
-              <a:t>قالَ: وَعَلَيْكِ السَّلامُ</a:t>
-            </a:r>
-            <a:br>
-              <a:rPr lang="ar-SA" dirty="0"/>
-            </a:br>
-            <a:r>
-              <a:rPr lang="ar-SA" dirty="0"/>
-              <a:t>يَا بِنْتِي وَيَا بَضْعَتِي</a:t>
+              <a:rPr lang="ar-SA"/>
+              <a:t>أَتَأْذَنُ لِي أَنْ أَكُونَ مَعَكُمْ تَحْتَ الْكِساءِ </a:t>
             </a:r>
             <a:endParaRPr lang="en-US" dirty="0"/>
           </a:p>
@@ -18702,7 +19689,7 @@
           <p:cNvPr id="12" name="Subtitle 4">
             <a:extLst>
               <a:ext uri="{FF2B5EF4-FFF2-40B4-BE49-F238E27FC236}">
-                <a16:creationId xmlns:a16="http://schemas.microsoft.com/office/drawing/2014/main" id="{CF03980D-F348-C22F-11C1-81BB0D352CC2}"/>
+                <a16:creationId xmlns:a16="http://schemas.microsoft.com/office/drawing/2014/main" id="{F1F6E122-8DDF-AB7D-6080-5A2080346169}"/>
               </a:ext>
             </a:extLst>
           </p:cNvPr>
@@ -18725,7 +19712,7 @@
           <a:p>
             <a:r>
               <a:rPr lang="en-US" dirty="0"/>
-              <a:t>He replied: "And upon you be peace, my daughter, O part of myself;</a:t>
+              <a:t>May I enter the cloak with you?”</a:t>
             </a:r>
           </a:p>
         </p:txBody>
@@ -18735,9 +19722,18 @@
   <p:clrMapOvr>
     <a:masterClrMapping/>
   </p:clrMapOvr>
-  <p:transition>
-    <p:fade/>
-  </p:transition>
+  <mc:AlternateContent xmlns:mc="http://schemas.openxmlformats.org/markup-compatibility/2006" xmlns:p14="http://schemas.microsoft.com/office/powerpoint/2010/main">
+    <mc:Choice Requires="p14">
+      <p:transition p14:dur="300">
+        <p:fade/>
+      </p:transition>
+    </mc:Choice>
+    <mc:Fallback xmlns="">
+      <p:transition>
+        <p:fade/>
+      </p:transition>
+    </mc:Fallback>
+  </mc:AlternateContent>
 </p:sld>
 </file>
 
@@ -18763,7 +19759,7 @@
           <p:cNvPr id="11" name="Title 3">
             <a:extLst>
               <a:ext uri="{FF2B5EF4-FFF2-40B4-BE49-F238E27FC236}">
-                <a16:creationId xmlns:a16="http://schemas.microsoft.com/office/drawing/2014/main" id="{BB783179-9BCC-4697-B46C-5AB310D09149}"/>
+                <a16:creationId xmlns:a16="http://schemas.microsoft.com/office/drawing/2014/main" id="{AD6DE773-EA3E-51D5-9EEC-883D8E9FD4A6}"/>
               </a:ext>
             </a:extLst>
           </p:cNvPr>
@@ -18786,14 +19782,14 @@
           <a:p>
             <a:r>
               <a:rPr lang="ar-SA" dirty="0"/>
-              <a:t>قَدْ أَذِنْتُ لَكِ</a:t>
+              <a:t>قالَ وَعَلَيْكِ السَّلامُ</a:t>
             </a:r>
             <a:br>
               <a:rPr lang="ar-SA" dirty="0"/>
             </a:br>
             <a:r>
               <a:rPr lang="ar-SA" dirty="0"/>
-              <a:t>فَدَخَلْتُ تَحْتَ الْكِساءِ </a:t>
+              <a:t>يَا بِنْتِي وَيَا بَضْعَتِي</a:t>
             </a:r>
             <a:endParaRPr lang="en-US" dirty="0"/>
           </a:p>
@@ -18804,7 +19800,7 @@
           <p:cNvPr id="12" name="Subtitle 4">
             <a:extLst>
               <a:ext uri="{FF2B5EF4-FFF2-40B4-BE49-F238E27FC236}">
-                <a16:creationId xmlns:a16="http://schemas.microsoft.com/office/drawing/2014/main" id="{D184E3DE-D2E2-00B5-36D9-8BB936476074}"/>
+                <a16:creationId xmlns:a16="http://schemas.microsoft.com/office/drawing/2014/main" id="{CF03980D-F348-C22F-11C1-81BB0D352CC2}"/>
               </a:ext>
             </a:extLst>
           </p:cNvPr>
@@ -18827,13 +19823,7 @@
           <a:p>
             <a:r>
               <a:rPr lang="en-US" dirty="0"/>
-              <a:t>you are given the permission to enter.“</a:t>
-            </a:r>
-          </a:p>
-          <a:p>
-            <a:r>
-              <a:rPr lang="en-US" dirty="0"/>
-              <a:t>So, I entered the cloak with them.</a:t>
+              <a:t>He replied, “And upon you be peace, my daughter, O part of myself;</a:t>
             </a:r>
           </a:p>
         </p:txBody>
@@ -18843,9 +19833,18 @@
   <p:clrMapOvr>
     <a:masterClrMapping/>
   </p:clrMapOvr>
-  <p:transition>
-    <p:fade/>
-  </p:transition>
+  <mc:AlternateContent xmlns:mc="http://schemas.openxmlformats.org/markup-compatibility/2006" xmlns:p14="http://schemas.microsoft.com/office/powerpoint/2010/main">
+    <mc:Choice Requires="p14">
+      <p:transition p14:dur="300">
+        <p:fade/>
+      </p:transition>
+    </mc:Choice>
+    <mc:Fallback xmlns="">
+      <p:transition>
+        <p:fade/>
+      </p:transition>
+    </mc:Fallback>
+  </mc:AlternateContent>
 </p:sld>
 </file>
 
@@ -18871,7 +19870,7 @@
           <p:cNvPr id="11" name="Title 3">
             <a:extLst>
               <a:ext uri="{FF2B5EF4-FFF2-40B4-BE49-F238E27FC236}">
-                <a16:creationId xmlns:a16="http://schemas.microsoft.com/office/drawing/2014/main" id="{4E604A7F-4B49-4FDE-B247-CED3E88C9DED}"/>
+                <a16:creationId xmlns:a16="http://schemas.microsoft.com/office/drawing/2014/main" id="{BB783179-9BCC-4697-B46C-5AB310D09149}"/>
               </a:ext>
             </a:extLst>
           </p:cNvPr>
@@ -18894,7 +19893,14 @@
           <a:p>
             <a:r>
               <a:rPr lang="ar-SA" dirty="0"/>
-              <a:t>أَللّٰهُمَّ صَلِّ عَلٰى مُحَمَّدٍ وَآلِ مُحَمَّدٍ</a:t>
+              <a:t>قَدْ أَذِنْتُ لَكِ</a:t>
+            </a:r>
+            <a:br>
+              <a:rPr lang="ar-SA" dirty="0"/>
+            </a:br>
+            <a:r>
+              <a:rPr lang="ar-SA" dirty="0"/>
+              <a:t>فَدَخَلْتُ تَحْتَ الْكِساءِ </a:t>
             </a:r>
             <a:endParaRPr lang="en-US" dirty="0"/>
           </a:p>
@@ -18905,7 +19911,7 @@
           <p:cNvPr id="12" name="Subtitle 4">
             <a:extLst>
               <a:ext uri="{FF2B5EF4-FFF2-40B4-BE49-F238E27FC236}">
-                <a16:creationId xmlns:a16="http://schemas.microsoft.com/office/drawing/2014/main" id="{0A3FC473-E56A-4E2F-BE7C-7E2CF70D6289}"/>
+                <a16:creationId xmlns:a16="http://schemas.microsoft.com/office/drawing/2014/main" id="{D184E3DE-D2E2-00B5-36D9-8BB936476074}"/>
               </a:ext>
             </a:extLst>
           </p:cNvPr>
@@ -18928,38 +19934,34 @@
           <a:p>
             <a:r>
               <a:rPr lang="en-US" dirty="0"/>
-              <a:t>O' </a:t>
-            </a:r>
-            <a:r>
-              <a:rPr lang="en-US" dirty="0" err="1"/>
-              <a:t>Alláh</a:t>
-            </a:r>
+              <a:t>you are given the permission to enter.”</a:t>
+            </a:r>
+          </a:p>
+          <a:p>
             <a:r>
               <a:rPr lang="en-US" dirty="0"/>
-              <a:t> send Your blessings on Muhammad</a:t>
-            </a:r>
-          </a:p>
-          <a:p>
-            <a:r>
-              <a:rPr lang="en-US" dirty="0"/>
-              <a:t>and the family of Muhammad.</a:t>
+              <a:t>So, I entered the cloak with them.</a:t>
             </a:r>
           </a:p>
         </p:txBody>
       </p:sp>
     </p:spTree>
-    <p:extLst>
-      <p:ext uri="{BB962C8B-B14F-4D97-AF65-F5344CB8AC3E}">
-        <p14:creationId xmlns:p14="http://schemas.microsoft.com/office/powerpoint/2010/main" val="3123342776"/>
-      </p:ext>
-    </p:extLst>
   </p:cSld>
   <p:clrMapOvr>
     <a:masterClrMapping/>
   </p:clrMapOvr>
-  <p:transition>
-    <p:fade/>
-  </p:transition>
+  <mc:AlternateContent xmlns:mc="http://schemas.openxmlformats.org/markup-compatibility/2006" xmlns:p14="http://schemas.microsoft.com/office/powerpoint/2010/main">
+    <mc:Choice Requires="p14">
+      <p:transition p14:dur="300">
+        <p:fade/>
+      </p:transition>
+    </mc:Choice>
+    <mc:Fallback xmlns="">
+      <p:transition>
+        <p:fade/>
+      </p:transition>
+    </mc:Fallback>
+  </mc:AlternateContent>
 </p:sld>
 </file>
 
@@ -18985,7 +19987,7 @@
           <p:cNvPr id="11" name="Title 3">
             <a:extLst>
               <a:ext uri="{FF2B5EF4-FFF2-40B4-BE49-F238E27FC236}">
-                <a16:creationId xmlns:a16="http://schemas.microsoft.com/office/drawing/2014/main" id="{3993A996-7F7B-350B-C17C-2D61DD0B573B}"/>
+                <a16:creationId xmlns:a16="http://schemas.microsoft.com/office/drawing/2014/main" id="{4E604A7F-4B49-4FDE-B247-CED3E88C9DED}"/>
               </a:ext>
             </a:extLst>
           </p:cNvPr>
@@ -19008,14 +20010,7 @@
           <a:p>
             <a:r>
               <a:rPr lang="ar-SA" dirty="0"/>
-              <a:t>فَلَمَّا اكْتَمَلْنا جَمِيعاً تَحْتَ الْكِساءِ</a:t>
-            </a:r>
-            <a:br>
-              <a:rPr lang="ar-SA" dirty="0"/>
-            </a:br>
-            <a:r>
-              <a:rPr lang="ar-SA" dirty="0"/>
-              <a:t>أَخَذَ أَبِي رَسُولُ اللّهِ بِطَرَفَيِ الْكِساءِ</a:t>
+              <a:t>أَللّٰهُمَّ صَلِّ عَلٰى مُحَمَّدٍ وَآلِ مُحَمَّدٍ</a:t>
             </a:r>
             <a:endParaRPr lang="en-US" dirty="0"/>
           </a:p>
@@ -19026,7 +20021,7 @@
           <p:cNvPr id="12" name="Subtitle 4">
             <a:extLst>
               <a:ext uri="{FF2B5EF4-FFF2-40B4-BE49-F238E27FC236}">
-                <a16:creationId xmlns:a16="http://schemas.microsoft.com/office/drawing/2014/main" id="{E0977B89-4081-C0D0-58C2-D2D8E76F7FD4}"/>
+                <a16:creationId xmlns:a16="http://schemas.microsoft.com/office/drawing/2014/main" id="{0A3FC473-E56A-4E2F-BE7C-7E2CF70D6289}"/>
               </a:ext>
             </a:extLst>
           </p:cNvPr>
@@ -19048,21 +20043,40 @@
           <a:lstStyle/>
           <a:p>
             <a:r>
-              <a:rPr lang="en-US"/>
-              <a:t>Getting together underneath the cloak, my father, the Prophet (s) of Allah, held the two ends of the cloak </a:t>
-            </a:r>
-            <a:endParaRPr lang="en-US" dirty="0"/>
+              <a:rPr lang="en-US" dirty="0"/>
+              <a:t>O' Allah send Your blessings on Muhammad</a:t>
+            </a:r>
+          </a:p>
+          <a:p>
+            <a:r>
+              <a:rPr lang="en-US" dirty="0"/>
+              <a:t>and the family of Muhammad.</a:t>
+            </a:r>
           </a:p>
         </p:txBody>
       </p:sp>
     </p:spTree>
+    <p:extLst>
+      <p:ext uri="{BB962C8B-B14F-4D97-AF65-F5344CB8AC3E}">
+        <p14:creationId xmlns:p14="http://schemas.microsoft.com/office/powerpoint/2010/main" val="3123342776"/>
+      </p:ext>
+    </p:extLst>
   </p:cSld>
   <p:clrMapOvr>
     <a:masterClrMapping/>
   </p:clrMapOvr>
-  <p:transition>
-    <p:fade/>
-  </p:transition>
+  <mc:AlternateContent xmlns:mc="http://schemas.openxmlformats.org/markup-compatibility/2006" xmlns:p14="http://schemas.microsoft.com/office/powerpoint/2010/main">
+    <mc:Choice Requires="p14">
+      <p:transition p14:dur="300">
+        <p:fade/>
+      </p:transition>
+    </mc:Choice>
+    <mc:Fallback xmlns="">
+      <p:transition>
+        <p:fade/>
+      </p:transition>
+    </mc:Fallback>
+  </mc:AlternateContent>
 </p:sld>
 </file>
 
@@ -19088,7 +20102,7 @@
           <p:cNvPr id="11" name="Title 3">
             <a:extLst>
               <a:ext uri="{FF2B5EF4-FFF2-40B4-BE49-F238E27FC236}">
-                <a16:creationId xmlns:a16="http://schemas.microsoft.com/office/drawing/2014/main" id="{AE392068-6D71-D2E4-9198-3C3AB2547324}"/>
+                <a16:creationId xmlns:a16="http://schemas.microsoft.com/office/drawing/2014/main" id="{3993A996-7F7B-350B-C17C-2D61DD0B573B}"/>
               </a:ext>
             </a:extLst>
           </p:cNvPr>
@@ -19110,20 +20124,15 @@
           <a:lstStyle/>
           <a:p>
             <a:r>
-              <a:rPr lang="ar-SA" dirty="0" err="1"/>
-              <a:t>وَاَوْمَئَ</a:t>
-            </a:r>
-            <a:r>
               <a:rPr lang="ar-SA" dirty="0"/>
-              <a:t> بِيَدِهِ </a:t>
-            </a:r>
-            <a:r>
-              <a:rPr lang="ar-SA" dirty="0" err="1"/>
-              <a:t>ٱلْيُمْنٰى</a:t>
-            </a:r>
-            <a:r>
+              <a:t>فَلَمَّا اكْتَمَلْنا جَمِيعاً تَحْتَ الْكِساءِ</a:t>
+            </a:r>
+            <a:br>
               <a:rPr lang="ar-SA" dirty="0"/>
-              <a:t> إِلَى السَّماءِ وَقالَ</a:t>
+            </a:br>
+            <a:r>
+              <a:rPr lang="ar-SA" dirty="0"/>
+              <a:t>أَخَذَ أَبِي رَسُولُ اللّهِ بِطَرَفَيِ الْكِساءِ</a:t>
             </a:r>
             <a:endParaRPr lang="en-US" dirty="0"/>
           </a:p>
@@ -19134,7 +20143,7 @@
           <p:cNvPr id="12" name="Subtitle 4">
             <a:extLst>
               <a:ext uri="{FF2B5EF4-FFF2-40B4-BE49-F238E27FC236}">
-                <a16:creationId xmlns:a16="http://schemas.microsoft.com/office/drawing/2014/main" id="{121F3C74-0A04-9ACC-17FD-F8A3206E1680}"/>
+                <a16:creationId xmlns:a16="http://schemas.microsoft.com/office/drawing/2014/main" id="{E0977B89-4081-C0D0-58C2-D2D8E76F7FD4}"/>
               </a:ext>
             </a:extLst>
           </p:cNvPr>
@@ -19156,9 +20165,10 @@
           <a:lstStyle/>
           <a:p>
             <a:r>
-              <a:rPr lang="en-US" dirty="0"/>
-              <a:t>and raised his right hand towards the heavens and prayed: </a:t>
-            </a:r>
+              <a:rPr lang="en-US"/>
+              <a:t>Getting together underneath the cloak, my father, the Prophet (s) of Allah, held the two ends of the cloak </a:t>
+            </a:r>
+            <a:endParaRPr lang="en-US" dirty="0"/>
           </a:p>
         </p:txBody>
       </p:sp>
@@ -19167,9 +20177,18 @@
   <p:clrMapOvr>
     <a:masterClrMapping/>
   </p:clrMapOvr>
-  <p:transition>
-    <p:fade/>
-  </p:transition>
+  <mc:AlternateContent xmlns:mc="http://schemas.openxmlformats.org/markup-compatibility/2006" xmlns:p14="http://schemas.microsoft.com/office/powerpoint/2010/main">
+    <mc:Choice Requires="p14">
+      <p:transition p14:dur="300">
+        <p:fade/>
+      </p:transition>
+    </mc:Choice>
+    <mc:Fallback xmlns="">
+      <p:transition>
+        <p:fade/>
+      </p:transition>
+    </mc:Fallback>
+  </mc:AlternateContent>
 </p:sld>
 </file>
 
@@ -19195,7 +20214,7 @@
           <p:cNvPr id="11" name="Title 3">
             <a:extLst>
               <a:ext uri="{FF2B5EF4-FFF2-40B4-BE49-F238E27FC236}">
-                <a16:creationId xmlns:a16="http://schemas.microsoft.com/office/drawing/2014/main" id="{713F2895-1E01-5D48-0E88-B2BDD866DE51}"/>
+                <a16:creationId xmlns:a16="http://schemas.microsoft.com/office/drawing/2014/main" id="{AE392068-6D71-D2E4-9198-3C3AB2547324}"/>
               </a:ext>
             </a:extLst>
           </p:cNvPr>
@@ -19217,15 +20236,20 @@
           <a:lstStyle/>
           <a:p>
             <a:r>
+              <a:rPr lang="ar-SA" dirty="0" err="1"/>
+              <a:t>وَاَوْمَئَ</a:t>
+            </a:r>
+            <a:r>
               <a:rPr lang="ar-SA" dirty="0"/>
-              <a:t>أَللّٰهُمَّ إِنَّ هٰؤُلاءِ أَهْلُ بَيْتِي</a:t>
-            </a:r>
-            <a:br>
+              <a:t> بِيَدِهِ </a:t>
+            </a:r>
+            <a:r>
+              <a:rPr lang="ar-SA" dirty="0" err="1"/>
+              <a:t>ٱلْيُمْنٰى</a:t>
+            </a:r>
+            <a:r>
               <a:rPr lang="ar-SA" dirty="0"/>
-            </a:br>
-            <a:r>
-              <a:rPr lang="ar-SA" dirty="0"/>
-              <a:t>وَخاصَّتِي وَحامَّتِي </a:t>
+              <a:t> إِلَى السَّماءِ وَقالَ</a:t>
             </a:r>
             <a:endParaRPr lang="en-US" dirty="0"/>
           </a:p>
@@ -19236,7 +20260,7 @@
           <p:cNvPr id="12" name="Subtitle 4">
             <a:extLst>
               <a:ext uri="{FF2B5EF4-FFF2-40B4-BE49-F238E27FC236}">
-                <a16:creationId xmlns:a16="http://schemas.microsoft.com/office/drawing/2014/main" id="{02804C9B-00E7-83C7-C178-1AF922CD38DE}"/>
+                <a16:creationId xmlns:a16="http://schemas.microsoft.com/office/drawing/2014/main" id="{121F3C74-0A04-9ACC-17FD-F8A3206E1680}"/>
               </a:ext>
             </a:extLst>
           </p:cNvPr>
@@ -19258,10 +20282,9 @@
           <a:lstStyle/>
           <a:p>
             <a:r>
-              <a:rPr lang="en-US"/>
-              <a:t>"O Allah, these are the people of my Household (Ahlul-Bayt). They are my confidants and my supporters. </a:t>
-            </a:r>
-            <a:endParaRPr lang="en-US" dirty="0"/>
+              <a:rPr lang="en-US" dirty="0"/>
+              <a:t>and raised his right hand towards the heavens and prayed: </a:t>
+            </a:r>
           </a:p>
         </p:txBody>
       </p:sp>
@@ -19270,9 +20293,18 @@
   <p:clrMapOvr>
     <a:masterClrMapping/>
   </p:clrMapOvr>
-  <p:transition>
-    <p:fade/>
-  </p:transition>
+  <mc:AlternateContent xmlns:mc="http://schemas.openxmlformats.org/markup-compatibility/2006" xmlns:p14="http://schemas.microsoft.com/office/powerpoint/2010/main">
+    <mc:Choice Requires="p14">
+      <p:transition p14:dur="300">
+        <p:fade/>
+      </p:transition>
+    </mc:Choice>
+    <mc:Fallback xmlns="">
+      <p:transition>
+        <p:fade/>
+      </p:transition>
+    </mc:Fallback>
+  </mc:AlternateContent>
 </p:sld>
 </file>
 
@@ -19298,7 +20330,7 @@
           <p:cNvPr id="11" name="Title 3">
             <a:extLst>
               <a:ext uri="{FF2B5EF4-FFF2-40B4-BE49-F238E27FC236}">
-                <a16:creationId xmlns:a16="http://schemas.microsoft.com/office/drawing/2014/main" id="{D813A177-E991-04EA-A39D-039D968A228C}"/>
+                <a16:creationId xmlns:a16="http://schemas.microsoft.com/office/drawing/2014/main" id="{713F2895-1E01-5D48-0E88-B2BDD866DE51}"/>
               </a:ext>
             </a:extLst>
           </p:cNvPr>
@@ -19321,14 +20353,14 @@
           <a:p>
             <a:r>
               <a:rPr lang="ar-SA" dirty="0"/>
-              <a:t>لَحْمُهُمْ لَحْمِي</a:t>
+              <a:t>أَللّٰهُمَّ إِنَّ هٰؤُلاءِ أَهْلُ بَيْتِي</a:t>
             </a:r>
             <a:br>
               <a:rPr lang="ar-SA" dirty="0"/>
             </a:br>
             <a:r>
               <a:rPr lang="ar-SA" dirty="0"/>
-              <a:t>وَدَمُهُمْ دَمِي </a:t>
+              <a:t>وَخاصَّتِي وَحامَّتِي </a:t>
             </a:r>
             <a:endParaRPr lang="en-US" dirty="0"/>
           </a:p>
@@ -19339,7 +20371,7 @@
           <p:cNvPr id="12" name="Subtitle 4">
             <a:extLst>
               <a:ext uri="{FF2B5EF4-FFF2-40B4-BE49-F238E27FC236}">
-                <a16:creationId xmlns:a16="http://schemas.microsoft.com/office/drawing/2014/main" id="{A6BE3745-2AAA-EBAE-3711-68D8AA654655}"/>
+                <a16:creationId xmlns:a16="http://schemas.microsoft.com/office/drawing/2014/main" id="{02804C9B-00E7-83C7-C178-1AF922CD38DE}"/>
               </a:ext>
             </a:extLst>
           </p:cNvPr>
@@ -19362,7 +20394,15 @@
           <a:p>
             <a:r>
               <a:rPr lang="en-US" dirty="0"/>
-              <a:t>Their flesh is my flesh, and their blood is my blood. </a:t>
+              <a:t>“O Allah, these are the people of my Household (</a:t>
+            </a:r>
+            <a:r>
+              <a:rPr lang="en-US" dirty="0" err="1"/>
+              <a:t>Ahlul</a:t>
+            </a:r>
+            <a:r>
+              <a:rPr lang="en-US" dirty="0"/>
+              <a:t>-Bayt). They are my confidants and my supporters. </a:t>
             </a:r>
           </a:p>
         </p:txBody>
@@ -19372,9 +20412,18 @@
   <p:clrMapOvr>
     <a:masterClrMapping/>
   </p:clrMapOvr>
-  <p:transition>
-    <p:fade/>
-  </p:transition>
+  <mc:AlternateContent xmlns:mc="http://schemas.openxmlformats.org/markup-compatibility/2006" xmlns:p14="http://schemas.microsoft.com/office/powerpoint/2010/main">
+    <mc:Choice Requires="p14">
+      <p:transition p14:dur="300">
+        <p:fade/>
+      </p:transition>
+    </mc:Choice>
+    <mc:Fallback xmlns="">
+      <p:transition>
+        <p:fade/>
+      </p:transition>
+    </mc:Fallback>
+  </mc:AlternateContent>
 </p:sld>
 </file>
 
@@ -19400,7 +20449,7 @@
           <p:cNvPr id="11" name="Title 3">
             <a:extLst>
               <a:ext uri="{FF2B5EF4-FFF2-40B4-BE49-F238E27FC236}">
-                <a16:creationId xmlns:a16="http://schemas.microsoft.com/office/drawing/2014/main" id="{7D44E2F3-4D7C-9E87-7B6A-A322479AC99D}"/>
+                <a16:creationId xmlns:a16="http://schemas.microsoft.com/office/drawing/2014/main" id="{D813A177-E991-04EA-A39D-039D968A228C}"/>
               </a:ext>
             </a:extLst>
           </p:cNvPr>
@@ -19423,14 +20472,14 @@
           <a:p>
             <a:r>
               <a:rPr lang="ar-SA" dirty="0"/>
-              <a:t>يُؤْلِمُنِي مَا يُؤْلِمُهُمْ</a:t>
+              <a:t>لَحْمُهُمْ لَحْمِي</a:t>
             </a:r>
             <a:br>
               <a:rPr lang="ar-SA" dirty="0"/>
             </a:br>
             <a:r>
               <a:rPr lang="ar-SA" dirty="0"/>
-              <a:t>وَيَحْزُنُنِي مَا يَحْزُنُهُمْ </a:t>
+              <a:t>وَدَمُهُمْ دَمِي </a:t>
             </a:r>
             <a:endParaRPr lang="en-US" dirty="0"/>
           </a:p>
@@ -19441,7 +20490,7 @@
           <p:cNvPr id="12" name="Subtitle 4">
             <a:extLst>
               <a:ext uri="{FF2B5EF4-FFF2-40B4-BE49-F238E27FC236}">
-                <a16:creationId xmlns:a16="http://schemas.microsoft.com/office/drawing/2014/main" id="{0690D1EF-DB95-2815-2515-D728EA90C316}"/>
+                <a16:creationId xmlns:a16="http://schemas.microsoft.com/office/drawing/2014/main" id="{A6BE3745-2AAA-EBAE-3711-68D8AA654655}"/>
               </a:ext>
             </a:extLst>
           </p:cNvPr>
@@ -19464,13 +20513,7 @@
           <a:p>
             <a:r>
               <a:rPr lang="en-US" dirty="0"/>
-              <a:t>Whoever hurts them, hurts me too.</a:t>
-            </a:r>
-          </a:p>
-          <a:p>
-            <a:r>
-              <a:rPr lang="en-US" dirty="0"/>
-              <a:t>Whoever displeases them, displeases me too. </a:t>
+              <a:t>Their flesh is my flesh, and their blood is my blood. </a:t>
             </a:r>
           </a:p>
         </p:txBody>
@@ -19480,9 +20523,18 @@
   <p:clrMapOvr>
     <a:masterClrMapping/>
   </p:clrMapOvr>
-  <p:transition>
-    <p:fade/>
-  </p:transition>
+  <mc:AlternateContent xmlns:mc="http://schemas.openxmlformats.org/markup-compatibility/2006" xmlns:p14="http://schemas.microsoft.com/office/powerpoint/2010/main">
+    <mc:Choice Requires="p14">
+      <p:transition p14:dur="300">
+        <p:fade/>
+      </p:transition>
+    </mc:Choice>
+    <mc:Fallback xmlns="">
+      <p:transition>
+        <p:fade/>
+      </p:transition>
+    </mc:Fallback>
+  </mc:AlternateContent>
 </p:sld>
 </file>
 
@@ -19508,7 +20560,7 @@
           <p:cNvPr id="11" name="Title 3">
             <a:extLst>
               <a:ext uri="{FF2B5EF4-FFF2-40B4-BE49-F238E27FC236}">
-                <a16:creationId xmlns:a16="http://schemas.microsoft.com/office/drawing/2014/main" id="{F456DDB6-F121-04F0-06CD-DFE8AA28B261}"/>
+                <a16:creationId xmlns:a16="http://schemas.microsoft.com/office/drawing/2014/main" id="{7D44E2F3-4D7C-9E87-7B6A-A322479AC99D}"/>
               </a:ext>
             </a:extLst>
           </p:cNvPr>
@@ -19531,14 +20583,14 @@
           <a:p>
             <a:r>
               <a:rPr lang="ar-SA" dirty="0"/>
-              <a:t>أَنَا حَرْبٌ لِمَنْ حارَبَهُمْ</a:t>
+              <a:t>يُؤْلِمُنِي مَا يُؤْلِمُهُمْ</a:t>
             </a:r>
             <a:br>
               <a:rPr lang="ar-SA" dirty="0"/>
             </a:br>
             <a:r>
               <a:rPr lang="ar-SA" dirty="0"/>
-              <a:t>وَسِلْمٌ لِمَنْ سالَمَهُمْ </a:t>
+              <a:t>وَيَحْزُنُنِي مَا يَحْزُنُهُمْ </a:t>
             </a:r>
             <a:endParaRPr lang="en-US" dirty="0"/>
           </a:p>
@@ -19549,7 +20601,7 @@
           <p:cNvPr id="12" name="Subtitle 4">
             <a:extLst>
               <a:ext uri="{FF2B5EF4-FFF2-40B4-BE49-F238E27FC236}">
-                <a16:creationId xmlns:a16="http://schemas.microsoft.com/office/drawing/2014/main" id="{13CD90AD-1024-91BD-89FC-D52C58D9CE46}"/>
+                <a16:creationId xmlns:a16="http://schemas.microsoft.com/office/drawing/2014/main" id="{0690D1EF-DB95-2815-2515-D728EA90C316}"/>
               </a:ext>
             </a:extLst>
           </p:cNvPr>
@@ -19572,7 +20624,13 @@
           <a:p>
             <a:r>
               <a:rPr lang="en-US" dirty="0"/>
-              <a:t>I am at war with those who are at war with them. I am at peace with those who are at peace with them.</a:t>
+              <a:t>Whoever hurts them, hurts me too.</a:t>
+            </a:r>
+          </a:p>
+          <a:p>
+            <a:r>
+              <a:rPr lang="en-US" dirty="0"/>
+              <a:t>Whoever displeases them, displeases me too. </a:t>
             </a:r>
           </a:p>
         </p:txBody>
@@ -19582,9 +20640,18 @@
   <p:clrMapOvr>
     <a:masterClrMapping/>
   </p:clrMapOvr>
-  <p:transition>
-    <p:fade/>
-  </p:transition>
+  <mc:AlternateContent xmlns:mc="http://schemas.openxmlformats.org/markup-compatibility/2006" xmlns:p14="http://schemas.microsoft.com/office/powerpoint/2010/main">
+    <mc:Choice Requires="p14">
+      <p:transition p14:dur="300">
+        <p:fade/>
+      </p:transition>
+    </mc:Choice>
+    <mc:Fallback xmlns="">
+      <p:transition>
+        <p:fade/>
+      </p:transition>
+    </mc:Fallback>
+  </mc:AlternateContent>
 </p:sld>
 </file>
 
@@ -19666,10 +20733,9 @@
           <a:lstStyle/>
           <a:p>
             <a:r>
-              <a:rPr lang="en-US"/>
-              <a:t>"Peace be on you, Fatimah"</a:t>
-            </a:r>
-            <a:endParaRPr lang="en-US" dirty="0"/>
+              <a:rPr lang="en-US" dirty="0"/>
+              <a:t>“Peace be on you, Fatimah.”</a:t>
+            </a:r>
           </a:p>
         </p:txBody>
       </p:sp>
@@ -19678,9 +20744,18 @@
   <p:clrMapOvr>
     <a:masterClrMapping/>
   </p:clrMapOvr>
-  <p:transition>
-    <p:fade/>
-  </p:transition>
+  <mc:AlternateContent xmlns:mc="http://schemas.openxmlformats.org/markup-compatibility/2006" xmlns:p14="http://schemas.microsoft.com/office/powerpoint/2010/main">
+    <mc:Choice Requires="p14">
+      <p:transition p14:dur="300">
+        <p:fade/>
+      </p:transition>
+    </mc:Choice>
+    <mc:Fallback xmlns="">
+      <p:transition>
+        <p:fade/>
+      </p:transition>
+    </mc:Fallback>
+  </mc:AlternateContent>
 </p:sld>
 </file>
 
@@ -19706,7 +20781,7 @@
           <p:cNvPr id="11" name="Title 3">
             <a:extLst>
               <a:ext uri="{FF2B5EF4-FFF2-40B4-BE49-F238E27FC236}">
-                <a16:creationId xmlns:a16="http://schemas.microsoft.com/office/drawing/2014/main" id="{12F6548A-AFE0-E30D-33A1-F4DF1B239A6C}"/>
+                <a16:creationId xmlns:a16="http://schemas.microsoft.com/office/drawing/2014/main" id="{F456DDB6-F121-04F0-06CD-DFE8AA28B261}"/>
               </a:ext>
             </a:extLst>
           </p:cNvPr>
@@ -19729,14 +20804,14 @@
           <a:p>
             <a:r>
               <a:rPr lang="ar-SA" dirty="0"/>
-              <a:t>وَعَدُوٌّ لِمَنْ عَاداهُمْ</a:t>
+              <a:t>أَنَا حَرْبٌ لِمَنْ حارَبَهُمْ</a:t>
             </a:r>
             <a:br>
               <a:rPr lang="ar-SA" dirty="0"/>
             </a:br>
             <a:r>
               <a:rPr lang="ar-SA" dirty="0"/>
-              <a:t>وَمُحِبٌّ لِمَنْ أَحَبَّهُمْ</a:t>
+              <a:t>وَسِلْمٌ لِمَنْ سالَمَهُمْ </a:t>
             </a:r>
             <a:endParaRPr lang="en-US" dirty="0"/>
           </a:p>
@@ -19747,7 +20822,7 @@
           <p:cNvPr id="12" name="Subtitle 4">
             <a:extLst>
               <a:ext uri="{FF2B5EF4-FFF2-40B4-BE49-F238E27FC236}">
-                <a16:creationId xmlns:a16="http://schemas.microsoft.com/office/drawing/2014/main" id="{DC65B5AF-7AAC-6A51-ABC9-EF29C429E4CE}"/>
+                <a16:creationId xmlns:a16="http://schemas.microsoft.com/office/drawing/2014/main" id="{13CD90AD-1024-91BD-89FC-D52C58D9CE46}"/>
               </a:ext>
             </a:extLst>
           </p:cNvPr>
@@ -19770,7 +20845,7 @@
           <a:p>
             <a:r>
               <a:rPr lang="en-US" dirty="0"/>
-              <a:t>I am the enemy of their enemies, and I am the friend of their friends. </a:t>
+              <a:t>I am at war with those who are at war with them. I am at peace with those who are at peace with them.</a:t>
             </a:r>
           </a:p>
         </p:txBody>
@@ -19780,9 +20855,18 @@
   <p:clrMapOvr>
     <a:masterClrMapping/>
   </p:clrMapOvr>
-  <p:transition>
-    <p:fade/>
-  </p:transition>
+  <mc:AlternateContent xmlns:mc="http://schemas.openxmlformats.org/markup-compatibility/2006" xmlns:p14="http://schemas.microsoft.com/office/powerpoint/2010/main">
+    <mc:Choice Requires="p14">
+      <p:transition p14:dur="300">
+        <p:fade/>
+      </p:transition>
+    </mc:Choice>
+    <mc:Fallback xmlns="">
+      <p:transition>
+        <p:fade/>
+      </p:transition>
+    </mc:Fallback>
+  </mc:AlternateContent>
 </p:sld>
 </file>
 
@@ -19808,7 +20892,7 @@
           <p:cNvPr id="11" name="Title 3">
             <a:extLst>
               <a:ext uri="{FF2B5EF4-FFF2-40B4-BE49-F238E27FC236}">
-                <a16:creationId xmlns:a16="http://schemas.microsoft.com/office/drawing/2014/main" id="{6CC87804-209E-DBE2-62A3-44C45B4FCF61}"/>
+                <a16:creationId xmlns:a16="http://schemas.microsoft.com/office/drawing/2014/main" id="{12F6548A-AFE0-E30D-33A1-F4DF1B239A6C}"/>
               </a:ext>
             </a:extLst>
           </p:cNvPr>
@@ -19830,8 +20914,15 @@
           <a:lstStyle/>
           <a:p>
             <a:r>
-              <a:rPr lang="ar-SA"/>
-              <a:t>إِنَّهُمْ مِنِّي وَأَنَا مِنْهُمْ </a:t>
+              <a:rPr lang="ar-SA" dirty="0"/>
+              <a:t>وَعَدُوٌّ لِمَنْ عَاداهُمْ</a:t>
+            </a:r>
+            <a:br>
+              <a:rPr lang="ar-SA" dirty="0"/>
+            </a:br>
+            <a:r>
+              <a:rPr lang="ar-SA" dirty="0"/>
+              <a:t>وَمُحِبٌّ لِمَنْ أَحَبَّهُمْ</a:t>
             </a:r>
             <a:endParaRPr lang="en-US" dirty="0"/>
           </a:p>
@@ -19842,7 +20933,7 @@
           <p:cNvPr id="12" name="Subtitle 4">
             <a:extLst>
               <a:ext uri="{FF2B5EF4-FFF2-40B4-BE49-F238E27FC236}">
-                <a16:creationId xmlns:a16="http://schemas.microsoft.com/office/drawing/2014/main" id="{22CEFCCE-BEA6-613B-714C-0D48936465F8}"/>
+                <a16:creationId xmlns:a16="http://schemas.microsoft.com/office/drawing/2014/main" id="{DC65B5AF-7AAC-6A51-ABC9-EF29C429E4CE}"/>
               </a:ext>
             </a:extLst>
           </p:cNvPr>
@@ -19865,7 +20956,7 @@
           <a:p>
             <a:r>
               <a:rPr lang="en-US" dirty="0"/>
-              <a:t>They are from me, and I am from them. </a:t>
+              <a:t>I am the enemy of their enemies, and I am the friend of their friends. </a:t>
             </a:r>
           </a:p>
         </p:txBody>
@@ -19875,9 +20966,18 @@
   <p:clrMapOvr>
     <a:masterClrMapping/>
   </p:clrMapOvr>
-  <p:transition>
-    <p:fade/>
-  </p:transition>
+  <mc:AlternateContent xmlns:mc="http://schemas.openxmlformats.org/markup-compatibility/2006" xmlns:p14="http://schemas.microsoft.com/office/powerpoint/2010/main">
+    <mc:Choice Requires="p14">
+      <p:transition p14:dur="300">
+        <p:fade/>
+      </p:transition>
+    </mc:Choice>
+    <mc:Fallback xmlns="">
+      <p:transition>
+        <p:fade/>
+      </p:transition>
+    </mc:Fallback>
+  </mc:AlternateContent>
 </p:sld>
 </file>
 
@@ -19903,7 +21003,7 @@
           <p:cNvPr id="11" name="Title 3">
             <a:extLst>
               <a:ext uri="{FF2B5EF4-FFF2-40B4-BE49-F238E27FC236}">
-                <a16:creationId xmlns:a16="http://schemas.microsoft.com/office/drawing/2014/main" id="{AAD248FD-3177-57CB-E76C-21E10C4C63DC}"/>
+                <a16:creationId xmlns:a16="http://schemas.microsoft.com/office/drawing/2014/main" id="{6CC87804-209E-DBE2-62A3-44C45B4FCF61}"/>
               </a:ext>
             </a:extLst>
           </p:cNvPr>
@@ -19926,7 +21026,7 @@
           <a:p>
             <a:r>
               <a:rPr lang="ar-SA"/>
-              <a:t>فَاجْعَلْ صَلَواتِكَ وَبَرَكاتِكَ وَرَحْمَتَكَ</a:t>
+              <a:t>إِنَّهُمْ مِنِّي وَأَنَا مِنْهُمْ </a:t>
             </a:r>
             <a:endParaRPr lang="en-US" dirty="0"/>
           </a:p>
@@ -19937,7 +21037,7 @@
           <p:cNvPr id="12" name="Subtitle 4">
             <a:extLst>
               <a:ext uri="{FF2B5EF4-FFF2-40B4-BE49-F238E27FC236}">
-                <a16:creationId xmlns:a16="http://schemas.microsoft.com/office/drawing/2014/main" id="{58749145-1EB9-01DA-FF96-BD6E6A2B4C65}"/>
+                <a16:creationId xmlns:a16="http://schemas.microsoft.com/office/drawing/2014/main" id="{22CEFCCE-BEA6-613B-714C-0D48936465F8}"/>
               </a:ext>
             </a:extLst>
           </p:cNvPr>
@@ -19959,10 +21059,9 @@
           <a:lstStyle/>
           <a:p>
             <a:r>
-              <a:rPr lang="en-US"/>
-              <a:t>O Allah! Bestow Your Blessings, Benevolence, </a:t>
-            </a:r>
-            <a:endParaRPr lang="en-US" dirty="0"/>
+              <a:rPr lang="en-US" dirty="0"/>
+              <a:t>They are from me, and I am from them. </a:t>
+            </a:r>
           </a:p>
         </p:txBody>
       </p:sp>
@@ -19971,9 +21070,18 @@
   <p:clrMapOvr>
     <a:masterClrMapping/>
   </p:clrMapOvr>
-  <p:transition>
-    <p:fade/>
-  </p:transition>
+  <mc:AlternateContent xmlns:mc="http://schemas.openxmlformats.org/markup-compatibility/2006" xmlns:p14="http://schemas.microsoft.com/office/powerpoint/2010/main">
+    <mc:Choice Requires="p14">
+      <p:transition p14:dur="300">
+        <p:fade/>
+      </p:transition>
+    </mc:Choice>
+    <mc:Fallback xmlns="">
+      <p:transition>
+        <p:fade/>
+      </p:transition>
+    </mc:Fallback>
+  </mc:AlternateContent>
 </p:sld>
 </file>
 
@@ -19999,7 +21107,7 @@
           <p:cNvPr id="11" name="Title 3">
             <a:extLst>
               <a:ext uri="{FF2B5EF4-FFF2-40B4-BE49-F238E27FC236}">
-                <a16:creationId xmlns:a16="http://schemas.microsoft.com/office/drawing/2014/main" id="{AD69D865-12F2-E860-BC31-48512C9324E2}"/>
+                <a16:creationId xmlns:a16="http://schemas.microsoft.com/office/drawing/2014/main" id="{AAD248FD-3177-57CB-E76C-21E10C4C63DC}"/>
               </a:ext>
             </a:extLst>
           </p:cNvPr>
@@ -20021,23 +21129,8 @@
           <a:lstStyle/>
           <a:p>
             <a:r>
-              <a:rPr lang="ar-SA" dirty="0"/>
-              <a:t>وَغُفْرانَكَ </a:t>
-            </a:r>
-            <a:r>
-              <a:rPr lang="ar-SA" dirty="0" err="1"/>
-              <a:t>وَرِضْوانَكَ</a:t>
-            </a:r>
-            <a:r>
-              <a:rPr lang="ar-SA" dirty="0"/>
-              <a:t> عَلَيَّ وَعَلَيْهِمْ</a:t>
-            </a:r>
-            <a:br>
-              <a:rPr lang="ar-SA" dirty="0"/>
-            </a:br>
-            <a:r>
-              <a:rPr lang="ar-SA" dirty="0"/>
-              <a:t>وَأَذْهِبْ عَنْهُمُ الرِّجْسَ وَطَهِّرْهُمْ تَطْهِيراً</a:t>
+              <a:rPr lang="ar-SA"/>
+              <a:t>فَاجْعَلْ صَلَواتِكَ وَبَرَكاتِكَ وَرَحْمَتَكَ</a:t>
             </a:r>
             <a:endParaRPr lang="en-US" dirty="0"/>
           </a:p>
@@ -20048,7 +21141,7 @@
           <p:cNvPr id="12" name="Subtitle 4">
             <a:extLst>
               <a:ext uri="{FF2B5EF4-FFF2-40B4-BE49-F238E27FC236}">
-                <a16:creationId xmlns:a16="http://schemas.microsoft.com/office/drawing/2014/main" id="{E3AAC1FA-54B9-DAE7-B963-AD318E7A1ADB}"/>
+                <a16:creationId xmlns:a16="http://schemas.microsoft.com/office/drawing/2014/main" id="{58749145-1EB9-01DA-FF96-BD6E6A2B4C65}"/>
               </a:ext>
             </a:extLst>
           </p:cNvPr>
@@ -20070,9 +21163,10 @@
           <a:lstStyle/>
           <a:p>
             <a:r>
-              <a:rPr lang="en-US" dirty="0"/>
-              <a:t>Forgiveness, and pleasure upon me and upon them. And keep them away from impurity (and flaws) and keep them thoroughly purified"</a:t>
-            </a:r>
+              <a:rPr lang="en-US"/>
+              <a:t>O Allah! Bestow Your Blessings, Benevolence, </a:t>
+            </a:r>
+            <a:endParaRPr lang="en-US" dirty="0"/>
           </a:p>
         </p:txBody>
       </p:sp>
@@ -20081,9 +21175,18 @@
   <p:clrMapOvr>
     <a:masterClrMapping/>
   </p:clrMapOvr>
-  <p:transition>
-    <p:fade/>
-  </p:transition>
+  <mc:AlternateContent xmlns:mc="http://schemas.openxmlformats.org/markup-compatibility/2006" xmlns:p14="http://schemas.microsoft.com/office/powerpoint/2010/main">
+    <mc:Choice Requires="p14">
+      <p:transition p14:dur="300">
+        <p:fade/>
+      </p:transition>
+    </mc:Choice>
+    <mc:Fallback xmlns="">
+      <p:transition>
+        <p:fade/>
+      </p:transition>
+    </mc:Fallback>
+  </mc:AlternateContent>
 </p:sld>
 </file>
 
@@ -20109,7 +21212,7 @@
           <p:cNvPr id="11" name="Title 3">
             <a:extLst>
               <a:ext uri="{FF2B5EF4-FFF2-40B4-BE49-F238E27FC236}">
-                <a16:creationId xmlns:a16="http://schemas.microsoft.com/office/drawing/2014/main" id="{4E604A7F-4B49-4FDE-B247-CED3E88C9DED}"/>
+                <a16:creationId xmlns:a16="http://schemas.microsoft.com/office/drawing/2014/main" id="{AD69D865-12F2-E860-BC31-48512C9324E2}"/>
               </a:ext>
             </a:extLst>
           </p:cNvPr>
@@ -20132,7 +21235,22 @@
           <a:p>
             <a:r>
               <a:rPr lang="ar-SA" dirty="0"/>
-              <a:t>أَللّٰهُمَّ صَلِّ عَلٰى مُحَمَّدٍ وَآلِ مُحَمَّدٍ</a:t>
+              <a:t>وَغُفْرانَكَ </a:t>
+            </a:r>
+            <a:r>
+              <a:rPr lang="ar-SA" dirty="0" err="1"/>
+              <a:t>وَرِضْوانَكَ</a:t>
+            </a:r>
+            <a:r>
+              <a:rPr lang="ar-SA" dirty="0"/>
+              <a:t> عَلَيَّ وَعَلَيْهِمْ</a:t>
+            </a:r>
+            <a:br>
+              <a:rPr lang="ar-SA" dirty="0"/>
+            </a:br>
+            <a:r>
+              <a:rPr lang="ar-SA" dirty="0"/>
+              <a:t>وَأَذْهِبْ عَنْهُمُ الرِّجْسَ وَطَهِّرْهُمْ تَطْهِيراً</a:t>
             </a:r>
             <a:endParaRPr lang="en-US" dirty="0"/>
           </a:p>
@@ -20143,7 +21261,7 @@
           <p:cNvPr id="12" name="Subtitle 4">
             <a:extLst>
               <a:ext uri="{FF2B5EF4-FFF2-40B4-BE49-F238E27FC236}">
-                <a16:creationId xmlns:a16="http://schemas.microsoft.com/office/drawing/2014/main" id="{0A3FC473-E56A-4E2F-BE7C-7E2CF70D6289}"/>
+                <a16:creationId xmlns:a16="http://schemas.microsoft.com/office/drawing/2014/main" id="{E3AAC1FA-54B9-DAE7-B963-AD318E7A1ADB}"/>
               </a:ext>
             </a:extLst>
           </p:cNvPr>
@@ -20166,38 +21284,28 @@
           <a:p>
             <a:r>
               <a:rPr lang="en-US" dirty="0"/>
-              <a:t>O' </a:t>
-            </a:r>
-            <a:r>
-              <a:rPr lang="en-US" dirty="0" err="1"/>
-              <a:t>Alláh</a:t>
-            </a:r>
-            <a:r>
-              <a:rPr lang="en-US" dirty="0"/>
-              <a:t> send Your blessings on Muhammad</a:t>
-            </a:r>
-          </a:p>
-          <a:p>
-            <a:r>
-              <a:rPr lang="en-US" dirty="0"/>
-              <a:t>and the family of Muhammad.</a:t>
+              <a:t>Forgiveness, and pleasure upon me and upon them. And keep them away from impurity (and flaws) and keep them thoroughly purified.”</a:t>
             </a:r>
           </a:p>
         </p:txBody>
       </p:sp>
     </p:spTree>
-    <p:extLst>
-      <p:ext uri="{BB962C8B-B14F-4D97-AF65-F5344CB8AC3E}">
-        <p14:creationId xmlns:p14="http://schemas.microsoft.com/office/powerpoint/2010/main" val="736334531"/>
-      </p:ext>
-    </p:extLst>
   </p:cSld>
   <p:clrMapOvr>
     <a:masterClrMapping/>
   </p:clrMapOvr>
-  <p:transition>
-    <p:fade/>
-  </p:transition>
+  <mc:AlternateContent xmlns:mc="http://schemas.openxmlformats.org/markup-compatibility/2006" xmlns:p14="http://schemas.microsoft.com/office/powerpoint/2010/main">
+    <mc:Choice Requires="p14">
+      <p:transition p14:dur="300">
+        <p:fade/>
+      </p:transition>
+    </mc:Choice>
+    <mc:Fallback xmlns="">
+      <p:transition>
+        <p:fade/>
+      </p:transition>
+    </mc:Fallback>
+  </mc:AlternateContent>
 </p:sld>
 </file>
 
@@ -20223,7 +21331,7 @@
           <p:cNvPr id="11" name="Title 3">
             <a:extLst>
               <a:ext uri="{FF2B5EF4-FFF2-40B4-BE49-F238E27FC236}">
-                <a16:creationId xmlns:a16="http://schemas.microsoft.com/office/drawing/2014/main" id="{E464C848-BC6F-266D-CE9E-A702230BFFF7}"/>
+                <a16:creationId xmlns:a16="http://schemas.microsoft.com/office/drawing/2014/main" id="{4E604A7F-4B49-4FDE-B247-CED3E88C9DED}"/>
               </a:ext>
             </a:extLst>
           </p:cNvPr>
@@ -20246,7 +21354,7 @@
           <a:p>
             <a:r>
               <a:rPr lang="ar-SA" dirty="0"/>
-              <a:t>فَقالَ اللّهُ عَزَّوَجَلَّ</a:t>
+              <a:t>أَللّٰهُمَّ صَلِّ عَلٰى مُحَمَّدٍ وَآلِ مُحَمَّدٍ</a:t>
             </a:r>
             <a:endParaRPr lang="en-US" dirty="0"/>
           </a:p>
@@ -20257,7 +21365,7 @@
           <p:cNvPr id="12" name="Subtitle 4">
             <a:extLst>
               <a:ext uri="{FF2B5EF4-FFF2-40B4-BE49-F238E27FC236}">
-                <a16:creationId xmlns:a16="http://schemas.microsoft.com/office/drawing/2014/main" id="{EBBA0FFE-A104-2A41-31E5-54C7A1EE2F67}"/>
+                <a16:creationId xmlns:a16="http://schemas.microsoft.com/office/drawing/2014/main" id="{0A3FC473-E56A-4E2F-BE7C-7E2CF70D6289}"/>
               </a:ext>
             </a:extLst>
           </p:cNvPr>
@@ -20280,19 +21388,39 @@
           <a:p>
             <a:r>
               <a:rPr lang="en-US" dirty="0"/>
-              <a:t>Then the Lord, Almighty Allah said:</a:t>
+              <a:t>O' Allah send Your blessings on Muhammad</a:t>
+            </a:r>
+          </a:p>
+          <a:p>
+            <a:r>
+              <a:rPr lang="en-US" dirty="0"/>
+              <a:t>and the family of Muhammad.</a:t>
             </a:r>
           </a:p>
         </p:txBody>
       </p:sp>
     </p:spTree>
+    <p:extLst>
+      <p:ext uri="{BB962C8B-B14F-4D97-AF65-F5344CB8AC3E}">
+        <p14:creationId xmlns:p14="http://schemas.microsoft.com/office/powerpoint/2010/main" val="736334531"/>
+      </p:ext>
+    </p:extLst>
   </p:cSld>
   <p:clrMapOvr>
     <a:masterClrMapping/>
   </p:clrMapOvr>
-  <p:transition>
-    <p:fade/>
-  </p:transition>
+  <mc:AlternateContent xmlns:mc="http://schemas.openxmlformats.org/markup-compatibility/2006" xmlns:p14="http://schemas.microsoft.com/office/powerpoint/2010/main">
+    <mc:Choice Requires="p14">
+      <p:transition p14:dur="300">
+        <p:fade/>
+      </p:transition>
+    </mc:Choice>
+    <mc:Fallback xmlns="">
+      <p:transition>
+        <p:fade/>
+      </p:transition>
+    </mc:Fallback>
+  </mc:AlternateContent>
 </p:sld>
 </file>
 
@@ -20318,7 +21446,7 @@
           <p:cNvPr id="11" name="Title 3">
             <a:extLst>
               <a:ext uri="{FF2B5EF4-FFF2-40B4-BE49-F238E27FC236}">
-                <a16:creationId xmlns:a16="http://schemas.microsoft.com/office/drawing/2014/main" id="{7D394E9D-5565-D9C0-AEAD-D1E466D1B3C9}"/>
+                <a16:creationId xmlns:a16="http://schemas.microsoft.com/office/drawing/2014/main" id="{E464C848-BC6F-266D-CE9E-A702230BFFF7}"/>
               </a:ext>
             </a:extLst>
           </p:cNvPr>
@@ -20341,15 +21469,7 @@
           <a:p>
             <a:r>
               <a:rPr lang="ar-SA" dirty="0"/>
-              <a:t>يَا مَلائِكَتِي وَيَا سُكَّانَ </a:t>
-            </a:r>
-            <a:r>
-              <a:rPr lang="ar-SA" dirty="0" err="1"/>
-              <a:t>سَمٰواتِي</a:t>
-            </a:r>
-            <a:r>
-              <a:rPr lang="ar-SA" dirty="0"/>
-              <a:t> </a:t>
+              <a:t>فَقالَ اللّهُ عَزَّوَجَلَّ</a:t>
             </a:r>
             <a:endParaRPr lang="en-US" dirty="0"/>
           </a:p>
@@ -20360,7 +21480,7 @@
           <p:cNvPr id="12" name="Subtitle 4">
             <a:extLst>
               <a:ext uri="{FF2B5EF4-FFF2-40B4-BE49-F238E27FC236}">
-                <a16:creationId xmlns:a16="http://schemas.microsoft.com/office/drawing/2014/main" id="{8FF51482-22E3-754D-8E3C-190F244BAFD4}"/>
+                <a16:creationId xmlns:a16="http://schemas.microsoft.com/office/drawing/2014/main" id="{EBBA0FFE-A104-2A41-31E5-54C7A1EE2F67}"/>
               </a:ext>
             </a:extLst>
           </p:cNvPr>
@@ -20382,10 +21502,9 @@
           <a:lstStyle/>
           <a:p>
             <a:r>
-              <a:rPr lang="en-US"/>
-              <a:t>"O My angels! O Residents of My Heavens, </a:t>
-            </a:r>
-            <a:endParaRPr lang="en-US" dirty="0"/>
+              <a:rPr lang="en-US" dirty="0"/>
+              <a:t>Then the Lord, Almighty Allah said:</a:t>
+            </a:r>
           </a:p>
         </p:txBody>
       </p:sp>
@@ -20394,9 +21513,18 @@
   <p:clrMapOvr>
     <a:masterClrMapping/>
   </p:clrMapOvr>
-  <p:transition>
-    <p:fade/>
-  </p:transition>
+  <mc:AlternateContent xmlns:mc="http://schemas.openxmlformats.org/markup-compatibility/2006" xmlns:p14="http://schemas.microsoft.com/office/powerpoint/2010/main">
+    <mc:Choice Requires="p14">
+      <p:transition p14:dur="300">
+        <p:fade/>
+      </p:transition>
+    </mc:Choice>
+    <mc:Fallback xmlns="">
+      <p:transition>
+        <p:fade/>
+      </p:transition>
+    </mc:Fallback>
+  </mc:AlternateContent>
 </p:sld>
 </file>
 
@@ -20422,7 +21550,7 @@
           <p:cNvPr id="11" name="Title 3">
             <a:extLst>
               <a:ext uri="{FF2B5EF4-FFF2-40B4-BE49-F238E27FC236}">
-                <a16:creationId xmlns:a16="http://schemas.microsoft.com/office/drawing/2014/main" id="{CAB9374B-F6D5-DB5D-E059-8DB46492315E}"/>
+                <a16:creationId xmlns:a16="http://schemas.microsoft.com/office/drawing/2014/main" id="{7D394E9D-5565-D9C0-AEAD-D1E466D1B3C9}"/>
               </a:ext>
             </a:extLst>
           </p:cNvPr>
@@ -20445,14 +21573,15 @@
           <a:p>
             <a:r>
               <a:rPr lang="ar-SA" dirty="0"/>
-              <a:t>إِنِّي مَا خَلَقْتُ سَماءً مَبْنِيَّةً</a:t>
-            </a:r>
-            <a:br>
+              <a:t>يَا مَلائِكَتِي وَيَا سُكَّانَ </a:t>
+            </a:r>
+            <a:r>
+              <a:rPr lang="ar-SA" dirty="0" err="1"/>
+              <a:t>سَمٰواتِي</a:t>
+            </a:r>
+            <a:r>
               <a:rPr lang="ar-SA" dirty="0"/>
-            </a:br>
-            <a:r>
-              <a:rPr lang="ar-SA" dirty="0"/>
-              <a:t>وَلاَ أَرْضاً مَدْحِيَّةً</a:t>
+              <a:t> </a:t>
             </a:r>
             <a:endParaRPr lang="en-US" dirty="0"/>
           </a:p>
@@ -20463,7 +21592,7 @@
           <p:cNvPr id="12" name="Subtitle 4">
             <a:extLst>
               <a:ext uri="{FF2B5EF4-FFF2-40B4-BE49-F238E27FC236}">
-                <a16:creationId xmlns:a16="http://schemas.microsoft.com/office/drawing/2014/main" id="{6BE732D2-5A76-5362-6156-41185E3B9A7D}"/>
+                <a16:creationId xmlns:a16="http://schemas.microsoft.com/office/drawing/2014/main" id="{8FF51482-22E3-754D-8E3C-190F244BAFD4}"/>
               </a:ext>
             </a:extLst>
           </p:cNvPr>
@@ -20486,7 +21615,7 @@
           <a:p>
             <a:r>
               <a:rPr lang="en-US" dirty="0"/>
-              <a:t>verily, I have not created the erected sky, the stretched earth,</a:t>
+              <a:t>“O My angels! O Residents of My Heavens, </a:t>
             </a:r>
           </a:p>
         </p:txBody>
@@ -20496,9 +21625,18 @@
   <p:clrMapOvr>
     <a:masterClrMapping/>
   </p:clrMapOvr>
-  <p:transition>
-    <p:fade/>
-  </p:transition>
+  <mc:AlternateContent xmlns:mc="http://schemas.openxmlformats.org/markup-compatibility/2006" xmlns:p14="http://schemas.microsoft.com/office/powerpoint/2010/main">
+    <mc:Choice Requires="p14">
+      <p:transition p14:dur="300">
+        <p:fade/>
+      </p:transition>
+    </mc:Choice>
+    <mc:Fallback xmlns="">
+      <p:transition>
+        <p:fade/>
+      </p:transition>
+    </mc:Fallback>
+  </mc:AlternateContent>
 </p:sld>
 </file>
 
@@ -20524,7 +21662,7 @@
           <p:cNvPr id="11" name="Title 3">
             <a:extLst>
               <a:ext uri="{FF2B5EF4-FFF2-40B4-BE49-F238E27FC236}">
-                <a16:creationId xmlns:a16="http://schemas.microsoft.com/office/drawing/2014/main" id="{AFBE7197-C5EF-B470-BB15-D61036004341}"/>
+                <a16:creationId xmlns:a16="http://schemas.microsoft.com/office/drawing/2014/main" id="{CAB9374B-F6D5-DB5D-E059-8DB46492315E}"/>
               </a:ext>
             </a:extLst>
           </p:cNvPr>
@@ -20547,14 +21685,14 @@
           <a:p>
             <a:r>
               <a:rPr lang="ar-SA" dirty="0"/>
-              <a:t>وَلاَ قَمَراً مُنِيراً وَلاَ شَمْساً مُضِيئَةً</a:t>
+              <a:t>إِنِّي مَا خَلَقْتُ سَماءً مَبْنِيَّةً</a:t>
             </a:r>
             <a:br>
               <a:rPr lang="ar-SA" dirty="0"/>
             </a:br>
             <a:r>
               <a:rPr lang="ar-SA" dirty="0"/>
-              <a:t>وَلاَ فَلَكاً يَدُورُ وَلاَ بَحْراً يَجْرِي وَلاَ فُلْكاً يَسْرِي </a:t>
+              <a:t>وَلاَ أَرْضاً مَدْحِيَّةً</a:t>
             </a:r>
             <a:endParaRPr lang="en-US" dirty="0"/>
           </a:p>
@@ -20565,7 +21703,7 @@
           <p:cNvPr id="12" name="Subtitle 4">
             <a:extLst>
               <a:ext uri="{FF2B5EF4-FFF2-40B4-BE49-F238E27FC236}">
-                <a16:creationId xmlns:a16="http://schemas.microsoft.com/office/drawing/2014/main" id="{35E0BCDA-6DA6-C3CD-C8D5-8903509586C0}"/>
+                <a16:creationId xmlns:a16="http://schemas.microsoft.com/office/drawing/2014/main" id="{6BE732D2-5A76-5362-6156-41185E3B9A7D}"/>
               </a:ext>
             </a:extLst>
           </p:cNvPr>
@@ -20588,7 +21726,7 @@
           <a:p>
             <a:r>
               <a:rPr lang="en-US" dirty="0"/>
-              <a:t>the illuminated moon, the bright sun, the rotating planets, the flowing seas and the sailing ships,</a:t>
+              <a:t>verily, I have not created the erected sky, the stretched earth,</a:t>
             </a:r>
           </a:p>
         </p:txBody>
@@ -20598,9 +21736,18 @@
   <p:clrMapOvr>
     <a:masterClrMapping/>
   </p:clrMapOvr>
-  <p:transition>
-    <p:fade/>
-  </p:transition>
+  <mc:AlternateContent xmlns:mc="http://schemas.openxmlformats.org/markup-compatibility/2006" xmlns:p14="http://schemas.microsoft.com/office/powerpoint/2010/main">
+    <mc:Choice Requires="p14">
+      <p:transition p14:dur="300">
+        <p:fade/>
+      </p:transition>
+    </mc:Choice>
+    <mc:Fallback xmlns="">
+      <p:transition>
+        <p:fade/>
+      </p:transition>
+    </mc:Fallback>
+  </mc:AlternateContent>
 </p:sld>
 </file>
 
@@ -20626,7 +21773,7 @@
           <p:cNvPr id="11" name="Title 3">
             <a:extLst>
               <a:ext uri="{FF2B5EF4-FFF2-40B4-BE49-F238E27FC236}">
-                <a16:creationId xmlns:a16="http://schemas.microsoft.com/office/drawing/2014/main" id="{7CDC1903-7CB7-3E47-B87D-EAF40862415C}"/>
+                <a16:creationId xmlns:a16="http://schemas.microsoft.com/office/drawing/2014/main" id="{AFBE7197-C5EF-B470-BB15-D61036004341}"/>
               </a:ext>
             </a:extLst>
           </p:cNvPr>
@@ -20649,14 +21796,14 @@
           <a:p>
             <a:r>
               <a:rPr lang="ar-SA" dirty="0"/>
-              <a:t>إِلَّا فِي مَحَبَّةِ هَؤلاءِ الْخَمْسَةِ</a:t>
+              <a:t>وَلاَ قَمَراً مُنِيراً وَلاَ شَمْساً مُضِيئَةً</a:t>
             </a:r>
             <a:br>
               <a:rPr lang="ar-SA" dirty="0"/>
             </a:br>
             <a:r>
               <a:rPr lang="ar-SA" dirty="0"/>
-              <a:t>الَّذِينَ هُمْ تَحْتَ الْكِساءِ</a:t>
+              <a:t>وَلاَ فَلَكاً يَدُورُ وَلاَ بَحْراً يَجْرِي وَلاَ فُلْكاً يَسْرِي </a:t>
             </a:r>
             <a:endParaRPr lang="en-US" dirty="0"/>
           </a:p>
@@ -20667,7 +21814,7 @@
           <p:cNvPr id="12" name="Subtitle 4">
             <a:extLst>
               <a:ext uri="{FF2B5EF4-FFF2-40B4-BE49-F238E27FC236}">
-                <a16:creationId xmlns:a16="http://schemas.microsoft.com/office/drawing/2014/main" id="{8F0678FB-8543-2722-C27A-E111892BCE6B}"/>
+                <a16:creationId xmlns:a16="http://schemas.microsoft.com/office/drawing/2014/main" id="{35E0BCDA-6DA6-C3CD-C8D5-8903509586C0}"/>
               </a:ext>
             </a:extLst>
           </p:cNvPr>
@@ -20689,10 +21836,9 @@
           <a:lstStyle/>
           <a:p>
             <a:r>
-              <a:rPr lang="en-US"/>
-              <a:t>but for the love of these Five underneath the cloak"</a:t>
-            </a:r>
-            <a:endParaRPr lang="en-US" dirty="0"/>
+              <a:rPr lang="en-US" dirty="0"/>
+              <a:t>the illuminated moon, the bright sun, the rotating planets, the flowing seas and the sailing ships,</a:t>
+            </a:r>
           </a:p>
         </p:txBody>
       </p:sp>
@@ -20701,9 +21847,18 @@
   <p:clrMapOvr>
     <a:masterClrMapping/>
   </p:clrMapOvr>
-  <p:transition>
-    <p:fade/>
-  </p:transition>
+  <mc:AlternateContent xmlns:mc="http://schemas.openxmlformats.org/markup-compatibility/2006" xmlns:p14="http://schemas.microsoft.com/office/powerpoint/2010/main">
+    <mc:Choice Requires="p14">
+      <p:transition p14:dur="300">
+        <p:fade/>
+      </p:transition>
+    </mc:Choice>
+    <mc:Fallback xmlns="">
+      <p:transition>
+        <p:fade/>
+      </p:transition>
+    </mc:Fallback>
+  </mc:AlternateContent>
 </p:sld>
 </file>
 
@@ -20785,10 +21940,9 @@
           <a:lstStyle/>
           <a:p>
             <a:r>
-              <a:rPr lang="en-US"/>
-              <a:t>I replied : "And upon you be peace"</a:t>
-            </a:r>
-            <a:endParaRPr lang="en-US" dirty="0"/>
+              <a:rPr lang="en-US" dirty="0"/>
+              <a:t>I replied, “And upon you be peace.”</a:t>
+            </a:r>
           </a:p>
         </p:txBody>
       </p:sp>
@@ -20797,9 +21951,18 @@
   <p:clrMapOvr>
     <a:masterClrMapping/>
   </p:clrMapOvr>
-  <p:transition>
-    <p:fade/>
-  </p:transition>
+  <mc:AlternateContent xmlns:mc="http://schemas.openxmlformats.org/markup-compatibility/2006" xmlns:p14="http://schemas.microsoft.com/office/powerpoint/2010/main">
+    <mc:Choice Requires="p14">
+      <p:transition p14:dur="300">
+        <p:fade/>
+      </p:transition>
+    </mc:Choice>
+    <mc:Fallback xmlns="">
+      <p:transition>
+        <p:fade/>
+      </p:transition>
+    </mc:Fallback>
+  </mc:AlternateContent>
 </p:sld>
 </file>
 
@@ -20825,7 +21988,7 @@
           <p:cNvPr id="11" name="Title 3">
             <a:extLst>
               <a:ext uri="{FF2B5EF4-FFF2-40B4-BE49-F238E27FC236}">
-                <a16:creationId xmlns:a16="http://schemas.microsoft.com/office/drawing/2014/main" id="{848C1EE1-D952-239D-66CD-B2272BB59793}"/>
+                <a16:creationId xmlns:a16="http://schemas.microsoft.com/office/drawing/2014/main" id="{7CDC1903-7CB7-3E47-B87D-EAF40862415C}"/>
               </a:ext>
             </a:extLst>
           </p:cNvPr>
@@ -20848,14 +22011,14 @@
           <a:p>
             <a:r>
               <a:rPr lang="ar-SA" dirty="0"/>
-              <a:t>فَقالَ الْأَمِينُ جِبْرَائِيلُ</a:t>
+              <a:t>إِلَّا فِي مَحَبَّةِ هَؤلاءِ الْخَمْسَةِ</a:t>
             </a:r>
             <a:br>
               <a:rPr lang="ar-SA" dirty="0"/>
             </a:br>
             <a:r>
               <a:rPr lang="ar-SA" dirty="0"/>
-              <a:t>يَا رَبِّ وَمَنْ تَحْتَ الْكِساءِ </a:t>
+              <a:t>الَّذِينَ هُمْ تَحْتَ الْكِساءِ</a:t>
             </a:r>
             <a:endParaRPr lang="en-US" dirty="0"/>
           </a:p>
@@ -20866,7 +22029,7 @@
           <p:cNvPr id="12" name="Subtitle 4">
             <a:extLst>
               <a:ext uri="{FF2B5EF4-FFF2-40B4-BE49-F238E27FC236}">
-                <a16:creationId xmlns:a16="http://schemas.microsoft.com/office/drawing/2014/main" id="{88AF8D68-82E3-B64F-1E4C-8E9BC787DAFC}"/>
+                <a16:creationId xmlns:a16="http://schemas.microsoft.com/office/drawing/2014/main" id="{8F0678FB-8543-2722-C27A-E111892BCE6B}"/>
               </a:ext>
             </a:extLst>
           </p:cNvPr>
@@ -20889,13 +22052,7 @@
           <a:p>
             <a:r>
               <a:rPr lang="en-US" dirty="0"/>
-              <a:t>Gabriel, the trusted angel, asked: </a:t>
-            </a:r>
-          </a:p>
-          <a:p>
-            <a:r>
-              <a:rPr lang="en-US" dirty="0"/>
-              <a:t>"Who are under the cloak?"</a:t>
+              <a:t>but for the love of these Five underneath the cloak.”</a:t>
             </a:r>
           </a:p>
         </p:txBody>
@@ -20905,9 +22062,18 @@
   <p:clrMapOvr>
     <a:masterClrMapping/>
   </p:clrMapOvr>
-  <p:transition>
-    <p:fade/>
-  </p:transition>
+  <mc:AlternateContent xmlns:mc="http://schemas.openxmlformats.org/markup-compatibility/2006" xmlns:p14="http://schemas.microsoft.com/office/powerpoint/2010/main">
+    <mc:Choice Requires="p14">
+      <p:transition p14:dur="300">
+        <p:fade/>
+      </p:transition>
+    </mc:Choice>
+    <mc:Fallback xmlns="">
+      <p:transition>
+        <p:fade/>
+      </p:transition>
+    </mc:Fallback>
+  </mc:AlternateContent>
 </p:sld>
 </file>
 
@@ -20933,7 +22099,7 @@
           <p:cNvPr id="11" name="Title 3">
             <a:extLst>
               <a:ext uri="{FF2B5EF4-FFF2-40B4-BE49-F238E27FC236}">
-                <a16:creationId xmlns:a16="http://schemas.microsoft.com/office/drawing/2014/main" id="{66CEEC98-5E2E-1664-DEC4-FEF658880557}"/>
+                <a16:creationId xmlns:a16="http://schemas.microsoft.com/office/drawing/2014/main" id="{848C1EE1-D952-239D-66CD-B2272BB59793}"/>
               </a:ext>
             </a:extLst>
           </p:cNvPr>
@@ -20956,7 +22122,14 @@
           <a:p>
             <a:r>
               <a:rPr lang="ar-SA" dirty="0"/>
-              <a:t>فَقالَ عَزَّوَجَلَّ</a:t>
+              <a:t>فَقالَ الْأَمِينُ جِبْرَائِيلُ</a:t>
+            </a:r>
+            <a:br>
+              <a:rPr lang="ar-SA" dirty="0"/>
+            </a:br>
+            <a:r>
+              <a:rPr lang="ar-SA" dirty="0"/>
+              <a:t>يَا رَبِّ وَمَنْ تَحْتَ الْكِساءِ </a:t>
             </a:r>
             <a:endParaRPr lang="en-US" dirty="0"/>
           </a:p>
@@ -20967,7 +22140,7 @@
           <p:cNvPr id="12" name="Subtitle 4">
             <a:extLst>
               <a:ext uri="{FF2B5EF4-FFF2-40B4-BE49-F238E27FC236}">
-                <a16:creationId xmlns:a16="http://schemas.microsoft.com/office/drawing/2014/main" id="{A9E3235D-A013-8156-07EE-04BC59C098D5}"/>
+                <a16:creationId xmlns:a16="http://schemas.microsoft.com/office/drawing/2014/main" id="{88AF8D68-82E3-B64F-1E4C-8E9BC787DAFC}"/>
               </a:ext>
             </a:extLst>
           </p:cNvPr>
@@ -20989,8 +22162,14 @@
           <a:lstStyle/>
           <a:p>
             <a:r>
-              <a:rPr lang="it-IT" dirty="0"/>
-              <a:t>The Almighty answered: </a:t>
+              <a:rPr lang="en-US" dirty="0"/>
+              <a:t>Gabriel, the trusted angel, asked: </a:t>
+            </a:r>
+          </a:p>
+          <a:p>
+            <a:r>
+              <a:rPr lang="en-US" dirty="0"/>
+              <a:t>“Who are under the cloak?”</a:t>
             </a:r>
           </a:p>
         </p:txBody>
@@ -21000,9 +22179,18 @@
   <p:clrMapOvr>
     <a:masterClrMapping/>
   </p:clrMapOvr>
-  <p:transition>
-    <p:fade/>
-  </p:transition>
+  <mc:AlternateContent xmlns:mc="http://schemas.openxmlformats.org/markup-compatibility/2006" xmlns:p14="http://schemas.microsoft.com/office/powerpoint/2010/main">
+    <mc:Choice Requires="p14">
+      <p:transition p14:dur="300">
+        <p:fade/>
+      </p:transition>
+    </mc:Choice>
+    <mc:Fallback xmlns="">
+      <p:transition>
+        <p:fade/>
+      </p:transition>
+    </mc:Fallback>
+  </mc:AlternateContent>
 </p:sld>
 </file>
 
@@ -21028,7 +22216,7 @@
           <p:cNvPr id="11" name="Title 3">
             <a:extLst>
               <a:ext uri="{FF2B5EF4-FFF2-40B4-BE49-F238E27FC236}">
-                <a16:creationId xmlns:a16="http://schemas.microsoft.com/office/drawing/2014/main" id="{0BB77F5E-AD45-4BCC-F505-E9A6F1FAE86D}"/>
+                <a16:creationId xmlns:a16="http://schemas.microsoft.com/office/drawing/2014/main" id="{66CEEC98-5E2E-1664-DEC4-FEF658880557}"/>
               </a:ext>
             </a:extLst>
           </p:cNvPr>
@@ -21050,8 +22238,8 @@
           <a:lstStyle/>
           <a:p>
             <a:r>
-              <a:rPr lang="ar-SA"/>
-              <a:t>هُمْ أَهْلُ بَيْتِ النُّبُوَّةِ وَمَعْدِنُ الرِّسالَةِ </a:t>
+              <a:rPr lang="ar-SA" dirty="0"/>
+              <a:t>فَقالَ عَزَّوَجَلَّ</a:t>
             </a:r>
             <a:endParaRPr lang="en-US" dirty="0"/>
           </a:p>
@@ -21062,7 +22250,7 @@
           <p:cNvPr id="12" name="Subtitle 4">
             <a:extLst>
               <a:ext uri="{FF2B5EF4-FFF2-40B4-BE49-F238E27FC236}">
-                <a16:creationId xmlns:a16="http://schemas.microsoft.com/office/drawing/2014/main" id="{78D95460-2B55-7E97-79B1-5AB6630E2761}"/>
+                <a16:creationId xmlns:a16="http://schemas.microsoft.com/office/drawing/2014/main" id="{A9E3235D-A013-8156-07EE-04BC59C098D5}"/>
               </a:ext>
             </a:extLst>
           </p:cNvPr>
@@ -21084,8 +22272,8 @@
           <a:lstStyle/>
           <a:p>
             <a:r>
-              <a:rPr lang="en-US" dirty="0"/>
-              <a:t>"They are the Household of the Prophet (s) and the assets of Prophethood. </a:t>
+              <a:rPr lang="it-IT" dirty="0"/>
+              <a:t>The Almighty answered: </a:t>
             </a:r>
           </a:p>
         </p:txBody>
@@ -21095,9 +22283,18 @@
   <p:clrMapOvr>
     <a:masterClrMapping/>
   </p:clrMapOvr>
-  <p:transition>
-    <p:fade/>
-  </p:transition>
+  <mc:AlternateContent xmlns:mc="http://schemas.openxmlformats.org/markup-compatibility/2006" xmlns:p14="http://schemas.microsoft.com/office/powerpoint/2010/main">
+    <mc:Choice Requires="p14">
+      <p:transition p14:dur="300">
+        <p:fade/>
+      </p:transition>
+    </mc:Choice>
+    <mc:Fallback xmlns="">
+      <p:transition>
+        <p:fade/>
+      </p:transition>
+    </mc:Fallback>
+  </mc:AlternateContent>
 </p:sld>
 </file>
 
@@ -21123,7 +22320,7 @@
           <p:cNvPr id="11" name="Title 3">
             <a:extLst>
               <a:ext uri="{FF2B5EF4-FFF2-40B4-BE49-F238E27FC236}">
-                <a16:creationId xmlns:a16="http://schemas.microsoft.com/office/drawing/2014/main" id="{C9D5B4D1-0B8F-B131-F19F-83534FAE0966}"/>
+                <a16:creationId xmlns:a16="http://schemas.microsoft.com/office/drawing/2014/main" id="{0BB77F5E-AD45-4BCC-F505-E9A6F1FAE86D}"/>
               </a:ext>
             </a:extLst>
           </p:cNvPr>
@@ -21145,8 +22342,8 @@
           <a:lstStyle/>
           <a:p>
             <a:r>
-              <a:rPr lang="ar-SA" dirty="0"/>
-              <a:t>هُمْ فاطِمَةُ وَأَبُوها وَبَعْلُها وَبَنُوها</a:t>
+              <a:rPr lang="ar-SA"/>
+              <a:t>هُمْ أَهْلُ بَيْتِ النُّبُوَّةِ وَمَعْدِنُ الرِّسالَةِ </a:t>
             </a:r>
             <a:endParaRPr lang="en-US" dirty="0"/>
           </a:p>
@@ -21157,7 +22354,7 @@
           <p:cNvPr id="12" name="Subtitle 4">
             <a:extLst>
               <a:ext uri="{FF2B5EF4-FFF2-40B4-BE49-F238E27FC236}">
-                <a16:creationId xmlns:a16="http://schemas.microsoft.com/office/drawing/2014/main" id="{757FDD3E-7456-E429-617F-0FAEACC33B7F}"/>
+                <a16:creationId xmlns:a16="http://schemas.microsoft.com/office/drawing/2014/main" id="{78D95460-2B55-7E97-79B1-5AB6630E2761}"/>
               </a:ext>
             </a:extLst>
           </p:cNvPr>
@@ -21180,7 +22377,7 @@
           <a:p>
             <a:r>
               <a:rPr lang="en-US" dirty="0"/>
-              <a:t>They are Fatimah, her father, her husband and her two sons"</a:t>
+              <a:t>“They are the Household of the Prophet (s) and the assets of Prophethood. </a:t>
             </a:r>
           </a:p>
         </p:txBody>
@@ -21190,9 +22387,18 @@
   <p:clrMapOvr>
     <a:masterClrMapping/>
   </p:clrMapOvr>
-  <p:transition>
-    <p:fade/>
-  </p:transition>
+  <mc:AlternateContent xmlns:mc="http://schemas.openxmlformats.org/markup-compatibility/2006" xmlns:p14="http://schemas.microsoft.com/office/powerpoint/2010/main">
+    <mc:Choice Requires="p14">
+      <p:transition p14:dur="300">
+        <p:fade/>
+      </p:transition>
+    </mc:Choice>
+    <mc:Fallback xmlns="">
+      <p:transition>
+        <p:fade/>
+      </p:transition>
+    </mc:Fallback>
+  </mc:AlternateContent>
 </p:sld>
 </file>
 
@@ -21218,7 +22424,7 @@
           <p:cNvPr id="11" name="Title 3">
             <a:extLst>
               <a:ext uri="{FF2B5EF4-FFF2-40B4-BE49-F238E27FC236}">
-                <a16:creationId xmlns:a16="http://schemas.microsoft.com/office/drawing/2014/main" id="{4E604A7F-4B49-4FDE-B247-CED3E88C9DED}"/>
+                <a16:creationId xmlns:a16="http://schemas.microsoft.com/office/drawing/2014/main" id="{C9D5B4D1-0B8F-B131-F19F-83534FAE0966}"/>
               </a:ext>
             </a:extLst>
           </p:cNvPr>
@@ -21241,7 +22447,7 @@
           <a:p>
             <a:r>
               <a:rPr lang="ar-SA" dirty="0"/>
-              <a:t>أَللّٰهُمَّ صَلِّ عَلٰى مُحَمَّدٍ وَآلِ مُحَمَّدٍ</a:t>
+              <a:t>هُمْ فاطِمَةُ وَأَبُوها وَبَعْلُها وَبَنُوها</a:t>
             </a:r>
             <a:endParaRPr lang="en-US" dirty="0"/>
           </a:p>
@@ -21252,7 +22458,7 @@
           <p:cNvPr id="12" name="Subtitle 4">
             <a:extLst>
               <a:ext uri="{FF2B5EF4-FFF2-40B4-BE49-F238E27FC236}">
-                <a16:creationId xmlns:a16="http://schemas.microsoft.com/office/drawing/2014/main" id="{0A3FC473-E56A-4E2F-BE7C-7E2CF70D6289}"/>
+                <a16:creationId xmlns:a16="http://schemas.microsoft.com/office/drawing/2014/main" id="{757FDD3E-7456-E429-617F-0FAEACC33B7F}"/>
               </a:ext>
             </a:extLst>
           </p:cNvPr>
@@ -21275,38 +22481,28 @@
           <a:p>
             <a:r>
               <a:rPr lang="en-US" dirty="0"/>
-              <a:t>O' </a:t>
-            </a:r>
-            <a:r>
-              <a:rPr lang="en-US" dirty="0" err="1"/>
-              <a:t>Alláh</a:t>
-            </a:r>
-            <a:r>
-              <a:rPr lang="en-US" dirty="0"/>
-              <a:t> send Your blessings on Muhammad</a:t>
-            </a:r>
-          </a:p>
-          <a:p>
-            <a:r>
-              <a:rPr lang="en-US" dirty="0"/>
-              <a:t>and the family of Muhammad.</a:t>
+              <a:t>They are Fatimah, her father, her husband and her two sons.”</a:t>
             </a:r>
           </a:p>
         </p:txBody>
       </p:sp>
     </p:spTree>
-    <p:extLst>
-      <p:ext uri="{BB962C8B-B14F-4D97-AF65-F5344CB8AC3E}">
-        <p14:creationId xmlns:p14="http://schemas.microsoft.com/office/powerpoint/2010/main" val="1660401705"/>
-      </p:ext>
-    </p:extLst>
   </p:cSld>
   <p:clrMapOvr>
     <a:masterClrMapping/>
   </p:clrMapOvr>
-  <p:transition>
-    <p:fade/>
-  </p:transition>
+  <mc:AlternateContent xmlns:mc="http://schemas.openxmlformats.org/markup-compatibility/2006" xmlns:p14="http://schemas.microsoft.com/office/powerpoint/2010/main">
+    <mc:Choice Requires="p14">
+      <p:transition p14:dur="300">
+        <p:fade/>
+      </p:transition>
+    </mc:Choice>
+    <mc:Fallback xmlns="">
+      <p:transition>
+        <p:fade/>
+      </p:transition>
+    </mc:Fallback>
+  </mc:AlternateContent>
 </p:sld>
 </file>
 
@@ -21332,7 +22528,7 @@
           <p:cNvPr id="11" name="Title 3">
             <a:extLst>
               <a:ext uri="{FF2B5EF4-FFF2-40B4-BE49-F238E27FC236}">
-                <a16:creationId xmlns:a16="http://schemas.microsoft.com/office/drawing/2014/main" id="{BB0FAECA-5D27-4045-5D7A-32D154C2F5FD}"/>
+                <a16:creationId xmlns:a16="http://schemas.microsoft.com/office/drawing/2014/main" id="{4E604A7F-4B49-4FDE-B247-CED3E88C9DED}"/>
               </a:ext>
             </a:extLst>
           </p:cNvPr>
@@ -21355,14 +22551,7 @@
           <a:p>
             <a:r>
               <a:rPr lang="ar-SA" dirty="0"/>
-              <a:t>فَقالَ جِبْرَائِيلُ يَا رَبِّ</a:t>
-            </a:r>
-            <a:br>
-              <a:rPr lang="ar-SA" dirty="0"/>
-            </a:br>
-            <a:r>
-              <a:rPr lang="ar-SA" dirty="0"/>
-              <a:t>أَتَأْذَنُ لِي أَنْ أَهْبِطَ إِلَى الْأَرْضِ</a:t>
+              <a:t>أَللّٰهُمَّ صَلِّ عَلٰى مُحَمَّدٍ وَآلِ مُحَمَّدٍ</a:t>
             </a:r>
             <a:endParaRPr lang="en-US" dirty="0"/>
           </a:p>
@@ -21373,7 +22562,7 @@
           <p:cNvPr id="12" name="Subtitle 4">
             <a:extLst>
               <a:ext uri="{FF2B5EF4-FFF2-40B4-BE49-F238E27FC236}">
-                <a16:creationId xmlns:a16="http://schemas.microsoft.com/office/drawing/2014/main" id="{B2CB6407-9005-A1BF-9CED-8F718D5EBE92}"/>
+                <a16:creationId xmlns:a16="http://schemas.microsoft.com/office/drawing/2014/main" id="{0A3FC473-E56A-4E2F-BE7C-7E2CF70D6289}"/>
               </a:ext>
             </a:extLst>
           </p:cNvPr>
@@ -21396,19 +22585,39 @@
           <a:p>
             <a:r>
               <a:rPr lang="en-US" dirty="0"/>
-              <a:t>Gabriel said: "O Lord, May I fly to earth</a:t>
+              <a:t>O' Allah send Your blessings on Muhammad</a:t>
+            </a:r>
+          </a:p>
+          <a:p>
+            <a:r>
+              <a:rPr lang="en-US" dirty="0"/>
+              <a:t>and the family of Muhammad.</a:t>
             </a:r>
           </a:p>
         </p:txBody>
       </p:sp>
     </p:spTree>
+    <p:extLst>
+      <p:ext uri="{BB962C8B-B14F-4D97-AF65-F5344CB8AC3E}">
+        <p14:creationId xmlns:p14="http://schemas.microsoft.com/office/powerpoint/2010/main" val="1660401705"/>
+      </p:ext>
+    </p:extLst>
   </p:cSld>
   <p:clrMapOvr>
     <a:masterClrMapping/>
   </p:clrMapOvr>
-  <p:transition>
-    <p:fade/>
-  </p:transition>
+  <mc:AlternateContent xmlns:mc="http://schemas.openxmlformats.org/markup-compatibility/2006" xmlns:p14="http://schemas.microsoft.com/office/powerpoint/2010/main">
+    <mc:Choice Requires="p14">
+      <p:transition p14:dur="300">
+        <p:fade/>
+      </p:transition>
+    </mc:Choice>
+    <mc:Fallback xmlns="">
+      <p:transition>
+        <p:fade/>
+      </p:transition>
+    </mc:Fallback>
+  </mc:AlternateContent>
 </p:sld>
 </file>
 
@@ -21434,7 +22643,7 @@
           <p:cNvPr id="11" name="Title 3">
             <a:extLst>
               <a:ext uri="{FF2B5EF4-FFF2-40B4-BE49-F238E27FC236}">
-                <a16:creationId xmlns:a16="http://schemas.microsoft.com/office/drawing/2014/main" id="{F538557B-AB1B-1964-BC5A-DC32BAF50617}"/>
+                <a16:creationId xmlns:a16="http://schemas.microsoft.com/office/drawing/2014/main" id="{BB0FAECA-5D27-4045-5D7A-32D154C2F5FD}"/>
               </a:ext>
             </a:extLst>
           </p:cNvPr>
@@ -21457,7 +22666,14 @@
           <a:p>
             <a:r>
               <a:rPr lang="ar-SA" dirty="0"/>
-              <a:t>لِأَكُونَ مَعَهُمْ سادِساً </a:t>
+              <a:t>فَقالَ جِبْرَائِيلُ يَا رَبِّ</a:t>
+            </a:r>
+            <a:br>
+              <a:rPr lang="ar-SA" dirty="0"/>
+            </a:br>
+            <a:r>
+              <a:rPr lang="ar-SA" dirty="0"/>
+              <a:t>أَتَأْذَنُ لِي أَنْ أَهْبِطَ إِلَى الْأَرْضِ</a:t>
             </a:r>
             <a:endParaRPr lang="en-US" dirty="0"/>
           </a:p>
@@ -21468,7 +22684,7 @@
           <p:cNvPr id="12" name="Subtitle 4">
             <a:extLst>
               <a:ext uri="{FF2B5EF4-FFF2-40B4-BE49-F238E27FC236}">
-                <a16:creationId xmlns:a16="http://schemas.microsoft.com/office/drawing/2014/main" id="{2B88273D-2650-8710-A004-BFC722664966}"/>
+                <a16:creationId xmlns:a16="http://schemas.microsoft.com/office/drawing/2014/main" id="{B2CB6407-9005-A1BF-9CED-8F718D5EBE92}"/>
               </a:ext>
             </a:extLst>
           </p:cNvPr>
@@ -21490,10 +22706,9 @@
           <a:lstStyle/>
           <a:p>
             <a:r>
-              <a:rPr lang="en-US"/>
-              <a:t>to be the sixth of them?"</a:t>
-            </a:r>
-            <a:endParaRPr lang="en-US" dirty="0"/>
+              <a:rPr lang="en-US" dirty="0"/>
+              <a:t>Gabriel said: “O Lord, May I fly to earth</a:t>
+            </a:r>
           </a:p>
         </p:txBody>
       </p:sp>
@@ -21502,9 +22717,18 @@
   <p:clrMapOvr>
     <a:masterClrMapping/>
   </p:clrMapOvr>
-  <p:transition>
-    <p:fade/>
-  </p:transition>
+  <mc:AlternateContent xmlns:mc="http://schemas.openxmlformats.org/markup-compatibility/2006" xmlns:p14="http://schemas.microsoft.com/office/powerpoint/2010/main">
+    <mc:Choice Requires="p14">
+      <p:transition p14:dur="300">
+        <p:fade/>
+      </p:transition>
+    </mc:Choice>
+    <mc:Fallback xmlns="">
+      <p:transition>
+        <p:fade/>
+      </p:transition>
+    </mc:Fallback>
+  </mc:AlternateContent>
 </p:sld>
 </file>
 
@@ -21530,7 +22754,7 @@
           <p:cNvPr id="11" name="Title 3">
             <a:extLst>
               <a:ext uri="{FF2B5EF4-FFF2-40B4-BE49-F238E27FC236}">
-                <a16:creationId xmlns:a16="http://schemas.microsoft.com/office/drawing/2014/main" id="{D4CB862D-67AB-6AEF-C34E-3A9FCDEEAAED}"/>
+                <a16:creationId xmlns:a16="http://schemas.microsoft.com/office/drawing/2014/main" id="{F538557B-AB1B-1964-BC5A-DC32BAF50617}"/>
               </a:ext>
             </a:extLst>
           </p:cNvPr>
@@ -21553,7 +22777,7 @@
           <a:p>
             <a:r>
               <a:rPr lang="ar-SA" dirty="0"/>
-              <a:t>فَقالَ اللّهُ نَعَمْ قَدْ أَذِنْتُ لَكَ</a:t>
+              <a:t>لِأَكُونَ مَعَهُمْ سادِساً </a:t>
             </a:r>
             <a:endParaRPr lang="en-US" dirty="0"/>
           </a:p>
@@ -21564,7 +22788,7 @@
           <p:cNvPr id="12" name="Subtitle 4">
             <a:extLst>
               <a:ext uri="{FF2B5EF4-FFF2-40B4-BE49-F238E27FC236}">
-                <a16:creationId xmlns:a16="http://schemas.microsoft.com/office/drawing/2014/main" id="{71AA4103-4266-88C5-5D00-D9334380896F}"/>
+                <a16:creationId xmlns:a16="http://schemas.microsoft.com/office/drawing/2014/main" id="{2B88273D-2650-8710-A004-BFC722664966}"/>
               </a:ext>
             </a:extLst>
           </p:cNvPr>
@@ -21587,7 +22811,7 @@
           <a:p>
             <a:r>
               <a:rPr lang="en-US" dirty="0"/>
-              <a:t>Allah replied: "Yes. You are given the permission"</a:t>
+              <a:t>to be the sixth of them?”</a:t>
             </a:r>
           </a:p>
         </p:txBody>
@@ -21597,9 +22821,18 @@
   <p:clrMapOvr>
     <a:masterClrMapping/>
   </p:clrMapOvr>
-  <p:transition>
-    <p:fade/>
-  </p:transition>
+  <mc:AlternateContent xmlns:mc="http://schemas.openxmlformats.org/markup-compatibility/2006" xmlns:p14="http://schemas.microsoft.com/office/powerpoint/2010/main">
+    <mc:Choice Requires="p14">
+      <p:transition p14:dur="300">
+        <p:fade/>
+      </p:transition>
+    </mc:Choice>
+    <mc:Fallback xmlns="">
+      <p:transition>
+        <p:fade/>
+      </p:transition>
+    </mc:Fallback>
+  </mc:AlternateContent>
 </p:sld>
 </file>
 
@@ -21625,7 +22858,7 @@
           <p:cNvPr id="11" name="Title 3">
             <a:extLst>
               <a:ext uri="{FF2B5EF4-FFF2-40B4-BE49-F238E27FC236}">
-                <a16:creationId xmlns:a16="http://schemas.microsoft.com/office/drawing/2014/main" id="{12B2492C-BC19-2B7B-7F4E-DADC8363FC68}"/>
+                <a16:creationId xmlns:a16="http://schemas.microsoft.com/office/drawing/2014/main" id="{D4CB862D-67AB-6AEF-C34E-3A9FCDEEAAED}"/>
               </a:ext>
             </a:extLst>
           </p:cNvPr>
@@ -21648,22 +22881,7 @@
           <a:p>
             <a:r>
               <a:rPr lang="ar-SA" dirty="0"/>
-              <a:t>فَهَبَطَ الْأَمِينُ جِبْرَائِيلُ</a:t>
-            </a:r>
-            <a:r>
-              <a:rPr lang="en-US" dirty="0"/>
-              <a:t> </a:t>
-            </a:r>
-            <a:r>
-              <a:rPr lang="ar-SA" dirty="0"/>
-              <a:t>وَقالَ</a:t>
-            </a:r>
-            <a:br>
-              <a:rPr lang="ar-SA" dirty="0"/>
-            </a:br>
-            <a:r>
-              <a:rPr lang="ar-SA" dirty="0"/>
-              <a:t>السَّلامُ عَلَيْكَ يَا رَسُولَ اللّهِ  </a:t>
+              <a:t>فَقالَ اللّهُ نَعَمْ قَدْ أَذِنْتُ لَكَ</a:t>
             </a:r>
             <a:endParaRPr lang="en-US" dirty="0"/>
           </a:p>
@@ -21674,7 +22892,7 @@
           <p:cNvPr id="12" name="Subtitle 4">
             <a:extLst>
               <a:ext uri="{FF2B5EF4-FFF2-40B4-BE49-F238E27FC236}">
-                <a16:creationId xmlns:a16="http://schemas.microsoft.com/office/drawing/2014/main" id="{17EB231E-6948-8789-1B2E-5AA5E6EED7A1}"/>
+                <a16:creationId xmlns:a16="http://schemas.microsoft.com/office/drawing/2014/main" id="{71AA4103-4266-88C5-5D00-D9334380896F}"/>
               </a:ext>
             </a:extLst>
           </p:cNvPr>
@@ -21697,7 +22915,7 @@
           <a:p>
             <a:r>
               <a:rPr lang="en-US" dirty="0"/>
-              <a:t>Gabriel, the trusted, landed near them and said: "Peace be on you, O Prophet (s) of Allah.   </a:t>
+              <a:t>Allah replied: “Yes. You are given the permission.”</a:t>
             </a:r>
           </a:p>
         </p:txBody>
@@ -21707,9 +22925,18 @@
   <p:clrMapOvr>
     <a:masterClrMapping/>
   </p:clrMapOvr>
-  <p:transition>
-    <p:fade/>
-  </p:transition>
+  <mc:AlternateContent xmlns:mc="http://schemas.openxmlformats.org/markup-compatibility/2006" xmlns:p14="http://schemas.microsoft.com/office/powerpoint/2010/main">
+    <mc:Choice Requires="p14">
+      <p:transition p14:dur="300">
+        <p:fade/>
+      </p:transition>
+    </mc:Choice>
+    <mc:Fallback xmlns="">
+      <p:transition>
+        <p:fade/>
+      </p:transition>
+    </mc:Fallback>
+  </mc:AlternateContent>
 </p:sld>
 </file>
 
@@ -21735,7 +22962,7 @@
           <p:cNvPr id="11" name="Title 3">
             <a:extLst>
               <a:ext uri="{FF2B5EF4-FFF2-40B4-BE49-F238E27FC236}">
-                <a16:creationId xmlns:a16="http://schemas.microsoft.com/office/drawing/2014/main" id="{2B0CA313-4A28-9C55-1331-B1142ED3817A}"/>
+                <a16:creationId xmlns:a16="http://schemas.microsoft.com/office/drawing/2014/main" id="{12B2492C-BC19-2B7B-7F4E-DADC8363FC68}"/>
               </a:ext>
             </a:extLst>
           </p:cNvPr>
@@ -21758,14 +22985,22 @@
           <a:p>
             <a:r>
               <a:rPr lang="ar-SA" dirty="0"/>
-              <a:t>الْعَلِيُّ الْأَعْلى يُقْرِئُكَ السَّلامَ</a:t>
+              <a:t>فَهَبَطَ الْأَمِينُ جِبْرَائِيلُ</a:t>
+            </a:r>
+            <a:r>
+              <a:rPr lang="en-US" dirty="0"/>
+              <a:t> </a:t>
+            </a:r>
+            <a:r>
+              <a:rPr lang="ar-SA" dirty="0"/>
+              <a:t>وَقالَ</a:t>
             </a:r>
             <a:br>
               <a:rPr lang="ar-SA" dirty="0"/>
             </a:br>
             <a:r>
               <a:rPr lang="ar-SA" dirty="0"/>
-              <a:t>وَيَخُصُّكَ بِالتَّحِيَّةِ وَالْإِكْرامِ </a:t>
+              <a:t>السَّلامُ عَلَيْكَ يَا رَسُولَ اللّهِ  </a:t>
             </a:r>
             <a:endParaRPr lang="en-US" dirty="0"/>
           </a:p>
@@ -21776,7 +23011,7 @@
           <p:cNvPr id="12" name="Subtitle 4">
             <a:extLst>
               <a:ext uri="{FF2B5EF4-FFF2-40B4-BE49-F238E27FC236}">
-                <a16:creationId xmlns:a16="http://schemas.microsoft.com/office/drawing/2014/main" id="{878A83E7-0F08-C9A0-C7FE-7DBAE4B6ACBA}"/>
+                <a16:creationId xmlns:a16="http://schemas.microsoft.com/office/drawing/2014/main" id="{17EB231E-6948-8789-1B2E-5AA5E6EED7A1}"/>
               </a:ext>
             </a:extLst>
           </p:cNvPr>
@@ -21798,10 +23033,9 @@
           <a:lstStyle/>
           <a:p>
             <a:r>
-              <a:rPr lang="en-US"/>
-              <a:t>The All-Highest conveys His peace on you and His greetings </a:t>
-            </a:r>
-            <a:endParaRPr lang="en-US" dirty="0"/>
+              <a:rPr lang="en-US" dirty="0"/>
+              <a:t>Gabriel, the trusted, landed near them and said, “Peace be on you, O Prophet (s) of Allah.   </a:t>
+            </a:r>
           </a:p>
         </p:txBody>
       </p:sp>
@@ -21810,9 +23044,18 @@
   <p:clrMapOvr>
     <a:masterClrMapping/>
   </p:clrMapOvr>
-  <p:transition>
-    <p:fade/>
-  </p:transition>
+  <mc:AlternateContent xmlns:mc="http://schemas.openxmlformats.org/markup-compatibility/2006" xmlns:p14="http://schemas.microsoft.com/office/powerpoint/2010/main">
+    <mc:Choice Requires="p14">
+      <p:transition p14:dur="300">
+        <p:fade/>
+      </p:transition>
+    </mc:Choice>
+    <mc:Fallback xmlns="">
+      <p:transition>
+        <p:fade/>
+      </p:transition>
+    </mc:Fallback>
+  </mc:AlternateContent>
 </p:sld>
 </file>
 
@@ -21895,7 +23138,7 @@
           <a:p>
             <a:r>
               <a:rPr lang="en-US" dirty="0"/>
-              <a:t>Then he said: "I feel weakness in my body"</a:t>
+              <a:t>Then he said, “I feel weakness in my body.”</a:t>
             </a:r>
           </a:p>
         </p:txBody>
@@ -21905,9 +23148,18 @@
   <p:clrMapOvr>
     <a:masterClrMapping/>
   </p:clrMapOvr>
-  <p:transition>
-    <p:fade/>
-  </p:transition>
+  <mc:AlternateContent xmlns:mc="http://schemas.openxmlformats.org/markup-compatibility/2006" xmlns:p14="http://schemas.microsoft.com/office/powerpoint/2010/main">
+    <mc:Choice Requires="p14">
+      <p:transition p14:dur="300">
+        <p:fade/>
+      </p:transition>
+    </mc:Choice>
+    <mc:Fallback xmlns="">
+      <p:transition>
+        <p:fade/>
+      </p:transition>
+    </mc:Fallback>
+  </mc:AlternateContent>
 </p:sld>
 </file>
 
@@ -21933,7 +23185,7 @@
           <p:cNvPr id="11" name="Title 3">
             <a:extLst>
               <a:ext uri="{FF2B5EF4-FFF2-40B4-BE49-F238E27FC236}">
-                <a16:creationId xmlns:a16="http://schemas.microsoft.com/office/drawing/2014/main" id="{E0673AE7-C5AC-3AD8-020D-A4E91CEE9CA1}"/>
+                <a16:creationId xmlns:a16="http://schemas.microsoft.com/office/drawing/2014/main" id="{2B0CA313-4A28-9C55-1331-B1142ED3817A}"/>
               </a:ext>
             </a:extLst>
           </p:cNvPr>
@@ -21956,7 +23208,14 @@
           <a:p>
             <a:r>
               <a:rPr lang="ar-SA" dirty="0"/>
-              <a:t>وَيَقُوْلُ لَكَ وَعِزَّتِي وَجَلالِي</a:t>
+              <a:t>الْعَلِيُّ الْأَعْلى يُقْرِئُكَ السَّلامَ</a:t>
+            </a:r>
+            <a:br>
+              <a:rPr lang="ar-SA" dirty="0"/>
+            </a:br>
+            <a:r>
+              <a:rPr lang="ar-SA" dirty="0"/>
+              <a:t>وَيَخُصُّكَ بِالتَّحِيَّةِ وَالْإِكْرامِ </a:t>
             </a:r>
             <a:endParaRPr lang="en-US" dirty="0"/>
           </a:p>
@@ -21967,7 +23226,7 @@
           <p:cNvPr id="12" name="Subtitle 4">
             <a:extLst>
               <a:ext uri="{FF2B5EF4-FFF2-40B4-BE49-F238E27FC236}">
-                <a16:creationId xmlns:a16="http://schemas.microsoft.com/office/drawing/2014/main" id="{61A8246E-D494-F531-0EBE-945F6983B5BA}"/>
+                <a16:creationId xmlns:a16="http://schemas.microsoft.com/office/drawing/2014/main" id="{878A83E7-0F08-C9A0-C7FE-7DBAE4B6ACBA}"/>
               </a:ext>
             </a:extLst>
           </p:cNvPr>
@@ -21989,9 +23248,10 @@
           <a:lstStyle/>
           <a:p>
             <a:r>
-              <a:rPr lang="en-US" dirty="0"/>
-              <a:t>and says: "By My Honor and Glory,</a:t>
-            </a:r>
+              <a:rPr lang="en-US"/>
+              <a:t>The All-Highest conveys His peace on you and His greetings </a:t>
+            </a:r>
+            <a:endParaRPr lang="en-US" dirty="0"/>
           </a:p>
         </p:txBody>
       </p:sp>
@@ -22000,9 +23260,18 @@
   <p:clrMapOvr>
     <a:masterClrMapping/>
   </p:clrMapOvr>
-  <p:transition>
-    <p:fade/>
-  </p:transition>
+  <mc:AlternateContent xmlns:mc="http://schemas.openxmlformats.org/markup-compatibility/2006" xmlns:p14="http://schemas.microsoft.com/office/powerpoint/2010/main">
+    <mc:Choice Requires="p14">
+      <p:transition p14:dur="300">
+        <p:fade/>
+      </p:transition>
+    </mc:Choice>
+    <mc:Fallback xmlns="">
+      <p:transition>
+        <p:fade/>
+      </p:transition>
+    </mc:Fallback>
+  </mc:AlternateContent>
 </p:sld>
 </file>
 
@@ -22028,7 +23297,7 @@
           <p:cNvPr id="11" name="Title 3">
             <a:extLst>
               <a:ext uri="{FF2B5EF4-FFF2-40B4-BE49-F238E27FC236}">
-                <a16:creationId xmlns:a16="http://schemas.microsoft.com/office/drawing/2014/main" id="{CAB9374B-F6D5-DB5D-E059-8DB46492315E}"/>
+                <a16:creationId xmlns:a16="http://schemas.microsoft.com/office/drawing/2014/main" id="{E0673AE7-C5AC-3AD8-020D-A4E91CEE9CA1}"/>
               </a:ext>
             </a:extLst>
           </p:cNvPr>
@@ -22051,14 +23320,7 @@
           <a:p>
             <a:r>
               <a:rPr lang="ar-SA" dirty="0"/>
-              <a:t>إِنِّي مَا خَلَقْتُ سَماءً مَبْنِيَّةً</a:t>
-            </a:r>
-            <a:br>
-              <a:rPr lang="ar-SA" dirty="0"/>
-            </a:br>
-            <a:r>
-              <a:rPr lang="ar-SA" dirty="0"/>
-              <a:t>وَلاَ أَرْضاً مَدْحِيَّةً</a:t>
+              <a:t>وَيَقُوْلُ لَكَ وَعِزَّتِي وَجَلالِي</a:t>
             </a:r>
             <a:endParaRPr lang="en-US" dirty="0"/>
           </a:p>
@@ -22069,7 +23331,7 @@
           <p:cNvPr id="12" name="Subtitle 4">
             <a:extLst>
               <a:ext uri="{FF2B5EF4-FFF2-40B4-BE49-F238E27FC236}">
-                <a16:creationId xmlns:a16="http://schemas.microsoft.com/office/drawing/2014/main" id="{6BE732D2-5A76-5362-6156-41185E3B9A7D}"/>
+                <a16:creationId xmlns:a16="http://schemas.microsoft.com/office/drawing/2014/main" id="{61A8246E-D494-F531-0EBE-945F6983B5BA}"/>
               </a:ext>
             </a:extLst>
           </p:cNvPr>
@@ -22092,24 +23354,28 @@
           <a:p>
             <a:r>
               <a:rPr lang="en-US" dirty="0"/>
-              <a:t>verily, I have not created the erected sky, the stretched earth,</a:t>
+              <a:t>and says, “By My Honor and Glory,</a:t>
             </a:r>
           </a:p>
         </p:txBody>
       </p:sp>
     </p:spTree>
-    <p:extLst>
-      <p:ext uri="{BB962C8B-B14F-4D97-AF65-F5344CB8AC3E}">
-        <p14:creationId xmlns:p14="http://schemas.microsoft.com/office/powerpoint/2010/main" val="1055837328"/>
-      </p:ext>
-    </p:extLst>
   </p:cSld>
   <p:clrMapOvr>
     <a:masterClrMapping/>
   </p:clrMapOvr>
-  <p:transition>
-    <p:fade/>
-  </p:transition>
+  <mc:AlternateContent xmlns:mc="http://schemas.openxmlformats.org/markup-compatibility/2006" xmlns:p14="http://schemas.microsoft.com/office/powerpoint/2010/main">
+    <mc:Choice Requires="p14">
+      <p:transition p14:dur="300">
+        <p:fade/>
+      </p:transition>
+    </mc:Choice>
+    <mc:Fallback xmlns="">
+      <p:transition>
+        <p:fade/>
+      </p:transition>
+    </mc:Fallback>
+  </mc:AlternateContent>
 </p:sld>
 </file>
 
@@ -22135,7 +23401,7 @@
           <p:cNvPr id="11" name="Title 3">
             <a:extLst>
               <a:ext uri="{FF2B5EF4-FFF2-40B4-BE49-F238E27FC236}">
-                <a16:creationId xmlns:a16="http://schemas.microsoft.com/office/drawing/2014/main" id="{AFBE7197-C5EF-B470-BB15-D61036004341}"/>
+                <a16:creationId xmlns:a16="http://schemas.microsoft.com/office/drawing/2014/main" id="{CAB9374B-F6D5-DB5D-E059-8DB46492315E}"/>
               </a:ext>
             </a:extLst>
           </p:cNvPr>
@@ -22158,14 +23424,14 @@
           <a:p>
             <a:r>
               <a:rPr lang="ar-SA" dirty="0"/>
-              <a:t>وَلاَ قَمَراً مُنِيراً وَلاَ شَمْساً مُضِيئَةً</a:t>
+              <a:t>إِنِّي مَا خَلَقْتُ سَماءً مَبْنِيَّةً</a:t>
             </a:r>
             <a:br>
               <a:rPr lang="ar-SA" dirty="0"/>
             </a:br>
             <a:r>
               <a:rPr lang="ar-SA" dirty="0"/>
-              <a:t>وَلاَ فَلَكاً يَدُورُ وَلاَ بَحْراً يَجْرِي وَلاَ فُلْكاً يَسْرِي </a:t>
+              <a:t>وَلاَ أَرْضاً مَدْحِيَّةً</a:t>
             </a:r>
             <a:endParaRPr lang="en-US" dirty="0"/>
           </a:p>
@@ -22176,7 +23442,7 @@
           <p:cNvPr id="12" name="Subtitle 4">
             <a:extLst>
               <a:ext uri="{FF2B5EF4-FFF2-40B4-BE49-F238E27FC236}">
-                <a16:creationId xmlns:a16="http://schemas.microsoft.com/office/drawing/2014/main" id="{35E0BCDA-6DA6-C3CD-C8D5-8903509586C0}"/>
+                <a16:creationId xmlns:a16="http://schemas.microsoft.com/office/drawing/2014/main" id="{6BE732D2-5A76-5362-6156-41185E3B9A7D}"/>
               </a:ext>
             </a:extLst>
           </p:cNvPr>
@@ -22199,7 +23465,7 @@
           <a:p>
             <a:r>
               <a:rPr lang="en-US" dirty="0"/>
-              <a:t>the illuminated moon, the bright sun, the rotating planets, the flowing seas and the sailing ships,</a:t>
+              <a:t>verily, I have not created the erected sky, the stretched earth,</a:t>
             </a:r>
           </a:p>
         </p:txBody>
@@ -22207,16 +23473,25 @@
     </p:spTree>
     <p:extLst>
       <p:ext uri="{BB962C8B-B14F-4D97-AF65-F5344CB8AC3E}">
-        <p14:creationId xmlns:p14="http://schemas.microsoft.com/office/powerpoint/2010/main" val="1751303185"/>
+        <p14:creationId xmlns:p14="http://schemas.microsoft.com/office/powerpoint/2010/main" val="1055837328"/>
       </p:ext>
     </p:extLst>
   </p:cSld>
   <p:clrMapOvr>
     <a:masterClrMapping/>
   </p:clrMapOvr>
-  <p:transition>
-    <p:fade/>
-  </p:transition>
+  <mc:AlternateContent xmlns:mc="http://schemas.openxmlformats.org/markup-compatibility/2006" xmlns:p14="http://schemas.microsoft.com/office/powerpoint/2010/main">
+    <mc:Choice Requires="p14">
+      <p:transition p14:dur="300">
+        <p:fade/>
+      </p:transition>
+    </mc:Choice>
+    <mc:Fallback xmlns="">
+      <p:transition>
+        <p:fade/>
+      </p:transition>
+    </mc:Fallback>
+  </mc:AlternateContent>
 </p:sld>
 </file>
 
@@ -22242,7 +23517,7 @@
           <p:cNvPr id="11" name="Title 3">
             <a:extLst>
               <a:ext uri="{FF2B5EF4-FFF2-40B4-BE49-F238E27FC236}">
-                <a16:creationId xmlns:a16="http://schemas.microsoft.com/office/drawing/2014/main" id="{F7CBC799-9561-E406-FE57-D1F5E72D5C3B}"/>
+                <a16:creationId xmlns:a16="http://schemas.microsoft.com/office/drawing/2014/main" id="{AFBE7197-C5EF-B470-BB15-D61036004341}"/>
               </a:ext>
             </a:extLst>
           </p:cNvPr>
@@ -22265,7 +23540,14 @@
           <a:p>
             <a:r>
               <a:rPr lang="ar-SA" dirty="0"/>
-              <a:t>إِلَّا لِأَجْلِكُمْ وَمَحَبَّتِكُمْ</a:t>
+              <a:t>وَلاَ قَمَراً مُنِيراً وَلاَ شَمْساً مُضِيئَةً</a:t>
+            </a:r>
+            <a:br>
+              <a:rPr lang="ar-SA" dirty="0"/>
+            </a:br>
+            <a:r>
+              <a:rPr lang="ar-SA" dirty="0"/>
+              <a:t>وَلاَ فَلَكاً يَدُورُ وَلاَ بَحْراً يَجْرِي وَلاَ فُلْكاً يَسْرِي </a:t>
             </a:r>
             <a:endParaRPr lang="en-US" dirty="0"/>
           </a:p>
@@ -22276,7 +23558,7 @@
           <p:cNvPr id="12" name="Subtitle 4">
             <a:extLst>
               <a:ext uri="{FF2B5EF4-FFF2-40B4-BE49-F238E27FC236}">
-                <a16:creationId xmlns:a16="http://schemas.microsoft.com/office/drawing/2014/main" id="{FE6A0AB2-0B17-63F5-0139-BAE90DDEEC78}"/>
+                <a16:creationId xmlns:a16="http://schemas.microsoft.com/office/drawing/2014/main" id="{35E0BCDA-6DA6-C3CD-C8D5-8903509586C0}"/>
               </a:ext>
             </a:extLst>
           </p:cNvPr>
@@ -22298,21 +23580,34 @@
           <a:lstStyle/>
           <a:p>
             <a:r>
-              <a:rPr lang="en-US"/>
-              <a:t>but for your sake and love"</a:t>
-            </a:r>
-            <a:endParaRPr lang="en-US" dirty="0"/>
+              <a:rPr lang="en-US" dirty="0"/>
+              <a:t>the illuminated moon, the bright sun, the rotating planets, the flowing seas and the sailing ships,</a:t>
+            </a:r>
           </a:p>
         </p:txBody>
       </p:sp>
     </p:spTree>
+    <p:extLst>
+      <p:ext uri="{BB962C8B-B14F-4D97-AF65-F5344CB8AC3E}">
+        <p14:creationId xmlns:p14="http://schemas.microsoft.com/office/powerpoint/2010/main" val="1751303185"/>
+      </p:ext>
+    </p:extLst>
   </p:cSld>
   <p:clrMapOvr>
     <a:masterClrMapping/>
   </p:clrMapOvr>
-  <p:transition>
-    <p:fade/>
-  </p:transition>
+  <mc:AlternateContent xmlns:mc="http://schemas.openxmlformats.org/markup-compatibility/2006" xmlns:p14="http://schemas.microsoft.com/office/powerpoint/2010/main">
+    <mc:Choice Requires="p14">
+      <p:transition p14:dur="300">
+        <p:fade/>
+      </p:transition>
+    </mc:Choice>
+    <mc:Fallback xmlns="">
+      <p:transition>
+        <p:fade/>
+      </p:transition>
+    </mc:Fallback>
+  </mc:AlternateContent>
 </p:sld>
 </file>
 
@@ -22338,7 +23633,7 @@
           <p:cNvPr id="11" name="Title 3">
             <a:extLst>
               <a:ext uri="{FF2B5EF4-FFF2-40B4-BE49-F238E27FC236}">
-                <a16:creationId xmlns:a16="http://schemas.microsoft.com/office/drawing/2014/main" id="{9B2E6F6B-D6DD-957C-5921-F1257D14EE0F}"/>
+                <a16:creationId xmlns:a16="http://schemas.microsoft.com/office/drawing/2014/main" id="{F7CBC799-9561-E406-FE57-D1F5E72D5C3B}"/>
               </a:ext>
             </a:extLst>
           </p:cNvPr>
@@ -22360,8 +23655,8 @@
           <a:lstStyle/>
           <a:p>
             <a:r>
-              <a:rPr lang="ar-SA"/>
-              <a:t>وَقَدْ أَذِنَ لِي أَنْ أَدْخُلَ مَعَكُمْ</a:t>
+              <a:rPr lang="ar-SA" dirty="0"/>
+              <a:t>إِلَّا لِأَجْلِكُمْ وَمَحَبَّتِكُمْ</a:t>
             </a:r>
             <a:endParaRPr lang="en-US" dirty="0"/>
           </a:p>
@@ -22372,7 +23667,7 @@
           <p:cNvPr id="12" name="Subtitle 4">
             <a:extLst>
               <a:ext uri="{FF2B5EF4-FFF2-40B4-BE49-F238E27FC236}">
-                <a16:creationId xmlns:a16="http://schemas.microsoft.com/office/drawing/2014/main" id="{A4C336AC-587F-B1B4-E5B8-ACBE362831F7}"/>
+                <a16:creationId xmlns:a16="http://schemas.microsoft.com/office/drawing/2014/main" id="{FE6A0AB2-0B17-63F5-0139-BAE90DDEEC78}"/>
               </a:ext>
             </a:extLst>
           </p:cNvPr>
@@ -22394,10 +23689,9 @@
           <a:lstStyle/>
           <a:p>
             <a:r>
-              <a:rPr lang="en-US"/>
-              <a:t>and Allah has given me permission to enter the cloak with you. </a:t>
-            </a:r>
-            <a:endParaRPr lang="en-US" dirty="0"/>
+              <a:rPr lang="en-US" dirty="0"/>
+              <a:t>but for your sake and love.”</a:t>
+            </a:r>
           </a:p>
         </p:txBody>
       </p:sp>
@@ -22406,9 +23700,18 @@
   <p:clrMapOvr>
     <a:masterClrMapping/>
   </p:clrMapOvr>
-  <p:transition>
-    <p:fade/>
-  </p:transition>
+  <mc:AlternateContent xmlns:mc="http://schemas.openxmlformats.org/markup-compatibility/2006" xmlns:p14="http://schemas.microsoft.com/office/powerpoint/2010/main">
+    <mc:Choice Requires="p14">
+      <p:transition p14:dur="300">
+        <p:fade/>
+      </p:transition>
+    </mc:Choice>
+    <mc:Fallback xmlns="">
+      <p:transition>
+        <p:fade/>
+      </p:transition>
+    </mc:Fallback>
+  </mc:AlternateContent>
 </p:sld>
 </file>
 
@@ -22434,7 +23737,7 @@
           <p:cNvPr id="11" name="Title 3">
             <a:extLst>
               <a:ext uri="{FF2B5EF4-FFF2-40B4-BE49-F238E27FC236}">
-                <a16:creationId xmlns:a16="http://schemas.microsoft.com/office/drawing/2014/main" id="{2EC17273-8495-E79A-F8C6-5E3E1648DEDF}"/>
+                <a16:creationId xmlns:a16="http://schemas.microsoft.com/office/drawing/2014/main" id="{9B2E6F6B-D6DD-957C-5921-F1257D14EE0F}"/>
               </a:ext>
             </a:extLst>
           </p:cNvPr>
@@ -22457,7 +23760,7 @@
           <a:p>
             <a:r>
               <a:rPr lang="ar-SA"/>
-              <a:t>فَهَلْ تَأْذَنُ لِي يَا رَسُولَ اللّه </a:t>
+              <a:t>وَقَدْ أَذِنَ لِي أَنْ أَدْخُلَ مَعَكُمْ</a:t>
             </a:r>
             <a:endParaRPr lang="en-US" dirty="0"/>
           </a:p>
@@ -22468,7 +23771,7 @@
           <p:cNvPr id="12" name="Subtitle 4">
             <a:extLst>
               <a:ext uri="{FF2B5EF4-FFF2-40B4-BE49-F238E27FC236}">
-                <a16:creationId xmlns:a16="http://schemas.microsoft.com/office/drawing/2014/main" id="{C047A902-738C-3D54-61D5-1244A01499AD}"/>
+                <a16:creationId xmlns:a16="http://schemas.microsoft.com/office/drawing/2014/main" id="{A4C336AC-587F-B1B4-E5B8-ACBE362831F7}"/>
               </a:ext>
             </a:extLst>
           </p:cNvPr>
@@ -22491,7 +23794,7 @@
           <a:p>
             <a:r>
               <a:rPr lang="en-US"/>
-              <a:t>May I join you, O Prophet (s) of Allah?"</a:t>
+              <a:t>and Allah has given me permission to enter the cloak with you. </a:t>
             </a:r>
             <a:endParaRPr lang="en-US" dirty="0"/>
           </a:p>
@@ -22502,9 +23805,18 @@
   <p:clrMapOvr>
     <a:masterClrMapping/>
   </p:clrMapOvr>
-  <p:transition>
-    <p:fade/>
-  </p:transition>
+  <mc:AlternateContent xmlns:mc="http://schemas.openxmlformats.org/markup-compatibility/2006" xmlns:p14="http://schemas.microsoft.com/office/powerpoint/2010/main">
+    <mc:Choice Requires="p14">
+      <p:transition p14:dur="300">
+        <p:fade/>
+      </p:transition>
+    </mc:Choice>
+    <mc:Fallback xmlns="">
+      <p:transition>
+        <p:fade/>
+      </p:transition>
+    </mc:Fallback>
+  </mc:AlternateContent>
 </p:sld>
 </file>
 
@@ -22530,7 +23842,7 @@
           <p:cNvPr id="11" name="Title 3">
             <a:extLst>
               <a:ext uri="{FF2B5EF4-FFF2-40B4-BE49-F238E27FC236}">
-                <a16:creationId xmlns:a16="http://schemas.microsoft.com/office/drawing/2014/main" id="{328234FD-93B4-2DF6-7E4C-C2C4D3CA612F}"/>
+                <a16:creationId xmlns:a16="http://schemas.microsoft.com/office/drawing/2014/main" id="{2EC17273-8495-E79A-F8C6-5E3E1648DEDF}"/>
               </a:ext>
             </a:extLst>
           </p:cNvPr>
@@ -22552,8 +23864,8 @@
           <a:lstStyle/>
           <a:p>
             <a:r>
-              <a:rPr lang="ar-SA" dirty="0"/>
-              <a:t>فَقالَ رَسُولُ اللّه وَعَلَيْكَ السَّلامُ يَا أَمِينَ وَحْيِ اللّهِ</a:t>
+              <a:rPr lang="ar-SA"/>
+              <a:t>فَهَلْ تَأْذَنُ لِي يَا رَسُولَ اللّه </a:t>
             </a:r>
             <a:endParaRPr lang="en-US" dirty="0"/>
           </a:p>
@@ -22564,7 +23876,7 @@
           <p:cNvPr id="12" name="Subtitle 4">
             <a:extLst>
               <a:ext uri="{FF2B5EF4-FFF2-40B4-BE49-F238E27FC236}">
-                <a16:creationId xmlns:a16="http://schemas.microsoft.com/office/drawing/2014/main" id="{7C61EAD7-B022-218F-4AEA-06177197EF29}"/>
+                <a16:creationId xmlns:a16="http://schemas.microsoft.com/office/drawing/2014/main" id="{C047A902-738C-3D54-61D5-1244A01499AD}"/>
               </a:ext>
             </a:extLst>
           </p:cNvPr>
@@ -22586,10 +23898,9 @@
           <a:lstStyle/>
           <a:p>
             <a:r>
-              <a:rPr lang="en-US"/>
-              <a:t>The Prophet (s) replied : "And peace be on you, O trusted bearer of Allah's Revelations! </a:t>
-            </a:r>
-            <a:endParaRPr lang="en-US" dirty="0"/>
+              <a:rPr lang="en-US" dirty="0"/>
+              <a:t>May I join you, O Prophet (s) of Allah?”</a:t>
+            </a:r>
           </a:p>
         </p:txBody>
       </p:sp>
@@ -22598,9 +23909,18 @@
   <p:clrMapOvr>
     <a:masterClrMapping/>
   </p:clrMapOvr>
-  <p:transition>
-    <p:fade/>
-  </p:transition>
+  <mc:AlternateContent xmlns:mc="http://schemas.openxmlformats.org/markup-compatibility/2006" xmlns:p14="http://schemas.microsoft.com/office/powerpoint/2010/main">
+    <mc:Choice Requires="p14">
+      <p:transition p14:dur="300">
+        <p:fade/>
+      </p:transition>
+    </mc:Choice>
+    <mc:Fallback xmlns="">
+      <p:transition>
+        <p:fade/>
+      </p:transition>
+    </mc:Fallback>
+  </mc:AlternateContent>
 </p:sld>
 </file>
 
@@ -22626,7 +23946,7 @@
           <p:cNvPr id="11" name="Title 3">
             <a:extLst>
               <a:ext uri="{FF2B5EF4-FFF2-40B4-BE49-F238E27FC236}">
-                <a16:creationId xmlns:a16="http://schemas.microsoft.com/office/drawing/2014/main" id="{5DE25C06-7A62-DE09-CE04-C734655ECC6E}"/>
+                <a16:creationId xmlns:a16="http://schemas.microsoft.com/office/drawing/2014/main" id="{328234FD-93B4-2DF6-7E4C-C2C4D3CA612F}"/>
               </a:ext>
             </a:extLst>
           </p:cNvPr>
@@ -22649,7 +23969,7 @@
           <a:p>
             <a:r>
               <a:rPr lang="ar-SA" dirty="0"/>
-              <a:t>إِنَّهُ نَعَمْ قَدْ أَذِنْتُ لَكَ</a:t>
+              <a:t>فَقالَ رَسُولُ اللّه وَعَلَيْكَ السَّلامُ يَا أَمِينَ وَحْيِ اللّهِ</a:t>
             </a:r>
             <a:endParaRPr lang="en-US" dirty="0"/>
           </a:p>
@@ -22660,7 +23980,7 @@
           <p:cNvPr id="12" name="Subtitle 4">
             <a:extLst>
               <a:ext uri="{FF2B5EF4-FFF2-40B4-BE49-F238E27FC236}">
-                <a16:creationId xmlns:a16="http://schemas.microsoft.com/office/drawing/2014/main" id="{8B983EF5-938B-9A45-CD55-20FE99378DDD}"/>
+                <a16:creationId xmlns:a16="http://schemas.microsoft.com/office/drawing/2014/main" id="{7C61EAD7-B022-218F-4AEA-06177197EF29}"/>
               </a:ext>
             </a:extLst>
           </p:cNvPr>
@@ -22682,10 +24002,9 @@
           <a:lstStyle/>
           <a:p>
             <a:r>
-              <a:rPr lang="en-US"/>
-              <a:t>you are granted the permission"</a:t>
-            </a:r>
-            <a:endParaRPr lang="en-US" dirty="0"/>
+              <a:rPr lang="en-US" dirty="0"/>
+              <a:t>The Prophet (s) replied, “And peace be on you, O trusted bearer of Allah's Revelations! </a:t>
+            </a:r>
           </a:p>
         </p:txBody>
       </p:sp>
@@ -22694,9 +24013,18 @@
   <p:clrMapOvr>
     <a:masterClrMapping/>
   </p:clrMapOvr>
-  <p:transition>
-    <p:fade/>
-  </p:transition>
+  <mc:AlternateContent xmlns:mc="http://schemas.openxmlformats.org/markup-compatibility/2006" xmlns:p14="http://schemas.microsoft.com/office/powerpoint/2010/main">
+    <mc:Choice Requires="p14">
+      <p:transition p14:dur="300">
+        <p:fade/>
+      </p:transition>
+    </mc:Choice>
+    <mc:Fallback xmlns="">
+      <p:transition>
+        <p:fade/>
+      </p:transition>
+    </mc:Fallback>
+  </mc:AlternateContent>
 </p:sld>
 </file>
 
@@ -22722,7 +24050,7 @@
           <p:cNvPr id="11" name="Title 3">
             <a:extLst>
               <a:ext uri="{FF2B5EF4-FFF2-40B4-BE49-F238E27FC236}">
-                <a16:creationId xmlns:a16="http://schemas.microsoft.com/office/drawing/2014/main" id="{ADC3D3AE-BE5C-237B-DFDE-0E30958FE3F5}"/>
+                <a16:creationId xmlns:a16="http://schemas.microsoft.com/office/drawing/2014/main" id="{5DE25C06-7A62-DE09-CE04-C734655ECC6E}"/>
               </a:ext>
             </a:extLst>
           </p:cNvPr>
@@ -22745,7 +24073,7 @@
           <a:p>
             <a:r>
               <a:rPr lang="ar-SA" dirty="0"/>
-              <a:t>فَدَخَلَ جِبْرَائِيلُ مَعَنا تَحْتَ الْكِساءِ </a:t>
+              <a:t>إِنَّهُ نَعَمْ قَدْ أَذِنْتُ لَكَ</a:t>
             </a:r>
             <a:endParaRPr lang="en-US" dirty="0"/>
           </a:p>
@@ -22756,7 +24084,7 @@
           <p:cNvPr id="12" name="Subtitle 4">
             <a:extLst>
               <a:ext uri="{FF2B5EF4-FFF2-40B4-BE49-F238E27FC236}">
-                <a16:creationId xmlns:a16="http://schemas.microsoft.com/office/drawing/2014/main" id="{598F6C00-6DCE-C588-99D2-0811375982EB}"/>
+                <a16:creationId xmlns:a16="http://schemas.microsoft.com/office/drawing/2014/main" id="{8B983EF5-938B-9A45-CD55-20FE99378DDD}"/>
               </a:ext>
             </a:extLst>
           </p:cNvPr>
@@ -22778,10 +24106,9 @@
           <a:lstStyle/>
           <a:p>
             <a:r>
-              <a:rPr lang="en-US"/>
-              <a:t>So, Gabriel entered the cloak with us </a:t>
-            </a:r>
-            <a:endParaRPr lang="en-US" dirty="0"/>
+              <a:rPr lang="en-US" dirty="0"/>
+              <a:t>you are granted the permission.”</a:t>
+            </a:r>
           </a:p>
         </p:txBody>
       </p:sp>
@@ -22790,9 +24117,18 @@
   <p:clrMapOvr>
     <a:masterClrMapping/>
   </p:clrMapOvr>
-  <p:transition>
-    <p:fade/>
-  </p:transition>
+  <mc:AlternateContent xmlns:mc="http://schemas.openxmlformats.org/markup-compatibility/2006" xmlns:p14="http://schemas.microsoft.com/office/powerpoint/2010/main">
+    <mc:Choice Requires="p14">
+      <p:transition p14:dur="300">
+        <p:fade/>
+      </p:transition>
+    </mc:Choice>
+    <mc:Fallback xmlns="">
+      <p:transition>
+        <p:fade/>
+      </p:transition>
+    </mc:Fallback>
+  </mc:AlternateContent>
 </p:sld>
 </file>
 
@@ -22818,7 +24154,7 @@
           <p:cNvPr id="11" name="Title 3">
             <a:extLst>
               <a:ext uri="{FF2B5EF4-FFF2-40B4-BE49-F238E27FC236}">
-                <a16:creationId xmlns:a16="http://schemas.microsoft.com/office/drawing/2014/main" id="{8DF30403-15C1-4BB7-B0BB-B20BC6C581C6}"/>
+                <a16:creationId xmlns:a16="http://schemas.microsoft.com/office/drawing/2014/main" id="{ADC3D3AE-BE5C-237B-DFDE-0E30958FE3F5}"/>
               </a:ext>
             </a:extLst>
           </p:cNvPr>
@@ -22841,7 +24177,7 @@
           <a:p>
             <a:r>
               <a:rPr lang="ar-SA" dirty="0"/>
-              <a:t>فَقالَ لِأَبِي إِنَّ اللّهَ قَدْ أَوْحٰي إِلَيْكُمْ يَقُولُ</a:t>
+              <a:t>فَدَخَلَ جِبْرَائِيلُ مَعَنا تَحْتَ الْكِساءِ </a:t>
             </a:r>
             <a:endParaRPr lang="en-US" dirty="0"/>
           </a:p>
@@ -22852,7 +24188,7 @@
           <p:cNvPr id="12" name="Subtitle 4">
             <a:extLst>
               <a:ext uri="{FF2B5EF4-FFF2-40B4-BE49-F238E27FC236}">
-                <a16:creationId xmlns:a16="http://schemas.microsoft.com/office/drawing/2014/main" id="{E453DF71-050D-81A6-7361-0ACCC36EFFB3}"/>
+                <a16:creationId xmlns:a16="http://schemas.microsoft.com/office/drawing/2014/main" id="{598F6C00-6DCE-C588-99D2-0811375982EB}"/>
               </a:ext>
             </a:extLst>
           </p:cNvPr>
@@ -22874,9 +24210,10 @@
           <a:lstStyle/>
           <a:p>
             <a:r>
-              <a:rPr lang="en-US" dirty="0"/>
-              <a:t>and said to my father:  Allah sends His Revelations to you; </a:t>
-            </a:r>
+              <a:rPr lang="en-US"/>
+              <a:t>So, Gabriel entered the cloak with us </a:t>
+            </a:r>
+            <a:endParaRPr lang="en-US" dirty="0"/>
           </a:p>
         </p:txBody>
       </p:sp>
@@ -22885,9 +24222,18 @@
   <p:clrMapOvr>
     <a:masterClrMapping/>
   </p:clrMapOvr>
-  <p:transition>
-    <p:fade/>
-  </p:transition>
+  <mc:AlternateContent xmlns:mc="http://schemas.openxmlformats.org/markup-compatibility/2006" xmlns:p14="http://schemas.microsoft.com/office/powerpoint/2010/main">
+    <mc:Choice Requires="p14">
+      <p:transition p14:dur="300">
+        <p:fade/>
+      </p:transition>
+    </mc:Choice>
+    <mc:Fallback xmlns="">
+      <p:transition>
+        <p:fade/>
+      </p:transition>
+    </mc:Fallback>
+  </mc:AlternateContent>
 </p:sld>
 </file>
 
@@ -22970,7 +24316,7 @@
           <a:p>
             <a:r>
               <a:rPr lang="en-US" dirty="0"/>
-              <a:t>I said: "May Allah protect you from weakness, father"</a:t>
+              <a:t>I said, “May Allah protect you from weakness, father.”</a:t>
             </a:r>
           </a:p>
         </p:txBody>
@@ -22980,9 +24326,18 @@
   <p:clrMapOvr>
     <a:masterClrMapping/>
   </p:clrMapOvr>
-  <p:transition>
-    <p:fade/>
-  </p:transition>
+  <mc:AlternateContent xmlns:mc="http://schemas.openxmlformats.org/markup-compatibility/2006" xmlns:p14="http://schemas.microsoft.com/office/powerpoint/2010/main">
+    <mc:Choice Requires="p14">
+      <p:transition p14:dur="300">
+        <p:fade/>
+      </p:transition>
+    </mc:Choice>
+    <mc:Fallback xmlns="">
+      <p:transition>
+        <p:fade/>
+      </p:transition>
+    </mc:Fallback>
+  </mc:AlternateContent>
 </p:sld>
 </file>
 
@@ -23008,7 +24363,7 @@
           <p:cNvPr id="11" name="Title 3">
             <a:extLst>
               <a:ext uri="{FF2B5EF4-FFF2-40B4-BE49-F238E27FC236}">
-                <a16:creationId xmlns:a16="http://schemas.microsoft.com/office/drawing/2014/main" id="{35EEA951-F2F8-8DFD-8569-E0E4C11315B2}"/>
+                <a16:creationId xmlns:a16="http://schemas.microsoft.com/office/drawing/2014/main" id="{8DF30403-15C1-4BB7-B0BB-B20BC6C581C6}"/>
               </a:ext>
             </a:extLst>
           </p:cNvPr>
@@ -23031,18 +24386,7 @@
           <a:p>
             <a:r>
               <a:rPr lang="ar-SA" dirty="0"/>
-              <a:t>إِنَّمَا يُرِيدُ اللَّهُ لِيُذْهِبَ عَنكُمُ الرِّجْسَ</a:t>
-            </a:r>
-            <a:br>
-              <a:rPr lang="ar-SA" dirty="0"/>
-            </a:br>
-            <a:r>
-              <a:rPr lang="ar-SA" dirty="0"/>
-              <a:t>أَهْلَ الْبَيْتِ </a:t>
-            </a:r>
-            <a:r>
-              <a:rPr lang="ar-SA"/>
-              <a:t>وَيُطَهِّرَكُمْ تَطْهِيرًا</a:t>
+              <a:t>فَقالَ لِأَبِي إِنَّ اللّهَ قَدْ أَوْحٰي إِلَيْكُمْ يَقُولُ</a:t>
             </a:r>
             <a:endParaRPr lang="en-US" dirty="0"/>
           </a:p>
@@ -23053,7 +24397,7 @@
           <p:cNvPr id="12" name="Subtitle 4">
             <a:extLst>
               <a:ext uri="{FF2B5EF4-FFF2-40B4-BE49-F238E27FC236}">
-                <a16:creationId xmlns:a16="http://schemas.microsoft.com/office/drawing/2014/main" id="{D715516A-A2C7-3AA8-8EF3-DE2CE2B32F83}"/>
+                <a16:creationId xmlns:a16="http://schemas.microsoft.com/office/drawing/2014/main" id="{E453DF71-050D-81A6-7361-0ACCC36EFFB3}"/>
               </a:ext>
             </a:extLst>
           </p:cNvPr>
@@ -23076,7 +24420,7 @@
           <a:p>
             <a:r>
               <a:rPr lang="en-US" dirty="0"/>
-              <a:t>"Indeed Allah desires to repel all impurity from you, O People of the Household, and purify you with a thorough purification."</a:t>
+              <a:t>and said to my father, “Allah sends His Revelations to you:</a:t>
             </a:r>
           </a:p>
         </p:txBody>
@@ -23086,9 +24430,18 @@
   <p:clrMapOvr>
     <a:masterClrMapping/>
   </p:clrMapOvr>
-  <p:transition>
-    <p:fade/>
-  </p:transition>
+  <mc:AlternateContent xmlns:mc="http://schemas.openxmlformats.org/markup-compatibility/2006" xmlns:p14="http://schemas.microsoft.com/office/powerpoint/2010/main">
+    <mc:Choice Requires="p14">
+      <p:transition p14:dur="300">
+        <p:fade/>
+      </p:transition>
+    </mc:Choice>
+    <mc:Fallback xmlns="">
+      <p:transition>
+        <p:fade/>
+      </p:transition>
+    </mc:Fallback>
+  </mc:AlternateContent>
 </p:sld>
 </file>
 
@@ -23114,7 +24467,7 @@
           <p:cNvPr id="11" name="Title 3">
             <a:extLst>
               <a:ext uri="{FF2B5EF4-FFF2-40B4-BE49-F238E27FC236}">
-                <a16:creationId xmlns:a16="http://schemas.microsoft.com/office/drawing/2014/main" id="{54E301FD-3D36-E31C-92B0-8335BD8308D1}"/>
+                <a16:creationId xmlns:a16="http://schemas.microsoft.com/office/drawing/2014/main" id="{35EEA951-F2F8-8DFD-8569-E0E4C11315B2}"/>
               </a:ext>
             </a:extLst>
           </p:cNvPr>
@@ -23137,18 +24490,18 @@
           <a:p>
             <a:r>
               <a:rPr lang="ar-SA" dirty="0"/>
-              <a:t>فَقالَ عَلِيٌّ لِأَبِي يَا رَسُولَ اللّهِ أَخْبِرْنِي مَا لِجُلُوسِنا</a:t>
+              <a:t>إِنَّمَا يُرِيدُ اللَّهُ لِيُذْهِبَ عَنكُمُ الرِّجْسَ</a:t>
             </a:r>
             <a:br>
               <a:rPr lang="ar-SA" dirty="0"/>
             </a:br>
             <a:r>
-              <a:rPr lang="en-US" dirty="0"/>
-              <a:t> </a:t>
-            </a:r>
-            <a:r>
               <a:rPr lang="ar-SA" dirty="0"/>
-              <a:t>هذَا تَحْتَ الْكِساءِ مِنَ الْفَضْلِ عِنْدَ اللّهُ</a:t>
+              <a:t>أَهْلَ الْبَيْتِ </a:t>
+            </a:r>
+            <a:r>
+              <a:rPr lang="ar-SA"/>
+              <a:t>وَيُطَهِّرَكُمْ تَطْهِيرًا</a:t>
             </a:r>
             <a:endParaRPr lang="en-US" dirty="0"/>
           </a:p>
@@ -23159,7 +24512,7 @@
           <p:cNvPr id="12" name="Subtitle 4">
             <a:extLst>
               <a:ext uri="{FF2B5EF4-FFF2-40B4-BE49-F238E27FC236}">
-                <a16:creationId xmlns:a16="http://schemas.microsoft.com/office/drawing/2014/main" id="{B24507EC-523E-BA31-04B0-287B7C3A9D28}"/>
+                <a16:creationId xmlns:a16="http://schemas.microsoft.com/office/drawing/2014/main" id="{D715516A-A2C7-3AA8-8EF3-DE2CE2B32F83}"/>
               </a:ext>
             </a:extLst>
           </p:cNvPr>
@@ -23182,7 +24535,7 @@
           <a:p>
             <a:r>
               <a:rPr lang="en-US" dirty="0"/>
-              <a:t>Then Ali said to my father: "O Prophet (s) of Allah, tell me what significance has Allah given for getting together underneath this cloak?"</a:t>
+              <a:t>“Indeed, Allah desires to repel all impurity from you, O People of the Household, and purify you with a thorough purification.”</a:t>
             </a:r>
           </a:p>
         </p:txBody>
@@ -23192,9 +24545,18 @@
   <p:clrMapOvr>
     <a:masterClrMapping/>
   </p:clrMapOvr>
-  <p:transition>
-    <p:fade/>
-  </p:transition>
+  <mc:AlternateContent xmlns:mc="http://schemas.openxmlformats.org/markup-compatibility/2006" xmlns:p14="http://schemas.microsoft.com/office/powerpoint/2010/main">
+    <mc:Choice Requires="p14">
+      <p:transition p14:dur="300">
+        <p:fade/>
+      </p:transition>
+    </mc:Choice>
+    <mc:Fallback xmlns="">
+      <p:transition>
+        <p:fade/>
+      </p:transition>
+    </mc:Fallback>
+  </mc:AlternateContent>
 </p:sld>
 </file>
 
@@ -23220,7 +24582,7 @@
           <p:cNvPr id="11" name="Title 3">
             <a:extLst>
               <a:ext uri="{FF2B5EF4-FFF2-40B4-BE49-F238E27FC236}">
-                <a16:creationId xmlns:a16="http://schemas.microsoft.com/office/drawing/2014/main" id="{A65BF036-B5C1-C7F1-94BB-B8DF4CA6E23C}"/>
+                <a16:creationId xmlns:a16="http://schemas.microsoft.com/office/drawing/2014/main" id="{4E604A7F-4B49-4FDE-B247-CED3E88C9DED}"/>
               </a:ext>
             </a:extLst>
           </p:cNvPr>
@@ -23243,7 +24605,7 @@
           <a:p>
             <a:r>
               <a:rPr lang="ar-SA" dirty="0"/>
-              <a:t>فَقالَ النَّبِيُّ وَالَّذِي بَعَثَنِي بِالْحَقِّ نَبِيَّاً</a:t>
+              <a:t>أَللّٰهُمَّ صَلِّ عَلٰى مُحَمَّدٍ وَآلِ مُحَمَّدٍ</a:t>
             </a:r>
             <a:endParaRPr lang="en-US" dirty="0"/>
           </a:p>
@@ -23254,7 +24616,7 @@
           <p:cNvPr id="12" name="Subtitle 4">
             <a:extLst>
               <a:ext uri="{FF2B5EF4-FFF2-40B4-BE49-F238E27FC236}">
-                <a16:creationId xmlns:a16="http://schemas.microsoft.com/office/drawing/2014/main" id="{64BB00AC-FC77-1563-81A4-CC1920F26099}"/>
+                <a16:creationId xmlns:a16="http://schemas.microsoft.com/office/drawing/2014/main" id="{0A3FC473-E56A-4E2F-BE7C-7E2CF70D6289}"/>
               </a:ext>
             </a:extLst>
           </p:cNvPr>
@@ -23276,25 +24638,40 @@
           <a:lstStyle/>
           <a:p>
             <a:r>
-              <a:rPr lang="it-IT" dirty="0"/>
-              <a:t>The Prophet (s) replied: </a:t>
-            </a:r>
-            <a:r>
               <a:rPr lang="en-US" dirty="0"/>
-              <a:t>"By Him who rightfully appointed me a Prophet (s)</a:t>
-            </a:r>
-            <a:endParaRPr lang="it-IT" dirty="0"/>
+              <a:t>O' Allah send Your blessings on Muhammad</a:t>
+            </a:r>
+          </a:p>
+          <a:p>
+            <a:r>
+              <a:rPr lang="en-US" dirty="0"/>
+              <a:t>and the family of Muhammad.</a:t>
+            </a:r>
           </a:p>
         </p:txBody>
       </p:sp>
     </p:spTree>
+    <p:extLst>
+      <p:ext uri="{BB962C8B-B14F-4D97-AF65-F5344CB8AC3E}">
+        <p14:creationId xmlns:p14="http://schemas.microsoft.com/office/powerpoint/2010/main" val="1977140436"/>
+      </p:ext>
+    </p:extLst>
   </p:cSld>
   <p:clrMapOvr>
     <a:masterClrMapping/>
   </p:clrMapOvr>
-  <p:transition>
-    <p:fade/>
-  </p:transition>
+  <mc:AlternateContent xmlns:mc="http://schemas.openxmlformats.org/markup-compatibility/2006" xmlns:p14="http://schemas.microsoft.com/office/powerpoint/2010/main">
+    <mc:Choice Requires="p14">
+      <p:transition p14:dur="300">
+        <p:fade/>
+      </p:transition>
+    </mc:Choice>
+    <mc:Fallback xmlns="">
+      <p:transition>
+        <p:fade/>
+      </p:transition>
+    </mc:Fallback>
+  </mc:AlternateContent>
 </p:sld>
 </file>
 
@@ -23320,7 +24697,7 @@
           <p:cNvPr id="11" name="Title 3">
             <a:extLst>
               <a:ext uri="{FF2B5EF4-FFF2-40B4-BE49-F238E27FC236}">
-                <a16:creationId xmlns:a16="http://schemas.microsoft.com/office/drawing/2014/main" id="{F5C9AE1A-7B65-1134-BE3A-32F915F1589B}"/>
+                <a16:creationId xmlns:a16="http://schemas.microsoft.com/office/drawing/2014/main" id="{54E301FD-3D36-E31C-92B0-8335BD8308D1}"/>
               </a:ext>
             </a:extLst>
           </p:cNvPr>
@@ -23343,7 +24720,18 @@
           <a:p>
             <a:r>
               <a:rPr lang="ar-SA" dirty="0"/>
-              <a:t>وَاصْطَفانِي بِالرِّسالَةِ نَجِيّاً</a:t>
+              <a:t>فَقالَ عَلِيٌّ لِأَبِي يَا رَسُولَ اللّهِ أَخْبِرْنِي مَا لِجُلُوسِنا</a:t>
+            </a:r>
+            <a:br>
+              <a:rPr lang="ar-SA" dirty="0"/>
+            </a:br>
+            <a:r>
+              <a:rPr lang="en-US" dirty="0"/>
+              <a:t> </a:t>
+            </a:r>
+            <a:r>
+              <a:rPr lang="ar-SA" dirty="0"/>
+              <a:t>هذَا تَحْتَ الْكِساءِ مِنَ الْفَضْلِ عِنْدَ اللّهُ</a:t>
             </a:r>
             <a:endParaRPr lang="en-US" dirty="0"/>
           </a:p>
@@ -23354,7 +24742,7 @@
           <p:cNvPr id="12" name="Subtitle 4">
             <a:extLst>
               <a:ext uri="{FF2B5EF4-FFF2-40B4-BE49-F238E27FC236}">
-                <a16:creationId xmlns:a16="http://schemas.microsoft.com/office/drawing/2014/main" id="{C8719FFC-2182-1D35-427C-9AFFA2E9BE91}"/>
+                <a16:creationId xmlns:a16="http://schemas.microsoft.com/office/drawing/2014/main" id="{B24507EC-523E-BA31-04B0-287B7C3A9D28}"/>
               </a:ext>
             </a:extLst>
           </p:cNvPr>
@@ -23377,7 +24765,7 @@
           <a:p>
             <a:r>
               <a:rPr lang="en-US" dirty="0"/>
-              <a:t>and chose me a Messenger for the salvation of the mankind.</a:t>
+              <a:t>Then Ali said to my father, “O Prophet (s) of Allah, tell me what significance has Allah given for getting together underneath this cloak?”</a:t>
             </a:r>
           </a:p>
         </p:txBody>
@@ -23387,9 +24775,18 @@
   <p:clrMapOvr>
     <a:masterClrMapping/>
   </p:clrMapOvr>
-  <p:transition>
-    <p:fade/>
-  </p:transition>
+  <mc:AlternateContent xmlns:mc="http://schemas.openxmlformats.org/markup-compatibility/2006" xmlns:p14="http://schemas.microsoft.com/office/powerpoint/2010/main">
+    <mc:Choice Requires="p14">
+      <p:transition p14:dur="300">
+        <p:fade/>
+      </p:transition>
+    </mc:Choice>
+    <mc:Fallback xmlns="">
+      <p:transition>
+        <p:fade/>
+      </p:transition>
+    </mc:Fallback>
+  </mc:AlternateContent>
 </p:sld>
 </file>
 
@@ -23415,7 +24812,7 @@
           <p:cNvPr id="11" name="Title 3">
             <a:extLst>
               <a:ext uri="{FF2B5EF4-FFF2-40B4-BE49-F238E27FC236}">
-                <a16:creationId xmlns:a16="http://schemas.microsoft.com/office/drawing/2014/main" id="{1377F11A-B0F6-CD1D-ABFD-D673F23FC9AC}"/>
+                <a16:creationId xmlns:a16="http://schemas.microsoft.com/office/drawing/2014/main" id="{A65BF036-B5C1-C7F1-94BB-B8DF4CA6E23C}"/>
               </a:ext>
             </a:extLst>
           </p:cNvPr>
@@ -23438,14 +24835,7 @@
           <a:p>
             <a:r>
               <a:rPr lang="ar-SA" dirty="0"/>
-              <a:t>مَا ذُكِرَ خَبَرُنا هذَا فِي</a:t>
-            </a:r>
-            <a:br>
-              <a:rPr lang="ar-SA" dirty="0"/>
-            </a:br>
-            <a:r>
-              <a:rPr lang="ar-SA" dirty="0"/>
-              <a:t>مَحْفِلٍ مِنْ مَحَافِلِ أَهْلِ الْأَرْضِ</a:t>
+              <a:t>فَقالَ النَّبِيُّ وَالَّذِي بَعَثَنِي بِالْحَقِّ نَبِيَّاً</a:t>
             </a:r>
             <a:endParaRPr lang="en-US" dirty="0"/>
           </a:p>
@@ -23456,7 +24846,7 @@
           <p:cNvPr id="12" name="Subtitle 4">
             <a:extLst>
               <a:ext uri="{FF2B5EF4-FFF2-40B4-BE49-F238E27FC236}">
-                <a16:creationId xmlns:a16="http://schemas.microsoft.com/office/drawing/2014/main" id="{B7C75EB0-1637-0DD7-3415-1668ECDFBA07}"/>
+                <a16:creationId xmlns:a16="http://schemas.microsoft.com/office/drawing/2014/main" id="{64BB00AC-FC77-1563-81A4-CC1920F26099}"/>
               </a:ext>
             </a:extLst>
           </p:cNvPr>
@@ -23478,26 +24868,34 @@
           <a:lstStyle/>
           <a:p>
             <a:r>
-              <a:rPr lang="en-US"/>
-              <a:t>whenever and wherever an assembly</a:t>
-            </a:r>
-            <a:endParaRPr lang="en-US" dirty="0"/>
+              <a:rPr lang="it-IT" dirty="0"/>
+              <a:t>The Prophet (s) replied</a:t>
+            </a:r>
+            <a:r>
+              <a:rPr lang="en-US" dirty="0"/>
+              <a:t>, “By Him who rightfully appointed me a Prophet,</a:t>
+            </a:r>
+            <a:endParaRPr lang="it-IT" dirty="0"/>
           </a:p>
         </p:txBody>
       </p:sp>
     </p:spTree>
-    <p:extLst>
-      <p:ext uri="{BB962C8B-B14F-4D97-AF65-F5344CB8AC3E}">
-        <p14:creationId xmlns:p14="http://schemas.microsoft.com/office/powerpoint/2010/main" val="565109928"/>
-      </p:ext>
-    </p:extLst>
   </p:cSld>
   <p:clrMapOvr>
     <a:masterClrMapping/>
   </p:clrMapOvr>
-  <p:transition>
-    <p:fade/>
-  </p:transition>
+  <mc:AlternateContent xmlns:mc="http://schemas.openxmlformats.org/markup-compatibility/2006" xmlns:p14="http://schemas.microsoft.com/office/powerpoint/2010/main">
+    <mc:Choice Requires="p14">
+      <p:transition p14:dur="300">
+        <p:fade/>
+      </p:transition>
+    </mc:Choice>
+    <mc:Fallback xmlns="">
+      <p:transition>
+        <p:fade/>
+      </p:transition>
+    </mc:Fallback>
+  </mc:AlternateContent>
 </p:sld>
 </file>
 
@@ -23523,7 +24921,7 @@
           <p:cNvPr id="11" name="Title 3">
             <a:extLst>
               <a:ext uri="{FF2B5EF4-FFF2-40B4-BE49-F238E27FC236}">
-                <a16:creationId xmlns:a16="http://schemas.microsoft.com/office/drawing/2014/main" id="{E009E17B-B754-A255-9368-72F1A469555F}"/>
+                <a16:creationId xmlns:a16="http://schemas.microsoft.com/office/drawing/2014/main" id="{F5C9AE1A-7B65-1134-BE3A-32F915F1589B}"/>
               </a:ext>
             </a:extLst>
           </p:cNvPr>
@@ -23545,8 +24943,8 @@
           <a:lstStyle/>
           <a:p>
             <a:r>
-              <a:rPr lang="ar-SA"/>
-              <a:t>وَفِيهِ جَمْعٌ مِنْ شِيعَتِنا وَمُحِبِّينا </a:t>
+              <a:rPr lang="ar-SA" dirty="0"/>
+              <a:t>وَاصْطَفانِي بِالرِّسالَةِ نَجِيّاً</a:t>
             </a:r>
             <a:endParaRPr lang="en-US" dirty="0"/>
           </a:p>
@@ -23557,7 +24955,7 @@
           <p:cNvPr id="12" name="Subtitle 4">
             <a:extLst>
               <a:ext uri="{FF2B5EF4-FFF2-40B4-BE49-F238E27FC236}">
-                <a16:creationId xmlns:a16="http://schemas.microsoft.com/office/drawing/2014/main" id="{D82C46BC-F832-EB65-3315-71224F3B8697}"/>
+                <a16:creationId xmlns:a16="http://schemas.microsoft.com/office/drawing/2014/main" id="{C8719FFC-2182-1D35-427C-9AFFA2E9BE91}"/>
               </a:ext>
             </a:extLst>
           </p:cNvPr>
@@ -23579,26 +24977,29 @@
           <a:lstStyle/>
           <a:p>
             <a:r>
-              <a:rPr lang="en-US"/>
-              <a:t>our followers and friends mentions this event, </a:t>
-            </a:r>
-            <a:endParaRPr lang="en-US" dirty="0"/>
+              <a:rPr lang="en-US" dirty="0"/>
+              <a:t>and chose me a Messenger for the salvation of the mankind,</a:t>
+            </a:r>
           </a:p>
         </p:txBody>
       </p:sp>
     </p:spTree>
-    <p:extLst>
-      <p:ext uri="{BB962C8B-B14F-4D97-AF65-F5344CB8AC3E}">
-        <p14:creationId xmlns:p14="http://schemas.microsoft.com/office/powerpoint/2010/main" val="3367533672"/>
-      </p:ext>
-    </p:extLst>
   </p:cSld>
   <p:clrMapOvr>
     <a:masterClrMapping/>
   </p:clrMapOvr>
-  <p:transition>
-    <p:fade/>
-  </p:transition>
+  <mc:AlternateContent xmlns:mc="http://schemas.openxmlformats.org/markup-compatibility/2006" xmlns:p14="http://schemas.microsoft.com/office/powerpoint/2010/main">
+    <mc:Choice Requires="p14">
+      <p:transition p14:dur="300">
+        <p:fade/>
+      </p:transition>
+    </mc:Choice>
+    <mc:Fallback xmlns="">
+      <p:transition>
+        <p:fade/>
+      </p:transition>
+    </mc:Fallback>
+  </mc:AlternateContent>
 </p:sld>
 </file>
 
@@ -23624,7 +25025,7 @@
           <p:cNvPr id="11" name="Title 3">
             <a:extLst>
               <a:ext uri="{FF2B5EF4-FFF2-40B4-BE49-F238E27FC236}">
-                <a16:creationId xmlns:a16="http://schemas.microsoft.com/office/drawing/2014/main" id="{F8CC7661-012F-661B-8997-C9A15B777F3C}"/>
+                <a16:creationId xmlns:a16="http://schemas.microsoft.com/office/drawing/2014/main" id="{1377F11A-B0F6-CD1D-ABFD-D673F23FC9AC}"/>
               </a:ext>
             </a:extLst>
           </p:cNvPr>
@@ -23647,7 +25048,14 @@
           <a:p>
             <a:r>
               <a:rPr lang="ar-SA" dirty="0"/>
-              <a:t>إِلَّا وَنَزَلَتْ عَلَيْهِمُ الرَّحْمَةُ </a:t>
+              <a:t>مَا ذُكِرَ خَبَرُنا هذَا فِي</a:t>
+            </a:r>
+            <a:br>
+              <a:rPr lang="ar-SA" dirty="0"/>
+            </a:br>
+            <a:r>
+              <a:rPr lang="ar-SA" dirty="0"/>
+              <a:t>مَحْفِلٍ مِنْ مَحَافِلِ أَهْلِ الْأَرْضِ</a:t>
             </a:r>
             <a:endParaRPr lang="en-US" dirty="0"/>
           </a:p>
@@ -23658,7 +25066,7 @@
           <p:cNvPr id="12" name="Subtitle 4">
             <a:extLst>
               <a:ext uri="{FF2B5EF4-FFF2-40B4-BE49-F238E27FC236}">
-                <a16:creationId xmlns:a16="http://schemas.microsoft.com/office/drawing/2014/main" id="{0ECCA0B4-1424-E4BB-9669-F1C6057FBBE8}"/>
+                <a16:creationId xmlns:a16="http://schemas.microsoft.com/office/drawing/2014/main" id="{B7C75EB0-1637-0DD7-3415-1668ECDFBA07}"/>
               </a:ext>
             </a:extLst>
           </p:cNvPr>
@@ -23681,20 +25089,34 @@
           <a:p>
             <a:r>
               <a:rPr lang="en-US"/>
-              <a:t>Allah will bestow on them His Blessings and Mercy; </a:t>
+              <a:t>whenever and wherever an assembly</a:t>
             </a:r>
             <a:endParaRPr lang="en-US" dirty="0"/>
           </a:p>
         </p:txBody>
       </p:sp>
     </p:spTree>
+    <p:extLst>
+      <p:ext uri="{BB962C8B-B14F-4D97-AF65-F5344CB8AC3E}">
+        <p14:creationId xmlns:p14="http://schemas.microsoft.com/office/powerpoint/2010/main" val="565109928"/>
+      </p:ext>
+    </p:extLst>
   </p:cSld>
   <p:clrMapOvr>
     <a:masterClrMapping/>
   </p:clrMapOvr>
-  <p:transition>
-    <p:fade/>
-  </p:transition>
+  <mc:AlternateContent xmlns:mc="http://schemas.openxmlformats.org/markup-compatibility/2006" xmlns:p14="http://schemas.microsoft.com/office/powerpoint/2010/main">
+    <mc:Choice Requires="p14">
+      <p:transition p14:dur="300">
+        <p:fade/>
+      </p:transition>
+    </mc:Choice>
+    <mc:Fallback xmlns="">
+      <p:transition>
+        <p:fade/>
+      </p:transition>
+    </mc:Fallback>
+  </mc:AlternateContent>
 </p:sld>
 </file>
 
@@ -23720,7 +25142,7 @@
           <p:cNvPr id="11" name="Title 3">
             <a:extLst>
               <a:ext uri="{FF2B5EF4-FFF2-40B4-BE49-F238E27FC236}">
-                <a16:creationId xmlns:a16="http://schemas.microsoft.com/office/drawing/2014/main" id="{4FBF3AA1-B1A8-3D96-3094-05EF5B570AA7}"/>
+                <a16:creationId xmlns:a16="http://schemas.microsoft.com/office/drawing/2014/main" id="{E009E17B-B754-A255-9368-72F1A469555F}"/>
               </a:ext>
             </a:extLst>
           </p:cNvPr>
@@ -23742,8 +25164,8 @@
           <a:lstStyle/>
           <a:p>
             <a:r>
-              <a:rPr lang="ar-SA" dirty="0"/>
-              <a:t>وَحَفَّتْ بِهِمُ الْمَلائِكَةُ وَاسْتَغْفَرَتْ لَهُمْ إِلى أَنْ يَتَفَرَّقُوا</a:t>
+              <a:rPr lang="ar-SA"/>
+              <a:t>وَفِيهِ جَمْعٌ مِنْ شِيعَتِنا وَمُحِبِّينا </a:t>
             </a:r>
             <a:endParaRPr lang="en-US" dirty="0"/>
           </a:p>
@@ -23754,7 +25176,7 @@
           <p:cNvPr id="12" name="Subtitle 4">
             <a:extLst>
               <a:ext uri="{FF2B5EF4-FFF2-40B4-BE49-F238E27FC236}">
-                <a16:creationId xmlns:a16="http://schemas.microsoft.com/office/drawing/2014/main" id="{F0CA3E84-FFB3-BA23-574D-4326054E0E45}"/>
+                <a16:creationId xmlns:a16="http://schemas.microsoft.com/office/drawing/2014/main" id="{D82C46BC-F832-EB65-3315-71224F3B8697}"/>
               </a:ext>
             </a:extLst>
           </p:cNvPr>
@@ -23777,20 +25199,34 @@
           <a:p>
             <a:r>
               <a:rPr lang="en-US"/>
-              <a:t>angels will encircle them asking Allah the remission of their sins until the assembly disperses</a:t>
+              <a:t>our followers and friends mentions this event, </a:t>
             </a:r>
             <a:endParaRPr lang="en-US" dirty="0"/>
           </a:p>
         </p:txBody>
       </p:sp>
     </p:spTree>
+    <p:extLst>
+      <p:ext uri="{BB962C8B-B14F-4D97-AF65-F5344CB8AC3E}">
+        <p14:creationId xmlns:p14="http://schemas.microsoft.com/office/powerpoint/2010/main" val="3367533672"/>
+      </p:ext>
+    </p:extLst>
   </p:cSld>
   <p:clrMapOvr>
     <a:masterClrMapping/>
   </p:clrMapOvr>
-  <p:transition>
-    <p:fade/>
-  </p:transition>
+  <mc:AlternateContent xmlns:mc="http://schemas.openxmlformats.org/markup-compatibility/2006" xmlns:p14="http://schemas.microsoft.com/office/powerpoint/2010/main">
+    <mc:Choice Requires="p14">
+      <p:transition p14:dur="300">
+        <p:fade/>
+      </p:transition>
+    </mc:Choice>
+    <mc:Fallback xmlns="">
+      <p:transition>
+        <p:fade/>
+      </p:transition>
+    </mc:Fallback>
+  </mc:AlternateContent>
 </p:sld>
 </file>
 
@@ -23816,7 +25252,7 @@
           <p:cNvPr id="11" name="Title 3">
             <a:extLst>
               <a:ext uri="{FF2B5EF4-FFF2-40B4-BE49-F238E27FC236}">
-                <a16:creationId xmlns:a16="http://schemas.microsoft.com/office/drawing/2014/main" id="{8729F7D2-2239-1D33-CA56-60F256E14EF8}"/>
+                <a16:creationId xmlns:a16="http://schemas.microsoft.com/office/drawing/2014/main" id="{F8CC7661-012F-661B-8997-C9A15B777F3C}"/>
               </a:ext>
             </a:extLst>
           </p:cNvPr>
@@ -23839,14 +25275,7 @@
           <a:p>
             <a:r>
               <a:rPr lang="ar-SA" dirty="0"/>
-              <a:t>فَقالَ عَلِيٌّ إِذنْ وَاللّهِ فُزْنَا</a:t>
-            </a:r>
-            <a:br>
-              <a:rPr lang="ar-SA" dirty="0"/>
-            </a:br>
-            <a:r>
-              <a:rPr lang="ar-SA" dirty="0"/>
-              <a:t>وَفازَ شِيعَتُنا وَرَبِّ الْكَعْبَةِ</a:t>
+              <a:t>إِلَّا وَنَزَلَتْ عَلَيْهِمُ الرَّحْمَةُ </a:t>
             </a:r>
             <a:endParaRPr lang="en-US" dirty="0"/>
           </a:p>
@@ -23857,7 +25286,7 @@
           <p:cNvPr id="12" name="Subtitle 4">
             <a:extLst>
               <a:ext uri="{FF2B5EF4-FFF2-40B4-BE49-F238E27FC236}">
-                <a16:creationId xmlns:a16="http://schemas.microsoft.com/office/drawing/2014/main" id="{C6957A3D-8C04-D677-A8DD-01BE52B9D996}"/>
+                <a16:creationId xmlns:a16="http://schemas.microsoft.com/office/drawing/2014/main" id="{0ECCA0B4-1424-E4BB-9669-F1C6057FBBE8}"/>
               </a:ext>
             </a:extLst>
           </p:cNvPr>
@@ -23879,17 +25308,10 @@
           <a:lstStyle/>
           <a:p>
             <a:r>
-              <a:rPr lang="en-US" dirty="0"/>
-              <a:t>So Ali said: "Verily, by the Lord of </a:t>
-            </a:r>
-            <a:r>
-              <a:rPr lang="en-US" dirty="0" err="1"/>
-              <a:t>Kabaa</a:t>
-            </a:r>
-            <a:r>
-              <a:rPr lang="en-US" dirty="0"/>
-              <a:t>! we and our followers are the winners"</a:t>
-            </a:r>
+              <a:rPr lang="en-US"/>
+              <a:t>Allah will bestow on them His Blessings and Mercy; </a:t>
+            </a:r>
+            <a:endParaRPr lang="en-US" dirty="0"/>
           </a:p>
         </p:txBody>
       </p:sp>
@@ -23898,9 +25320,18 @@
   <p:clrMapOvr>
     <a:masterClrMapping/>
   </p:clrMapOvr>
-  <p:transition>
-    <p:fade/>
-  </p:transition>
+  <mc:AlternateContent xmlns:mc="http://schemas.openxmlformats.org/markup-compatibility/2006" xmlns:p14="http://schemas.microsoft.com/office/powerpoint/2010/main">
+    <mc:Choice Requires="p14">
+      <p:transition p14:dur="300">
+        <p:fade/>
+      </p:transition>
+    </mc:Choice>
+    <mc:Fallback xmlns="">
+      <p:transition>
+        <p:fade/>
+      </p:transition>
+    </mc:Fallback>
+  </mc:AlternateContent>
 </p:sld>
 </file>
 
@@ -23926,7 +25357,7 @@
           <p:cNvPr id="11" name="Title 3">
             <a:extLst>
               <a:ext uri="{FF2B5EF4-FFF2-40B4-BE49-F238E27FC236}">
-                <a16:creationId xmlns:a16="http://schemas.microsoft.com/office/drawing/2014/main" id="{76F7F801-FF94-63AB-3348-8C582367DD49}"/>
+                <a16:creationId xmlns:a16="http://schemas.microsoft.com/office/drawing/2014/main" id="{4FBF3AA1-B1A8-3D96-3094-05EF5B570AA7}"/>
               </a:ext>
             </a:extLst>
           </p:cNvPr>
@@ -23949,7 +25380,7 @@
           <a:p>
             <a:r>
               <a:rPr lang="ar-SA" dirty="0"/>
-              <a:t>فَقالَ النَّبِيُّ ثانِياً</a:t>
+              <a:t>وَحَفَّتْ بِهِمُ الْمَلائِكَةُ وَاسْتَغْفَرَتْ لَهُمْ إِلى أَنْ يَتَفَرَّقُوا</a:t>
             </a:r>
             <a:endParaRPr lang="en-US" dirty="0"/>
           </a:p>
@@ -23960,7 +25391,7 @@
           <p:cNvPr id="12" name="Subtitle 4">
             <a:extLst>
               <a:ext uri="{FF2B5EF4-FFF2-40B4-BE49-F238E27FC236}">
-                <a16:creationId xmlns:a16="http://schemas.microsoft.com/office/drawing/2014/main" id="{FE4FA00C-FB7A-658E-C178-4F7FCAAA6D98}"/>
+                <a16:creationId xmlns:a16="http://schemas.microsoft.com/office/drawing/2014/main" id="{F0CA3E84-FFB3-BA23-574D-4326054E0E45}"/>
               </a:ext>
             </a:extLst>
           </p:cNvPr>
@@ -23982,18 +25413,10 @@
           <a:lstStyle/>
           <a:p>
             <a:r>
-              <a:rPr lang="it-IT" dirty="0"/>
-              <a:t>Then my father</a:t>
-            </a:r>
-            <a:r>
-              <a:rPr lang="ar-SA" dirty="0"/>
-              <a:t> </a:t>
-            </a:r>
-            <a:r>
-              <a:rPr lang="en-CA" dirty="0"/>
-              <a:t>said again:</a:t>
-            </a:r>
-            <a:endParaRPr lang="it-IT" dirty="0"/>
+              <a:rPr lang="en-US"/>
+              <a:t>angels will encircle them asking Allah the remission of their sins until the assembly disperses</a:t>
+            </a:r>
+            <a:endParaRPr lang="en-US" dirty="0"/>
           </a:p>
         </p:txBody>
       </p:sp>
@@ -24002,9 +25425,18 @@
   <p:clrMapOvr>
     <a:masterClrMapping/>
   </p:clrMapOvr>
-  <p:transition>
-    <p:fade/>
-  </p:transition>
+  <mc:AlternateContent xmlns:mc="http://schemas.openxmlformats.org/markup-compatibility/2006" xmlns:p14="http://schemas.microsoft.com/office/powerpoint/2010/main">
+    <mc:Choice Requires="p14">
+      <p:transition p14:dur="300">
+        <p:fade/>
+      </p:transition>
+    </mc:Choice>
+    <mc:Fallback xmlns="">
+      <p:transition>
+        <p:fade/>
+      </p:transition>
+    </mc:Fallback>
+  </mc:AlternateContent>
 </p:sld>
 </file>
 
